--- a/Presentations/1_presentation.pptx
+++ b/Presentations/1_presentation.pptx
@@ -6,22 +6,26 @@
     <p:sldMasterId id="2147483881" r:id="rId2"/>
   </p:sldMasterIdLst>
   <p:notesMasterIdLst>
-    <p:notesMasterId r:id="rId13"/>
+    <p:notesMasterId r:id="rId17"/>
   </p:notesMasterIdLst>
   <p:handoutMasterIdLst>
-    <p:handoutMasterId r:id="rId14"/>
+    <p:handoutMasterId r:id="rId18"/>
   </p:handoutMasterIdLst>
   <p:sldIdLst>
     <p:sldId id="288" r:id="rId3"/>
     <p:sldId id="307" r:id="rId4"/>
     <p:sldId id="308" r:id="rId5"/>
-    <p:sldId id="309" r:id="rId6"/>
-    <p:sldId id="310" r:id="rId7"/>
-    <p:sldId id="312" r:id="rId8"/>
-    <p:sldId id="313" r:id="rId9"/>
-    <p:sldId id="314" r:id="rId10"/>
-    <p:sldId id="311" r:id="rId11"/>
-    <p:sldId id="285" r:id="rId12"/>
+    <p:sldId id="315" r:id="rId6"/>
+    <p:sldId id="309" r:id="rId7"/>
+    <p:sldId id="310" r:id="rId8"/>
+    <p:sldId id="317" r:id="rId9"/>
+    <p:sldId id="312" r:id="rId10"/>
+    <p:sldId id="313" r:id="rId11"/>
+    <p:sldId id="314" r:id="rId12"/>
+    <p:sldId id="311" r:id="rId13"/>
+    <p:sldId id="316" r:id="rId14"/>
+    <p:sldId id="318" r:id="rId15"/>
+    <p:sldId id="285" r:id="rId16"/>
   </p:sldIdLst>
   <p:sldSz cx="9144000" cy="5143500" type="screen16x9"/>
   <p:notesSz cx="6858000" cy="9144000"/>
@@ -286,7 +290,7 @@
               <a:pPr>
                 <a:defRPr/>
               </a:pPr>
-              <a:t>11.04.2023</a:t>
+              <a:t>12.04.2023</a:t>
             </a:fld>
             <a:endParaRPr lang="de-DE" altLang="de-DE" dirty="0">
               <a:latin typeface="Arial" panose="020B0604020202020204" pitchFamily="34" charset="0"/>
@@ -516,7 +520,7 @@
               <a:pPr>
                 <a:defRPr/>
               </a:pPr>
-              <a:t>11.04.2023</a:t>
+              <a:t>12.04.2023</a:t>
             </a:fld>
             <a:endParaRPr lang="de-DE" altLang="de-DE" dirty="0"/>
           </a:p>
@@ -8245,23 +8249,6 @@
       </p:pic>
       <p:sp>
         <p:nvSpPr>
-          <p:cNvPr id="17413" name="Bildplatzhalter 1"/>
-          <p:cNvSpPr>
-            <a:spLocks noGrp="1" noTextEdit="1"/>
-          </p:cNvSpPr>
-          <p:nvPr>
-            <p:ph type="pic" sz="quarter" idx="12"/>
-          </p:nvPr>
-        </p:nvSpPr>
-        <p:spPr>
-          <a:xfrm>
-            <a:off x="2473325" y="4438650"/>
-            <a:ext cx="2044700" cy="517525"/>
-          </a:xfrm>
-        </p:spPr>
-      </p:sp>
-      <p:sp>
-        <p:nvSpPr>
           <p:cNvPr id="17414" name="Inhaltsplatzhalter 3"/>
           <p:cNvSpPr>
             <a:spLocks noGrp="1"/>
@@ -8310,949 +8297,6 @@
 </file>
 
 <file path=ppt/slides/slide10.xml><?xml version="1.0" encoding="utf-8"?>
-<p:sld xmlns:a="http://schemas.openxmlformats.org/drawingml/2006/main" xmlns:r="http://schemas.openxmlformats.org/officeDocument/2006/relationships" xmlns:p="http://schemas.openxmlformats.org/presentationml/2006/main">
-  <p:cSld>
-    <p:spTree>
-      <p:nvGrpSpPr>
-        <p:cNvPr id="1" name=""/>
-        <p:cNvGrpSpPr/>
-        <p:nvPr/>
-      </p:nvGrpSpPr>
-      <p:grpSpPr>
-        <a:xfrm>
-          <a:off x="0" y="0"/>
-          <a:ext cx="0" cy="0"/>
-          <a:chOff x="0" y="0"/>
-          <a:chExt cx="0" cy="0"/>
-        </a:xfrm>
-      </p:grpSpPr>
-      <p:sp>
-        <p:nvSpPr>
-          <p:cNvPr id="2" name="Titel 1"/>
-          <p:cNvSpPr>
-            <a:spLocks noGrp="1"/>
-          </p:cNvSpPr>
-          <p:nvPr>
-            <p:ph type="ctrTitle"/>
-          </p:nvPr>
-        </p:nvSpPr>
-        <p:spPr>
-          <a:xfrm>
-            <a:off x="365125" y="1584325"/>
-            <a:ext cx="7985125" cy="561975"/>
-          </a:xfrm>
-        </p:spPr>
-        <p:txBody>
-          <a:bodyPr/>
-          <a:lstStyle/>
-          <a:p>
-            <a:pPr eaLnBrk="1" fontAlgn="auto" hangingPunct="1">
-              <a:spcAft>
-                <a:spcPts val="0"/>
-              </a:spcAft>
-              <a:defRPr/>
-            </a:pPr>
-            <a:r>
-              <a:rPr lang="de-DE" dirty="0">
-                <a:ea typeface="+mj-ea"/>
-              </a:rPr>
-              <a:t>Vielen Dank!</a:t>
-            </a:r>
-          </a:p>
-        </p:txBody>
-      </p:sp>
-      <p:sp>
-        <p:nvSpPr>
-          <p:cNvPr id="33795" name="Inhaltsplatzhalter 2"/>
-          <p:cNvSpPr>
-            <a:spLocks noGrp="1"/>
-          </p:cNvSpPr>
-          <p:nvPr>
-            <p:ph sz="half" idx="2"/>
-          </p:nvPr>
-        </p:nvSpPr>
-        <p:spPr>
-          <a:xfrm>
-            <a:off x="365125" y="2449513"/>
-            <a:ext cx="6924675" cy="2457450"/>
-          </a:xfrm>
-        </p:spPr>
-        <p:txBody>
-          <a:bodyPr/>
-          <a:lstStyle/>
-          <a:p>
-            <a:pPr eaLnBrk="1" hangingPunct="1"/>
-            <a:r>
-              <a:rPr lang="de-DE" altLang="de-DE" sz="1600" b="1" dirty="0">
-                <a:latin typeface="Arial" panose="020B0604020202020204" pitchFamily="34" charset="0"/>
-                <a:cs typeface="Arial" panose="020B0604020202020204" pitchFamily="34" charset="0"/>
-              </a:rPr>
-              <a:t>Robert Künzel</a:t>
-            </a:r>
-          </a:p>
-          <a:p>
-            <a:pPr eaLnBrk="1" hangingPunct="1"/>
-            <a:r>
-              <a:rPr lang="de-DE" altLang="de-DE" sz="1600" dirty="0">
-                <a:latin typeface="Arial" panose="020B0604020202020204" pitchFamily="34" charset="0"/>
-                <a:cs typeface="Arial" panose="020B0604020202020204" pitchFamily="34" charset="0"/>
-              </a:rPr>
-              <a:t>Institut für Medizinische Informatik, Statistik und Epidemiologie (IMISE)</a:t>
-            </a:r>
-          </a:p>
-          <a:p>
-            <a:pPr eaLnBrk="1" hangingPunct="1"/>
-            <a:endParaRPr lang="de-DE" altLang="de-DE" sz="1600" dirty="0">
-              <a:latin typeface="Arial" panose="020B0604020202020204" pitchFamily="34" charset="0"/>
-              <a:cs typeface="Arial" panose="020B0604020202020204" pitchFamily="34" charset="0"/>
-            </a:endParaRPr>
-          </a:p>
-          <a:p>
-            <a:pPr eaLnBrk="1" hangingPunct="1"/>
-            <a:endParaRPr lang="de-DE" altLang="de-DE" sz="1600" dirty="0">
-              <a:latin typeface="Arial" panose="020B0604020202020204" pitchFamily="34" charset="0"/>
-              <a:cs typeface="Arial" panose="020B0604020202020204" pitchFamily="34" charset="0"/>
-            </a:endParaRPr>
-          </a:p>
-          <a:p>
-            <a:pPr eaLnBrk="1" hangingPunct="1"/>
-            <a:endParaRPr lang="de-DE" altLang="de-DE" sz="1600" dirty="0">
-              <a:latin typeface="Arial" panose="020B0604020202020204" pitchFamily="34" charset="0"/>
-              <a:cs typeface="Arial" panose="020B0604020202020204" pitchFamily="34" charset="0"/>
-            </a:endParaRPr>
-          </a:p>
-          <a:p>
-            <a:pPr eaLnBrk="1" hangingPunct="1"/>
-            <a:endParaRPr lang="de-DE" altLang="de-DE" sz="1600" dirty="0">
-              <a:latin typeface="Arial" panose="020B0604020202020204" pitchFamily="34" charset="0"/>
-              <a:cs typeface="Arial" panose="020B0604020202020204" pitchFamily="34" charset="0"/>
-            </a:endParaRPr>
-          </a:p>
-          <a:p>
-            <a:pPr eaLnBrk="1" hangingPunct="1">
-              <a:lnSpc>
-                <a:spcPct val="110000"/>
-              </a:lnSpc>
-            </a:pPr>
-            <a:r>
-              <a:rPr lang="de-DE" altLang="de-DE" sz="1600" dirty="0">
-                <a:latin typeface="Arial" panose="020B0604020202020204" pitchFamily="34" charset="0"/>
-                <a:cs typeface="Arial" panose="020B0604020202020204" pitchFamily="34" charset="0"/>
-              </a:rPr>
-              <a:t>robert.kuenzel@studserv.uni-leipzig.de</a:t>
-            </a:r>
-          </a:p>
-          <a:p>
-            <a:pPr eaLnBrk="1" hangingPunct="1">
-              <a:lnSpc>
-                <a:spcPct val="110000"/>
-              </a:lnSpc>
-            </a:pPr>
-            <a:r>
-              <a:rPr lang="de-DE" altLang="de-DE" sz="1600" dirty="0">
-                <a:latin typeface="Arial" panose="020B0604020202020204" pitchFamily="34" charset="0"/>
-                <a:cs typeface="Arial" panose="020B0604020202020204" pitchFamily="34" charset="0"/>
-              </a:rPr>
-              <a:t>www.imise.uni-leipzig.de</a:t>
-            </a:r>
-            <a:endParaRPr lang="de-DE" altLang="de-DE" dirty="0">
-              <a:latin typeface="Arial" panose="020B0604020202020204" pitchFamily="34" charset="0"/>
-              <a:cs typeface="Arial" panose="020B0604020202020204" pitchFamily="34" charset="0"/>
-            </a:endParaRPr>
-          </a:p>
-          <a:p>
-            <a:pPr eaLnBrk="1" hangingPunct="1"/>
-            <a:endParaRPr lang="de-DE" altLang="de-DE" dirty="0">
-              <a:latin typeface="Arial" panose="020B0604020202020204" pitchFamily="34" charset="0"/>
-              <a:cs typeface="Arial" panose="020B0604020202020204" pitchFamily="34" charset="0"/>
-            </a:endParaRPr>
-          </a:p>
-        </p:txBody>
-      </p:sp>
-    </p:spTree>
-  </p:cSld>
-  <p:clrMapOvr>
-    <a:masterClrMapping/>
-  </p:clrMapOvr>
-</p:sld>
-</file>
-
-<file path=ppt/slides/slide2.xml><?xml version="1.0" encoding="utf-8"?>
-<p:sld xmlns:a="http://schemas.openxmlformats.org/drawingml/2006/main" xmlns:r="http://schemas.openxmlformats.org/officeDocument/2006/relationships" xmlns:p="http://schemas.openxmlformats.org/presentationml/2006/main">
-  <p:cSld>
-    <p:spTree>
-      <p:nvGrpSpPr>
-        <p:cNvPr id="1" name=""/>
-        <p:cNvGrpSpPr/>
-        <p:nvPr/>
-      </p:nvGrpSpPr>
-      <p:grpSpPr>
-        <a:xfrm>
-          <a:off x="0" y="0"/>
-          <a:ext cx="0" cy="0"/>
-          <a:chOff x="0" y="0"/>
-          <a:chExt cx="0" cy="0"/>
-        </a:xfrm>
-      </p:grpSpPr>
-      <p:sp>
-        <p:nvSpPr>
-          <p:cNvPr id="2" name="Titel 1">
-            <a:extLst>
-              <a:ext uri="{FF2B5EF4-FFF2-40B4-BE49-F238E27FC236}">
-                <a16:creationId xmlns:a16="http://schemas.microsoft.com/office/drawing/2014/main" id="{CC89EAC8-2120-2706-7541-5F69DCBDC0F4}"/>
-              </a:ext>
-            </a:extLst>
-          </p:cNvPr>
-          <p:cNvSpPr>
-            <a:spLocks noGrp="1"/>
-          </p:cNvSpPr>
-          <p:nvPr>
-            <p:ph type="title"/>
-          </p:nvPr>
-        </p:nvSpPr>
-        <p:spPr/>
-        <p:txBody>
-          <a:bodyPr/>
-          <a:lstStyle/>
-          <a:p>
-            <a:r>
-              <a:rPr lang="de-DE" dirty="0"/>
-              <a:t>Gliederung</a:t>
-            </a:r>
-          </a:p>
-        </p:txBody>
-      </p:sp>
-      <p:sp>
-        <p:nvSpPr>
-          <p:cNvPr id="3" name="Inhaltsplatzhalter 2">
-            <a:extLst>
-              <a:ext uri="{FF2B5EF4-FFF2-40B4-BE49-F238E27FC236}">
-                <a16:creationId xmlns:a16="http://schemas.microsoft.com/office/drawing/2014/main" id="{DEBEF535-E77D-01EA-5801-93029736F0D1}"/>
-              </a:ext>
-            </a:extLst>
-          </p:cNvPr>
-          <p:cNvSpPr>
-            <a:spLocks noGrp="1"/>
-          </p:cNvSpPr>
-          <p:nvPr>
-            <p:ph idx="1"/>
-          </p:nvPr>
-        </p:nvSpPr>
-        <p:spPr>
-          <a:xfrm>
-            <a:off x="457200" y="1157801"/>
-            <a:ext cx="8234363" cy="3444891"/>
-          </a:xfrm>
-        </p:spPr>
-        <p:txBody>
-          <a:bodyPr/>
-          <a:lstStyle/>
-          <a:p>
-            <a:pPr marL="342900" indent="-342900">
-              <a:buFont typeface="+mj-lt"/>
-              <a:buAutoNum type="arabicPeriod"/>
-            </a:pPr>
-            <a:r>
-              <a:rPr lang="de-DE" dirty="0"/>
-              <a:t>Gegenstand</a:t>
-            </a:r>
-          </a:p>
-          <a:p>
-            <a:pPr marL="342900" indent="-342900">
-              <a:buFont typeface="+mj-lt"/>
-              <a:buAutoNum type="arabicPeriod"/>
-            </a:pPr>
-            <a:r>
-              <a:rPr lang="de-DE" dirty="0"/>
-              <a:t>Aufgabenstellung</a:t>
-            </a:r>
-          </a:p>
-          <a:p>
-            <a:pPr marL="342900" indent="-342900">
-              <a:buFont typeface="+mj-lt"/>
-              <a:buAutoNum type="arabicPeriod"/>
-            </a:pPr>
-            <a:r>
-              <a:rPr lang="de-DE" dirty="0"/>
-              <a:t>Forschungsstand</a:t>
-            </a:r>
-          </a:p>
-          <a:p>
-            <a:pPr marL="787400" lvl="1" indent="-342900">
-              <a:buFont typeface="+mj-lt"/>
-              <a:buAutoNum type="alphaLcPeriod"/>
-            </a:pPr>
-            <a:r>
-              <a:rPr lang="de-DE" dirty="0"/>
-              <a:t>Wohnungslosigkeit</a:t>
-            </a:r>
-          </a:p>
-          <a:p>
-            <a:pPr marL="787400" lvl="1" indent="-342900">
-              <a:buFont typeface="+mj-lt"/>
-              <a:buAutoNum type="alphaLcPeriod"/>
-            </a:pPr>
-            <a:r>
-              <a:rPr lang="de-DE" dirty="0"/>
-              <a:t>Hilfsangebote</a:t>
-            </a:r>
-          </a:p>
-          <a:p>
-            <a:pPr marL="787400" lvl="1" indent="-342900">
-              <a:buFont typeface="+mj-lt"/>
-              <a:buAutoNum type="alphaLcPeriod"/>
-            </a:pPr>
-            <a:r>
-              <a:rPr lang="de-DE" dirty="0"/>
-              <a:t>Bestehende Ansätze</a:t>
-            </a:r>
-          </a:p>
-          <a:p>
-            <a:pPr marL="342900" indent="-342900">
-              <a:buFont typeface="+mj-lt"/>
-              <a:buAutoNum type="arabicPeriod"/>
-            </a:pPr>
-            <a:r>
-              <a:rPr lang="de-DE" dirty="0"/>
-              <a:t>Ablaufplan</a:t>
-            </a:r>
-          </a:p>
-        </p:txBody>
-      </p:sp>
-    </p:spTree>
-    <p:extLst>
-      <p:ext uri="{BB962C8B-B14F-4D97-AF65-F5344CB8AC3E}">
-        <p14:creationId xmlns:p14="http://schemas.microsoft.com/office/powerpoint/2010/main" val="2348268908"/>
-      </p:ext>
-    </p:extLst>
-  </p:cSld>
-  <p:clrMapOvr>
-    <a:masterClrMapping/>
-  </p:clrMapOvr>
-</p:sld>
-</file>
-
-<file path=ppt/slides/slide3.xml><?xml version="1.0" encoding="utf-8"?>
-<p:sld xmlns:a="http://schemas.openxmlformats.org/drawingml/2006/main" xmlns:r="http://schemas.openxmlformats.org/officeDocument/2006/relationships" xmlns:p="http://schemas.openxmlformats.org/presentationml/2006/main">
-  <p:cSld>
-    <p:spTree>
-      <p:nvGrpSpPr>
-        <p:cNvPr id="1" name=""/>
-        <p:cNvGrpSpPr/>
-        <p:nvPr/>
-      </p:nvGrpSpPr>
-      <p:grpSpPr>
-        <a:xfrm>
-          <a:off x="0" y="0"/>
-          <a:ext cx="0" cy="0"/>
-          <a:chOff x="0" y="0"/>
-          <a:chExt cx="0" cy="0"/>
-        </a:xfrm>
-      </p:grpSpPr>
-      <p:sp>
-        <p:nvSpPr>
-          <p:cNvPr id="2" name="Titel 1">
-            <a:extLst>
-              <a:ext uri="{FF2B5EF4-FFF2-40B4-BE49-F238E27FC236}">
-                <a16:creationId xmlns:a16="http://schemas.microsoft.com/office/drawing/2014/main" id="{C5451986-4743-3A5B-1502-4A87ED070AEE}"/>
-              </a:ext>
-            </a:extLst>
-          </p:cNvPr>
-          <p:cNvSpPr>
-            <a:spLocks noGrp="1"/>
-          </p:cNvSpPr>
-          <p:nvPr>
-            <p:ph type="title"/>
-          </p:nvPr>
-        </p:nvSpPr>
-        <p:spPr/>
-        <p:txBody>
-          <a:bodyPr/>
-          <a:lstStyle/>
-          <a:p>
-            <a:r>
-              <a:rPr lang="de-DE" dirty="0"/>
-              <a:t>1. Gegenstand</a:t>
-            </a:r>
-          </a:p>
-        </p:txBody>
-      </p:sp>
-      <p:sp>
-        <p:nvSpPr>
-          <p:cNvPr id="3" name="Inhaltsplatzhalter 2">
-            <a:extLst>
-              <a:ext uri="{FF2B5EF4-FFF2-40B4-BE49-F238E27FC236}">
-                <a16:creationId xmlns:a16="http://schemas.microsoft.com/office/drawing/2014/main" id="{11AC1CB3-EE72-72F9-3D38-AB3A940BBBA6}"/>
-              </a:ext>
-            </a:extLst>
-          </p:cNvPr>
-          <p:cNvSpPr>
-            <a:spLocks noGrp="1"/>
-          </p:cNvSpPr>
-          <p:nvPr>
-            <p:ph idx="1"/>
-          </p:nvPr>
-        </p:nvSpPr>
-        <p:spPr/>
-        <p:txBody>
-          <a:bodyPr/>
-          <a:lstStyle/>
-          <a:p>
-            <a:r>
-              <a:rPr lang="de-DE" dirty="0"/>
-              <a:t>417.000 wohnungslose Menschen in Deutschland (2020)</a:t>
-            </a:r>
-          </a:p>
-          <a:p>
-            <a:pPr lvl="1"/>
-            <a:r>
-              <a:rPr lang="de-DE" dirty="0"/>
-              <a:t>davon 45.000 obdachlos</a:t>
-            </a:r>
-          </a:p>
-          <a:p>
-            <a:r>
-              <a:rPr lang="de-DE" dirty="0"/>
-              <a:t>starke Prävalenz von somatischen und psychischen Erkrankungen</a:t>
-            </a:r>
-          </a:p>
-          <a:p>
-            <a:r>
-              <a:rPr lang="de-DE" dirty="0"/>
-              <a:t>Meidung von medizinischen Einrichtungen aufgrund</a:t>
-            </a:r>
-          </a:p>
-          <a:p>
-            <a:pPr lvl="1"/>
-            <a:r>
-              <a:rPr lang="de-DE" dirty="0"/>
-              <a:t>unklarer Versicherungsstatus</a:t>
-            </a:r>
-          </a:p>
-          <a:p>
-            <a:pPr lvl="1"/>
-            <a:r>
-              <a:rPr lang="de-DE" dirty="0"/>
-              <a:t>Angst vor Diskriminierung</a:t>
-            </a:r>
-          </a:p>
-          <a:p>
-            <a:pPr lvl="1"/>
-            <a:r>
-              <a:rPr lang="de-DE" dirty="0"/>
-              <a:t>Scham</a:t>
-            </a:r>
-          </a:p>
-          <a:p>
-            <a:pPr lvl="1"/>
-            <a:r>
-              <a:rPr lang="de-DE" dirty="0"/>
-              <a:t>Priorisierung von Schlafplatzsuche </a:t>
-            </a:r>
-            <a:r>
-              <a:rPr lang="de-DE" dirty="0" err="1"/>
-              <a:t>u.A.</a:t>
-            </a:r>
-            <a:endParaRPr lang="de-DE" dirty="0"/>
-          </a:p>
-          <a:p>
-            <a:pPr lvl="1"/>
-            <a:r>
-              <a:rPr lang="de-DE" dirty="0"/>
-              <a:t>Wunsch nach Anonymität</a:t>
-            </a:r>
-          </a:p>
-          <a:p>
-            <a:r>
-              <a:rPr lang="de-DE" dirty="0"/>
-              <a:t>Hilfsangebote zur Beratung und Vermittlung an med. Einrichtungen</a:t>
-            </a:r>
-          </a:p>
-        </p:txBody>
-      </p:sp>
-      <p:sp>
-        <p:nvSpPr>
-          <p:cNvPr id="4" name="Foliennummernplatzhalter 3">
-            <a:extLst>
-              <a:ext uri="{FF2B5EF4-FFF2-40B4-BE49-F238E27FC236}">
-                <a16:creationId xmlns:a16="http://schemas.microsoft.com/office/drawing/2014/main" id="{4594CC31-3FF4-E60A-A165-4CC47548ACB3}"/>
-              </a:ext>
-            </a:extLst>
-          </p:cNvPr>
-          <p:cNvSpPr>
-            <a:spLocks noGrp="1"/>
-          </p:cNvSpPr>
-          <p:nvPr>
-            <p:ph type="sldNum" sz="quarter" idx="4"/>
-          </p:nvPr>
-        </p:nvSpPr>
-        <p:spPr/>
-        <p:txBody>
-          <a:bodyPr/>
-          <a:lstStyle/>
-          <a:p>
-            <a:pPr>
-              <a:defRPr/>
-            </a:pPr>
-            <a:fld id="{AFCF9BA9-AB08-46E1-A235-3AC71B2FE2C1}" type="slidenum">
-              <a:rPr lang="de-DE" altLang="de-DE" sz="1000" smtClean="0">
-                <a:solidFill>
-                  <a:srgbClr val="D8413E"/>
-                </a:solidFill>
-                <a:latin typeface="Arial" panose="020B0604020202020204" pitchFamily="34" charset="0"/>
-                <a:cs typeface="Arial" panose="020B0604020202020204" pitchFamily="34" charset="0"/>
-              </a:rPr>
-              <a:pPr>
-                <a:defRPr/>
-              </a:pPr>
-              <a:t>3</a:t>
-            </a:fld>
-            <a:endParaRPr lang="de-DE" altLang="de-DE" sz="1000" dirty="0">
-              <a:solidFill>
-                <a:srgbClr val="D8413E"/>
-              </a:solidFill>
-              <a:latin typeface="Arial" panose="020B0604020202020204" pitchFamily="34" charset="0"/>
-              <a:cs typeface="Arial" panose="020B0604020202020204" pitchFamily="34" charset="0"/>
-            </a:endParaRPr>
-          </a:p>
-        </p:txBody>
-      </p:sp>
-    </p:spTree>
-    <p:extLst>
-      <p:ext uri="{BB962C8B-B14F-4D97-AF65-F5344CB8AC3E}">
-        <p14:creationId xmlns:p14="http://schemas.microsoft.com/office/powerpoint/2010/main" val="1574708085"/>
-      </p:ext>
-    </p:extLst>
-  </p:cSld>
-  <p:clrMapOvr>
-    <a:masterClrMapping/>
-  </p:clrMapOvr>
-</p:sld>
-</file>
-
-<file path=ppt/slides/slide4.xml><?xml version="1.0" encoding="utf-8"?>
-<p:sld xmlns:a="http://schemas.openxmlformats.org/drawingml/2006/main" xmlns:r="http://schemas.openxmlformats.org/officeDocument/2006/relationships" xmlns:p="http://schemas.openxmlformats.org/presentationml/2006/main">
-  <p:cSld>
-    <p:spTree>
-      <p:nvGrpSpPr>
-        <p:cNvPr id="1" name=""/>
-        <p:cNvGrpSpPr/>
-        <p:nvPr/>
-      </p:nvGrpSpPr>
-      <p:grpSpPr>
-        <a:xfrm>
-          <a:off x="0" y="0"/>
-          <a:ext cx="0" cy="0"/>
-          <a:chOff x="0" y="0"/>
-          <a:chExt cx="0" cy="0"/>
-        </a:xfrm>
-      </p:grpSpPr>
-      <p:sp>
-        <p:nvSpPr>
-          <p:cNvPr id="2" name="Titel 1">
-            <a:extLst>
-              <a:ext uri="{FF2B5EF4-FFF2-40B4-BE49-F238E27FC236}">
-                <a16:creationId xmlns:a16="http://schemas.microsoft.com/office/drawing/2014/main" id="{72FEE536-8460-4341-1982-8F34313F8075}"/>
-              </a:ext>
-            </a:extLst>
-          </p:cNvPr>
-          <p:cNvSpPr>
-            <a:spLocks noGrp="1"/>
-          </p:cNvSpPr>
-          <p:nvPr>
-            <p:ph type="title"/>
-          </p:nvPr>
-        </p:nvSpPr>
-        <p:spPr/>
-        <p:txBody>
-          <a:bodyPr/>
-          <a:lstStyle/>
-          <a:p>
-            <a:r>
-              <a:rPr lang="de-DE" dirty="0"/>
-              <a:t>2. Aufgabenstellung</a:t>
-            </a:r>
-          </a:p>
-        </p:txBody>
-      </p:sp>
-      <p:sp>
-        <p:nvSpPr>
-          <p:cNvPr id="3" name="Inhaltsplatzhalter 2">
-            <a:extLst>
-              <a:ext uri="{FF2B5EF4-FFF2-40B4-BE49-F238E27FC236}">
-                <a16:creationId xmlns:a16="http://schemas.microsoft.com/office/drawing/2014/main" id="{1508104B-4285-C9AE-9710-E93306FCB9DC}"/>
-              </a:ext>
-            </a:extLst>
-          </p:cNvPr>
-          <p:cNvSpPr>
-            <a:spLocks noGrp="1"/>
-          </p:cNvSpPr>
-          <p:nvPr>
-            <p:ph idx="1"/>
-          </p:nvPr>
-        </p:nvSpPr>
-        <p:spPr/>
-        <p:txBody>
-          <a:bodyPr/>
-          <a:lstStyle/>
-          <a:p>
-            <a:r>
-              <a:rPr lang="de-DE" dirty="0"/>
-              <a:t>Systemanalyse und –</a:t>
-            </a:r>
-            <a:r>
-              <a:rPr lang="de-DE" dirty="0" err="1"/>
-              <a:t>bewertung</a:t>
-            </a:r>
-            <a:r>
-              <a:rPr lang="de-DE" dirty="0"/>
-              <a:t> des Leipziger Dokumentationssystems zur medizinischen Dokumentation bei Wohnungslosen</a:t>
-            </a:r>
-          </a:p>
-          <a:p>
-            <a:pPr lvl="1"/>
-            <a:r>
-              <a:rPr lang="de-DE" dirty="0"/>
-              <a:t>Informationsbeschaffung über das Leipziger System</a:t>
-            </a:r>
-          </a:p>
-          <a:p>
-            <a:pPr lvl="1"/>
-            <a:r>
-              <a:rPr lang="de-DE" dirty="0"/>
-              <a:t>Gegenüberstellung der Stärken und Schwächen</a:t>
-            </a:r>
-          </a:p>
-          <a:p>
-            <a:pPr lvl="1"/>
-            <a:r>
-              <a:rPr lang="de-DE" dirty="0"/>
-              <a:t>Vorschläge zur Verbesserung</a:t>
-            </a:r>
-          </a:p>
-          <a:p>
-            <a:r>
-              <a:rPr lang="de-DE" dirty="0"/>
-              <a:t>Gegenüberstellung des Leipziger Systems mit bestehenden Ansätzen</a:t>
-            </a:r>
-          </a:p>
-          <a:p>
-            <a:pPr lvl="1"/>
-            <a:r>
-              <a:rPr lang="de-DE" dirty="0"/>
-              <a:t>Literaturrecherche</a:t>
-            </a:r>
-          </a:p>
-          <a:p>
-            <a:pPr lvl="1"/>
-            <a:r>
-              <a:rPr lang="de-DE" dirty="0"/>
-              <a:t>Vergleich mit Leipziger System sowie Diskussion über Praktikabilität</a:t>
-            </a:r>
-          </a:p>
-        </p:txBody>
-      </p:sp>
-      <p:sp>
-        <p:nvSpPr>
-          <p:cNvPr id="4" name="Foliennummernplatzhalter 3">
-            <a:extLst>
-              <a:ext uri="{FF2B5EF4-FFF2-40B4-BE49-F238E27FC236}">
-                <a16:creationId xmlns:a16="http://schemas.microsoft.com/office/drawing/2014/main" id="{C350ED56-727F-CE48-B94D-DCEFECE1ADF8}"/>
-              </a:ext>
-            </a:extLst>
-          </p:cNvPr>
-          <p:cNvSpPr>
-            <a:spLocks noGrp="1"/>
-          </p:cNvSpPr>
-          <p:nvPr>
-            <p:ph type="sldNum" sz="quarter" idx="4"/>
-          </p:nvPr>
-        </p:nvSpPr>
-        <p:spPr/>
-        <p:txBody>
-          <a:bodyPr/>
-          <a:lstStyle/>
-          <a:p>
-            <a:pPr>
-              <a:defRPr/>
-            </a:pPr>
-            <a:fld id="{AFCF9BA9-AB08-46E1-A235-3AC71B2FE2C1}" type="slidenum">
-              <a:rPr lang="de-DE" altLang="de-DE" sz="1000" smtClean="0">
-                <a:solidFill>
-                  <a:srgbClr val="D8413E"/>
-                </a:solidFill>
-                <a:latin typeface="Arial" panose="020B0604020202020204" pitchFamily="34" charset="0"/>
-                <a:cs typeface="Arial" panose="020B0604020202020204" pitchFamily="34" charset="0"/>
-              </a:rPr>
-              <a:pPr>
-                <a:defRPr/>
-              </a:pPr>
-              <a:t>4</a:t>
-            </a:fld>
-            <a:endParaRPr lang="de-DE" altLang="de-DE" sz="1000" dirty="0">
-              <a:solidFill>
-                <a:srgbClr val="D8413E"/>
-              </a:solidFill>
-              <a:latin typeface="Arial" panose="020B0604020202020204" pitchFamily="34" charset="0"/>
-              <a:cs typeface="Arial" panose="020B0604020202020204" pitchFamily="34" charset="0"/>
-            </a:endParaRPr>
-          </a:p>
-        </p:txBody>
-      </p:sp>
-    </p:spTree>
-    <p:extLst>
-      <p:ext uri="{BB962C8B-B14F-4D97-AF65-F5344CB8AC3E}">
-        <p14:creationId xmlns:p14="http://schemas.microsoft.com/office/powerpoint/2010/main" val="3473669912"/>
-      </p:ext>
-    </p:extLst>
-  </p:cSld>
-  <p:clrMapOvr>
-    <a:masterClrMapping/>
-  </p:clrMapOvr>
-</p:sld>
-</file>
-
-<file path=ppt/slides/slide5.xml><?xml version="1.0" encoding="utf-8"?>
-<p:sld xmlns:a="http://schemas.openxmlformats.org/drawingml/2006/main" xmlns:r="http://schemas.openxmlformats.org/officeDocument/2006/relationships" xmlns:p="http://schemas.openxmlformats.org/presentationml/2006/main">
-  <p:cSld>
-    <p:spTree>
-      <p:nvGrpSpPr>
-        <p:cNvPr id="1" name=""/>
-        <p:cNvGrpSpPr/>
-        <p:nvPr/>
-      </p:nvGrpSpPr>
-      <p:grpSpPr>
-        <a:xfrm>
-          <a:off x="0" y="0"/>
-          <a:ext cx="0" cy="0"/>
-          <a:chOff x="0" y="0"/>
-          <a:chExt cx="0" cy="0"/>
-        </a:xfrm>
-      </p:grpSpPr>
-      <p:sp>
-        <p:nvSpPr>
-          <p:cNvPr id="2" name="Titel 1">
-            <a:extLst>
-              <a:ext uri="{FF2B5EF4-FFF2-40B4-BE49-F238E27FC236}">
-                <a16:creationId xmlns:a16="http://schemas.microsoft.com/office/drawing/2014/main" id="{C9DE7266-FB15-2D6D-4F9F-D254F4019077}"/>
-              </a:ext>
-            </a:extLst>
-          </p:cNvPr>
-          <p:cNvSpPr>
-            <a:spLocks noGrp="1"/>
-          </p:cNvSpPr>
-          <p:nvPr>
-            <p:ph type="title"/>
-          </p:nvPr>
-        </p:nvSpPr>
-        <p:spPr/>
-        <p:txBody>
-          <a:bodyPr/>
-          <a:lstStyle/>
-          <a:p>
-            <a:r>
-              <a:rPr lang="de-DE" dirty="0"/>
-              <a:t>3. Forschungsstand</a:t>
-            </a:r>
-          </a:p>
-        </p:txBody>
-      </p:sp>
-      <p:sp>
-        <p:nvSpPr>
-          <p:cNvPr id="5" name="Inhaltsplatzhalter 4">
-            <a:extLst>
-              <a:ext uri="{FF2B5EF4-FFF2-40B4-BE49-F238E27FC236}">
-                <a16:creationId xmlns:a16="http://schemas.microsoft.com/office/drawing/2014/main" id="{65FD6D06-CAC3-22CD-DA05-44C511BD664A}"/>
-              </a:ext>
-            </a:extLst>
-          </p:cNvPr>
-          <p:cNvSpPr>
-            <a:spLocks noGrp="1"/>
-          </p:cNvSpPr>
-          <p:nvPr>
-            <p:ph idx="1"/>
-          </p:nvPr>
-        </p:nvSpPr>
-        <p:spPr/>
-        <p:txBody>
-          <a:bodyPr/>
-          <a:lstStyle/>
-          <a:p>
-            <a:r>
-              <a:rPr lang="de-DE" dirty="0"/>
-              <a:t>ETHOS – Typologie</a:t>
-            </a:r>
-          </a:p>
-          <a:p>
-            <a:pPr lvl="1">
-              <a:buFont typeface="Wingdings" panose="05000000000000000000" pitchFamily="2" charset="2"/>
-              <a:buChar char="Ø"/>
-            </a:pPr>
-            <a:r>
-              <a:rPr lang="de-DE" dirty="0"/>
-              <a:t>obdachlos</a:t>
-            </a:r>
-          </a:p>
-          <a:p>
-            <a:pPr lvl="1">
-              <a:buFont typeface="Wingdings" panose="05000000000000000000" pitchFamily="2" charset="2"/>
-              <a:buChar char="Ø"/>
-            </a:pPr>
-            <a:r>
-              <a:rPr lang="de-DE" dirty="0"/>
-              <a:t>wohnungslos</a:t>
-            </a:r>
-          </a:p>
-          <a:p>
-            <a:pPr lvl="1">
-              <a:buFont typeface="Wingdings" panose="05000000000000000000" pitchFamily="2" charset="2"/>
-              <a:buChar char="Ø"/>
-            </a:pPr>
-            <a:r>
-              <a:rPr lang="de-DE" dirty="0"/>
-              <a:t>ungesichert</a:t>
-            </a:r>
-          </a:p>
-          <a:p>
-            <a:pPr lvl="1">
-              <a:buFont typeface="Wingdings" panose="05000000000000000000" pitchFamily="2" charset="2"/>
-              <a:buChar char="Ø"/>
-            </a:pPr>
-            <a:r>
-              <a:rPr lang="de-DE" dirty="0"/>
-              <a:t>ungenügend</a:t>
-            </a:r>
-          </a:p>
-          <a:p>
-            <a:pPr>
-              <a:buFont typeface="Symbol" panose="05050102010706020507" pitchFamily="18" charset="2"/>
-              <a:buChar char="-"/>
-            </a:pPr>
-            <a:r>
-              <a:rPr lang="de-DE" dirty="0"/>
-              <a:t>erhöhte Mortalität durch Prävalenz von somatischen und psychischen Krankheiten</a:t>
-            </a:r>
-          </a:p>
-        </p:txBody>
-      </p:sp>
-      <p:sp>
-        <p:nvSpPr>
-          <p:cNvPr id="6" name="Textplatzhalter 5">
-            <a:extLst>
-              <a:ext uri="{FF2B5EF4-FFF2-40B4-BE49-F238E27FC236}">
-                <a16:creationId xmlns:a16="http://schemas.microsoft.com/office/drawing/2014/main" id="{8E7A43EA-350B-75B4-A013-46B871871D8E}"/>
-              </a:ext>
-            </a:extLst>
-          </p:cNvPr>
-          <p:cNvSpPr>
-            <a:spLocks noGrp="1"/>
-          </p:cNvSpPr>
-          <p:nvPr>
-            <p:ph type="body" sz="quarter" idx="13"/>
-          </p:nvPr>
-        </p:nvSpPr>
-        <p:spPr/>
-        <p:txBody>
-          <a:bodyPr/>
-          <a:lstStyle/>
-          <a:p>
-            <a:r>
-              <a:rPr lang="de-DE" dirty="0"/>
-              <a:t>a.) Wohnungslose</a:t>
-            </a:r>
-          </a:p>
-        </p:txBody>
-      </p:sp>
-      <p:sp>
-        <p:nvSpPr>
-          <p:cNvPr id="4" name="Foliennummernplatzhalter 3">
-            <a:extLst>
-              <a:ext uri="{FF2B5EF4-FFF2-40B4-BE49-F238E27FC236}">
-                <a16:creationId xmlns:a16="http://schemas.microsoft.com/office/drawing/2014/main" id="{5CAD321F-EC8A-6FB5-5326-D9C50A720EA1}"/>
-              </a:ext>
-            </a:extLst>
-          </p:cNvPr>
-          <p:cNvSpPr>
-            <a:spLocks noGrp="1"/>
-          </p:cNvSpPr>
-          <p:nvPr>
-            <p:ph type="sldNum" sz="quarter" idx="4"/>
-          </p:nvPr>
-        </p:nvSpPr>
-        <p:spPr/>
-        <p:txBody>
-          <a:bodyPr/>
-          <a:lstStyle/>
-          <a:p>
-            <a:pPr>
-              <a:defRPr/>
-            </a:pPr>
-            <a:fld id="{AFCF9BA9-AB08-46E1-A235-3AC71B2FE2C1}" type="slidenum">
-              <a:rPr lang="de-DE" altLang="de-DE" sz="1000" smtClean="0">
-                <a:solidFill>
-                  <a:srgbClr val="D8413E"/>
-                </a:solidFill>
-                <a:latin typeface="Arial" panose="020B0604020202020204" pitchFamily="34" charset="0"/>
-                <a:cs typeface="Arial" panose="020B0604020202020204" pitchFamily="34" charset="0"/>
-              </a:rPr>
-              <a:pPr>
-                <a:defRPr/>
-              </a:pPr>
-              <a:t>5</a:t>
-            </a:fld>
-            <a:endParaRPr lang="de-DE" altLang="de-DE" sz="1000" dirty="0">
-              <a:solidFill>
-                <a:srgbClr val="D8413E"/>
-              </a:solidFill>
-              <a:latin typeface="Arial" panose="020B0604020202020204" pitchFamily="34" charset="0"/>
-              <a:cs typeface="Arial" panose="020B0604020202020204" pitchFamily="34" charset="0"/>
-            </a:endParaRPr>
-          </a:p>
-        </p:txBody>
-      </p:sp>
-      <p:pic>
-        <p:nvPicPr>
-          <p:cNvPr id="12" name="Grafik 11">
-            <a:extLst>
-              <a:ext uri="{FF2B5EF4-FFF2-40B4-BE49-F238E27FC236}">
-                <a16:creationId xmlns:a16="http://schemas.microsoft.com/office/drawing/2014/main" id="{D536D23A-9059-0E9B-A602-9EA28FFEF6F7}"/>
-              </a:ext>
-            </a:extLst>
-          </p:cNvPr>
-          <p:cNvPicPr>
-            <a:picLocks noChangeAspect="1"/>
-          </p:cNvPicPr>
-          <p:nvPr/>
-        </p:nvPicPr>
-        <p:blipFill rotWithShape="1">
-          <a:blip r:embed="rId2"/>
-          <a:srcRect l="1798" r="41846" b="16663"/>
-          <a:stretch/>
-        </p:blipFill>
-        <p:spPr>
-          <a:xfrm>
-            <a:off x="3026072" y="1579499"/>
-            <a:ext cx="1545928" cy="1530414"/>
-          </a:xfrm>
-          <a:prstGeom prst="rect">
-            <a:avLst/>
-          </a:prstGeom>
-        </p:spPr>
-      </p:pic>
-    </p:spTree>
-    <p:extLst>
-      <p:ext uri="{BB962C8B-B14F-4D97-AF65-F5344CB8AC3E}">
-        <p14:creationId xmlns:p14="http://schemas.microsoft.com/office/powerpoint/2010/main" val="2551203137"/>
-      </p:ext>
-    </p:extLst>
-  </p:cSld>
-  <p:clrMapOvr>
-    <a:masterClrMapping/>
-  </p:clrMapOvr>
-</p:sld>
-</file>
-
-<file path=ppt/slides/slide6.xml><?xml version="1.0" encoding="utf-8"?>
 <p:sld xmlns:a="http://schemas.openxmlformats.org/drawingml/2006/main" xmlns:r="http://schemas.openxmlformats.org/officeDocument/2006/relationships" xmlns:p="http://schemas.openxmlformats.org/presentationml/2006/main">
   <p:cSld>
     <p:spTree>
@@ -9296,50 +8340,48 @@
           <a:lstStyle/>
           <a:p>
             <a:r>
+              <a:rPr lang="de-DE" b="1" dirty="0"/>
+              <a:t>Anonymer Behandlungsschein </a:t>
+            </a:r>
+            <a:r>
+              <a:rPr lang="de-DE" sz="1400" dirty="0"/>
+              <a:t>(Zanders und Bein, 2022)</a:t>
+            </a:r>
+          </a:p>
+          <a:p>
+            <a:pPr lvl="1"/>
+            <a:r>
               <a:rPr lang="de-DE" dirty="0"/>
-              <a:t>Diakonie</a:t>
+              <a:t>kurzfristiger Zugang zum Gesundheitssystem bei</a:t>
+            </a:r>
+          </a:p>
+          <a:p>
+            <a:pPr lvl="2"/>
+            <a:r>
+              <a:rPr lang="de-DE" dirty="0"/>
+              <a:t>fehlender Krankenversicherung</a:t>
+            </a:r>
+          </a:p>
+          <a:p>
+            <a:pPr lvl="2"/>
+            <a:r>
+              <a:rPr lang="de-DE" dirty="0"/>
+              <a:t>Wunsch nach Anonymität</a:t>
             </a:r>
           </a:p>
           <a:p>
             <a:pPr lvl="1"/>
             <a:r>
               <a:rPr lang="de-DE" dirty="0"/>
-              <a:t>Leipziger OASE</a:t>
+              <a:t>keine Identitätsfeststellung</a:t>
             </a:r>
           </a:p>
           <a:p>
             <a:pPr lvl="1"/>
             <a:r>
               <a:rPr lang="de-DE" dirty="0"/>
-              <a:t>Streetwork</a:t>
-            </a:r>
-          </a:p>
-          <a:p>
-            <a:r>
-              <a:rPr lang="de-DE" dirty="0"/>
-              <a:t>CABL</a:t>
-            </a:r>
-          </a:p>
-          <a:p>
-            <a:r>
-              <a:rPr lang="de-DE" dirty="0"/>
-              <a:t>Safe</a:t>
-            </a:r>
-          </a:p>
-          <a:p>
-            <a:r>
-              <a:rPr lang="de-DE" dirty="0" err="1"/>
-              <a:t>TiMMi</a:t>
-            </a:r>
-            <a:r>
-              <a:rPr lang="de-DE" dirty="0"/>
-              <a:t> </a:t>
-            </a:r>
-            <a:r>
-              <a:rPr lang="de-DE" dirty="0" err="1"/>
-              <a:t>ToHelp</a:t>
-            </a:r>
-            <a:endParaRPr lang="de-DE" dirty="0"/>
+              <a:t>Verwendung von Pseudonymen</a:t>
+            </a:r>
           </a:p>
         </p:txBody>
       </p:sp>
@@ -9371,475 +8413,6 @@
           <a:p>
             <a:r>
               <a:rPr lang="de-DE" dirty="0"/>
-              <a:t>b.) Hilfsangebote</a:t>
-            </a:r>
-          </a:p>
-        </p:txBody>
-      </p:sp>
-      <p:pic>
-        <p:nvPicPr>
-          <p:cNvPr id="5" name="Grafik 4" descr="Ein Bild, das Text enthält.&#10;&#10;Automatisch generierte Beschreibung">
-            <a:extLst>
-              <a:ext uri="{FF2B5EF4-FFF2-40B4-BE49-F238E27FC236}">
-                <a16:creationId xmlns:a16="http://schemas.microsoft.com/office/drawing/2014/main" id="{F97469FD-48E5-DB64-9EB4-297E1964312E}"/>
-              </a:ext>
-            </a:extLst>
-          </p:cNvPr>
-          <p:cNvPicPr>
-            <a:picLocks noChangeAspect="1"/>
-          </p:cNvPicPr>
-          <p:nvPr/>
-        </p:nvPicPr>
-        <p:blipFill>
-          <a:blip r:embed="rId2"/>
-          <a:stretch>
-            <a:fillRect/>
-          </a:stretch>
-        </p:blipFill>
-        <p:spPr>
-          <a:xfrm>
-            <a:off x="3619500" y="540808"/>
-            <a:ext cx="1905000" cy="676275"/>
-          </a:xfrm>
-          <a:prstGeom prst="rect">
-            <a:avLst/>
-          </a:prstGeom>
-        </p:spPr>
-      </p:pic>
-      <p:pic>
-        <p:nvPicPr>
-          <p:cNvPr id="7" name="Grafik 6">
-            <a:extLst>
-              <a:ext uri="{FF2B5EF4-FFF2-40B4-BE49-F238E27FC236}">
-                <a16:creationId xmlns:a16="http://schemas.microsoft.com/office/drawing/2014/main" id="{32F7275C-64BF-9F69-9947-7E92FF17C4BB}"/>
-              </a:ext>
-            </a:extLst>
-          </p:cNvPr>
-          <p:cNvPicPr>
-            <a:picLocks noChangeAspect="1"/>
-          </p:cNvPicPr>
-          <p:nvPr/>
-        </p:nvPicPr>
-        <p:blipFill>
-          <a:blip r:embed="rId3"/>
-          <a:stretch>
-            <a:fillRect/>
-          </a:stretch>
-        </p:blipFill>
-        <p:spPr>
-          <a:xfrm>
-            <a:off x="7244629" y="540808"/>
-            <a:ext cx="960311" cy="1352550"/>
-          </a:xfrm>
-          <a:prstGeom prst="rect">
-            <a:avLst/>
-          </a:prstGeom>
-        </p:spPr>
-      </p:pic>
-      <p:pic>
-        <p:nvPicPr>
-          <p:cNvPr id="9" name="Grafik 8" descr="Ein Bild, das Text, Clipart enthält.&#10;&#10;Automatisch generierte Beschreibung">
-            <a:extLst>
-              <a:ext uri="{FF2B5EF4-FFF2-40B4-BE49-F238E27FC236}">
-                <a16:creationId xmlns:a16="http://schemas.microsoft.com/office/drawing/2014/main" id="{839F997E-9EB5-D325-F07C-E99210F92209}"/>
-              </a:ext>
-            </a:extLst>
-          </p:cNvPr>
-          <p:cNvPicPr>
-            <a:picLocks noChangeAspect="1"/>
-          </p:cNvPicPr>
-          <p:nvPr/>
-        </p:nvPicPr>
-        <p:blipFill>
-          <a:blip r:embed="rId4"/>
-          <a:stretch>
-            <a:fillRect/>
-          </a:stretch>
-        </p:blipFill>
-        <p:spPr>
-          <a:xfrm>
-            <a:off x="4213950" y="1653387"/>
-            <a:ext cx="2245006" cy="866604"/>
-          </a:xfrm>
-          <a:prstGeom prst="rect">
-            <a:avLst/>
-          </a:prstGeom>
-          <a:solidFill>
-            <a:srgbClr val="006837"/>
-          </a:solidFill>
-          <a:ln w="63500">
-            <a:solidFill>
-              <a:srgbClr val="006837"/>
-            </a:solidFill>
-            <a:bevel/>
-          </a:ln>
-        </p:spPr>
-      </p:pic>
-      <p:pic>
-        <p:nvPicPr>
-          <p:cNvPr id="11" name="Grafik 10" descr="Ein Bild, das Text enthält.&#10;&#10;Automatisch generierte Beschreibung">
-            <a:extLst>
-              <a:ext uri="{FF2B5EF4-FFF2-40B4-BE49-F238E27FC236}">
-                <a16:creationId xmlns:a16="http://schemas.microsoft.com/office/drawing/2014/main" id="{E9FB1D3A-9257-D9D4-3D73-5A948B71F85A}"/>
-              </a:ext>
-            </a:extLst>
-          </p:cNvPr>
-          <p:cNvPicPr>
-            <a:picLocks noChangeAspect="1"/>
-          </p:cNvPicPr>
-          <p:nvPr/>
-        </p:nvPicPr>
-        <p:blipFill>
-          <a:blip r:embed="rId5"/>
-          <a:stretch>
-            <a:fillRect/>
-          </a:stretch>
-        </p:blipFill>
-        <p:spPr>
-          <a:xfrm>
-            <a:off x="5628791" y="2898095"/>
-            <a:ext cx="2924508" cy="1048687"/>
-          </a:xfrm>
-          <a:prstGeom prst="rect">
-            <a:avLst/>
-          </a:prstGeom>
-        </p:spPr>
-      </p:pic>
-      <p:pic>
-        <p:nvPicPr>
-          <p:cNvPr id="13" name="Grafik 12">
-            <a:extLst>
-              <a:ext uri="{FF2B5EF4-FFF2-40B4-BE49-F238E27FC236}">
-                <a16:creationId xmlns:a16="http://schemas.microsoft.com/office/drawing/2014/main" id="{7A75F8FB-518D-78DC-25C1-3137F5C4486C}"/>
-              </a:ext>
-            </a:extLst>
-          </p:cNvPr>
-          <p:cNvPicPr>
-            <a:picLocks noChangeAspect="1"/>
-          </p:cNvPicPr>
-          <p:nvPr/>
-        </p:nvPicPr>
-        <p:blipFill>
-          <a:blip r:embed="rId6">
-            <a:extLst>
-              <a:ext uri="{96DAC541-7B7A-43D3-8B79-37D633B846F1}">
-                <asvg:svgBlip xmlns:asvg="http://schemas.microsoft.com/office/drawing/2016/SVG/main" r:embed="rId7"/>
-              </a:ext>
-            </a:extLst>
-          </a:blip>
-          <a:stretch>
-            <a:fillRect/>
-          </a:stretch>
-        </p:blipFill>
-        <p:spPr>
-          <a:xfrm>
-            <a:off x="3930670" y="2956295"/>
-            <a:ext cx="1282660" cy="1542978"/>
-          </a:xfrm>
-          <a:prstGeom prst="rect">
-            <a:avLst/>
-          </a:prstGeom>
-        </p:spPr>
-      </p:pic>
-    </p:spTree>
-    <p:extLst>
-      <p:ext uri="{BB962C8B-B14F-4D97-AF65-F5344CB8AC3E}">
-        <p14:creationId xmlns:p14="http://schemas.microsoft.com/office/powerpoint/2010/main" val="2716421928"/>
-      </p:ext>
-    </p:extLst>
-  </p:cSld>
-  <p:clrMapOvr>
-    <a:masterClrMapping/>
-  </p:clrMapOvr>
-</p:sld>
-</file>
-
-<file path=ppt/slides/slide7.xml><?xml version="1.0" encoding="utf-8"?>
-<p:sld xmlns:a="http://schemas.openxmlformats.org/drawingml/2006/main" xmlns:r="http://schemas.openxmlformats.org/officeDocument/2006/relationships" xmlns:p="http://schemas.openxmlformats.org/presentationml/2006/main">
-  <p:cSld>
-    <p:spTree>
-      <p:nvGrpSpPr>
-        <p:cNvPr id="1" name=""/>
-        <p:cNvGrpSpPr/>
-        <p:nvPr/>
-      </p:nvGrpSpPr>
-      <p:grpSpPr>
-        <a:xfrm>
-          <a:off x="0" y="0"/>
-          <a:ext cx="0" cy="0"/>
-          <a:chOff x="0" y="0"/>
-          <a:chExt cx="0" cy="0"/>
-        </a:xfrm>
-      </p:grpSpPr>
-      <p:sp>
-        <p:nvSpPr>
-          <p:cNvPr id="3" name="Inhaltsplatzhalter 2">
-            <a:extLst>
-              <a:ext uri="{FF2B5EF4-FFF2-40B4-BE49-F238E27FC236}">
-                <a16:creationId xmlns:a16="http://schemas.microsoft.com/office/drawing/2014/main" id="{298CDB48-6BBA-EEE8-DBC9-9E0429686D43}"/>
-              </a:ext>
-            </a:extLst>
-          </p:cNvPr>
-          <p:cNvSpPr>
-            <a:spLocks noGrp="1"/>
-          </p:cNvSpPr>
-          <p:nvPr>
-            <p:ph idx="1"/>
-          </p:nvPr>
-        </p:nvSpPr>
-        <p:spPr>
-          <a:xfrm>
-            <a:off x="457200" y="784746"/>
-            <a:ext cx="8234363" cy="3817946"/>
-          </a:xfrm>
-        </p:spPr>
-        <p:txBody>
-          <a:bodyPr/>
-          <a:lstStyle/>
-          <a:p>
-            <a:r>
-              <a:rPr lang="de-DE" dirty="0"/>
-              <a:t>Housing First</a:t>
-            </a:r>
-          </a:p>
-          <a:p>
-            <a:pPr lvl="1"/>
-            <a:r>
-              <a:rPr lang="de-DE" dirty="0"/>
-              <a:t>Ansatz aus USA</a:t>
-            </a:r>
-          </a:p>
-          <a:p>
-            <a:pPr lvl="1"/>
-            <a:r>
-              <a:rPr lang="de-DE" dirty="0"/>
-              <a:t>stabile Unterkunft als zentrales Kernproblem vor allen anderen Angelegenheiten</a:t>
-            </a:r>
-          </a:p>
-          <a:p>
-            <a:pPr lvl="1"/>
-            <a:r>
-              <a:rPr lang="de-DE" dirty="0"/>
-              <a:t>insbesondere nach med. Behandlungen</a:t>
-            </a:r>
-          </a:p>
-          <a:p>
-            <a:pPr lvl="2"/>
-            <a:r>
-              <a:rPr lang="de-DE" dirty="0"/>
-              <a:t>Reduzierung Rückfallquote</a:t>
-            </a:r>
-          </a:p>
-          <a:p>
-            <a:r>
-              <a:rPr lang="de-DE" dirty="0"/>
-              <a:t>ALERT</a:t>
-            </a:r>
-          </a:p>
-          <a:p>
-            <a:pPr lvl="1"/>
-            <a:r>
-              <a:rPr lang="en-US" dirty="0"/>
-              <a:t>Assessment, Liaison and Early Referral Team</a:t>
-            </a:r>
-          </a:p>
-          <a:p>
-            <a:pPr lvl="1"/>
-            <a:r>
-              <a:rPr lang="de-DE" dirty="0"/>
-              <a:t>Krankenhaus St </a:t>
-            </a:r>
-            <a:r>
-              <a:rPr lang="de-DE" dirty="0" err="1"/>
-              <a:t>Vincent’s</a:t>
-            </a:r>
-            <a:r>
-              <a:rPr lang="de-DE" dirty="0"/>
-              <a:t> in Melbourne</a:t>
-            </a:r>
-          </a:p>
-          <a:p>
-            <a:pPr lvl="1"/>
-            <a:r>
-              <a:rPr lang="de-DE" dirty="0"/>
-              <a:t>Reduzierung der Notwendigkeit zum Besuch der Notfallaufnahme</a:t>
-            </a:r>
-          </a:p>
-          <a:p>
-            <a:pPr lvl="1"/>
-            <a:r>
-              <a:rPr lang="de-DE" dirty="0"/>
-              <a:t>Bereitstellung günstiger Mobiltelefone für Obdachlose</a:t>
-            </a:r>
-          </a:p>
-          <a:p>
-            <a:pPr lvl="2"/>
-            <a:r>
-              <a:rPr lang="de-DE" dirty="0"/>
-              <a:t>Erhöhung der Anwesenheit bei Terminen (z.B. Nachuntersuchungen)</a:t>
-            </a:r>
-          </a:p>
-        </p:txBody>
-      </p:sp>
-      <p:sp>
-        <p:nvSpPr>
-          <p:cNvPr id="4" name="Textplatzhalter 3">
-            <a:extLst>
-              <a:ext uri="{FF2B5EF4-FFF2-40B4-BE49-F238E27FC236}">
-                <a16:creationId xmlns:a16="http://schemas.microsoft.com/office/drawing/2014/main" id="{B22FD754-7A27-42BB-F944-B6F19A04FE33}"/>
-              </a:ext>
-            </a:extLst>
-          </p:cNvPr>
-          <p:cNvSpPr>
-            <a:spLocks noGrp="1"/>
-          </p:cNvSpPr>
-          <p:nvPr>
-            <p:ph type="body" sz="quarter" idx="13"/>
-          </p:nvPr>
-        </p:nvSpPr>
-        <p:spPr>
-          <a:xfrm>
-            <a:off x="457200" y="351938"/>
-            <a:ext cx="8234363" cy="377740"/>
-          </a:xfrm>
-        </p:spPr>
-        <p:txBody>
-          <a:bodyPr/>
-          <a:lstStyle/>
-          <a:p>
-            <a:r>
-              <a:rPr lang="de-DE" dirty="0"/>
-              <a:t>c.) Bestehende Ansätze</a:t>
-            </a:r>
-          </a:p>
-        </p:txBody>
-      </p:sp>
-    </p:spTree>
-    <p:extLst>
-      <p:ext uri="{BB962C8B-B14F-4D97-AF65-F5344CB8AC3E}">
-        <p14:creationId xmlns:p14="http://schemas.microsoft.com/office/powerpoint/2010/main" val="3847042875"/>
-      </p:ext>
-    </p:extLst>
-  </p:cSld>
-  <p:clrMapOvr>
-    <a:masterClrMapping/>
-  </p:clrMapOvr>
-</p:sld>
-</file>
-
-<file path=ppt/slides/slide8.xml><?xml version="1.0" encoding="utf-8"?>
-<p:sld xmlns:a="http://schemas.openxmlformats.org/drawingml/2006/main" xmlns:r="http://schemas.openxmlformats.org/officeDocument/2006/relationships" xmlns:p="http://schemas.openxmlformats.org/presentationml/2006/main">
-  <p:cSld>
-    <p:spTree>
-      <p:nvGrpSpPr>
-        <p:cNvPr id="1" name=""/>
-        <p:cNvGrpSpPr/>
-        <p:nvPr/>
-      </p:nvGrpSpPr>
-      <p:grpSpPr>
-        <a:xfrm>
-          <a:off x="0" y="0"/>
-          <a:ext cx="0" cy="0"/>
-          <a:chOff x="0" y="0"/>
-          <a:chExt cx="0" cy="0"/>
-        </a:xfrm>
-      </p:grpSpPr>
-      <p:sp>
-        <p:nvSpPr>
-          <p:cNvPr id="3" name="Inhaltsplatzhalter 2">
-            <a:extLst>
-              <a:ext uri="{FF2B5EF4-FFF2-40B4-BE49-F238E27FC236}">
-                <a16:creationId xmlns:a16="http://schemas.microsoft.com/office/drawing/2014/main" id="{298CDB48-6BBA-EEE8-DBC9-9E0429686D43}"/>
-              </a:ext>
-            </a:extLst>
-          </p:cNvPr>
-          <p:cNvSpPr>
-            <a:spLocks noGrp="1"/>
-          </p:cNvSpPr>
-          <p:nvPr>
-            <p:ph idx="1"/>
-          </p:nvPr>
-        </p:nvSpPr>
-        <p:spPr>
-          <a:xfrm>
-            <a:off x="457200" y="784746"/>
-            <a:ext cx="8234363" cy="3817946"/>
-          </a:xfrm>
-        </p:spPr>
-        <p:txBody>
-          <a:bodyPr/>
-          <a:lstStyle/>
-          <a:p>
-            <a:r>
-              <a:rPr lang="de-DE" dirty="0"/>
-              <a:t>Anonymer Behandlungsschein</a:t>
-            </a:r>
-          </a:p>
-          <a:p>
-            <a:pPr lvl="1"/>
-            <a:r>
-              <a:rPr lang="de-DE" dirty="0"/>
-              <a:t>kurzfristiger Zugang zum Gesundheitssystem bei</a:t>
-            </a:r>
-          </a:p>
-          <a:p>
-            <a:pPr lvl="2"/>
-            <a:r>
-              <a:rPr lang="de-DE" dirty="0"/>
-              <a:t>fehlender Krankenversicherung</a:t>
-            </a:r>
-          </a:p>
-          <a:p>
-            <a:pPr lvl="2"/>
-            <a:r>
-              <a:rPr lang="de-DE" dirty="0"/>
-              <a:t>Wunsch nach Anonymität</a:t>
-            </a:r>
-          </a:p>
-          <a:p>
-            <a:pPr lvl="1"/>
-            <a:r>
-              <a:rPr lang="de-DE" dirty="0"/>
-              <a:t>keine Identitätsfeststellung</a:t>
-            </a:r>
-          </a:p>
-          <a:p>
-            <a:pPr lvl="1"/>
-            <a:r>
-              <a:rPr lang="de-DE" dirty="0"/>
-              <a:t>Verwendung von Pseudonymen</a:t>
-            </a:r>
-          </a:p>
-        </p:txBody>
-      </p:sp>
-      <p:sp>
-        <p:nvSpPr>
-          <p:cNvPr id="4" name="Textplatzhalter 3">
-            <a:extLst>
-              <a:ext uri="{FF2B5EF4-FFF2-40B4-BE49-F238E27FC236}">
-                <a16:creationId xmlns:a16="http://schemas.microsoft.com/office/drawing/2014/main" id="{B22FD754-7A27-42BB-F944-B6F19A04FE33}"/>
-              </a:ext>
-            </a:extLst>
-          </p:cNvPr>
-          <p:cNvSpPr>
-            <a:spLocks noGrp="1"/>
-          </p:cNvSpPr>
-          <p:nvPr>
-            <p:ph type="body" sz="quarter" idx="13"/>
-          </p:nvPr>
-        </p:nvSpPr>
-        <p:spPr>
-          <a:xfrm>
-            <a:off x="457200" y="351938"/>
-            <a:ext cx="8234363" cy="377740"/>
-          </a:xfrm>
-        </p:spPr>
-        <p:txBody>
-          <a:bodyPr/>
-          <a:lstStyle/>
-          <a:p>
-            <a:r>
-              <a:rPr lang="de-DE" dirty="0"/>
               <a:t>c.) Bestehende Ansätze</a:t>
             </a:r>
           </a:p>
@@ -9860,9 +8433,9 @@
         <p:grpSpPr>
           <a:xfrm>
             <a:off x="4572000" y="1494499"/>
-            <a:ext cx="4268088" cy="3153320"/>
+            <a:ext cx="4268088" cy="3091765"/>
             <a:chOff x="4572000" y="1494499"/>
-            <a:chExt cx="4268088" cy="3153320"/>
+            <a:chExt cx="4268088" cy="3091765"/>
           </a:xfrm>
         </p:grpSpPr>
         <p:pic>
@@ -9910,7 +8483,7 @@
           <p:spPr>
             <a:xfrm>
               <a:off x="4572000" y="4309265"/>
-              <a:ext cx="2540760" cy="338554"/>
+              <a:ext cx="1772921" cy="276999"/>
             </a:xfrm>
             <a:prstGeom prst="rect">
               <a:avLst/>
@@ -9932,59 +8505,18 @@
               </a:r>
             </a:p>
             <a:p>
-              <a:pPr algn="l"/>
               <a:r>
-                <a:rPr lang="de-DE" sz="600" b="0" i="0" u="none" strike="noStrike" baseline="0" dirty="0">
-                  <a:latin typeface="URWPalladioL-Roma"/>
-                </a:rPr>
-                <a:t>Zanders, Theresa und Laura </a:t>
+                <a:rPr lang="de-DE" sz="800" dirty="0"/>
+                <a:t>(Zanders und Bein, 2022)</a:t>
               </a:r>
               <a:r>
-                <a:rPr lang="de-DE" sz="600" b="0" i="0" u="none" strike="noStrike" baseline="0" dirty="0" err="1">
-                  <a:latin typeface="URWPalladioL-Roma"/>
+                <a:rPr lang="de-DE" sz="800" i="0" dirty="0">
+                  <a:latin typeface="+mn-lt"/>
+                  <a:cs typeface="Arial" panose="020B0604020202020204" pitchFamily="34" charset="0"/>
                 </a:rPr>
-                <a:t>Eleana</a:t>
+                <a:t> </a:t>
               </a:r>
-              <a:r>
-                <a:rPr lang="de-DE" sz="600" b="0" i="0" u="none" strike="noStrike" baseline="0" dirty="0">
-                  <a:latin typeface="URWPalladioL-Roma"/>
-                </a:rPr>
-                <a:t> Bein (</a:t>
-              </a:r>
-              <a:r>
-                <a:rPr lang="de-DE" sz="600" b="0" i="0" u="none" strike="noStrike" baseline="0" dirty="0">
-                  <a:latin typeface="TeXPalladioL-SC"/>
-                </a:rPr>
-                <a:t>2022</a:t>
-              </a:r>
-              <a:r>
-                <a:rPr lang="de-DE" sz="600" b="0" i="0" u="none" strike="noStrike" baseline="0" dirty="0">
-                  <a:latin typeface="URWPalladioL-Roma"/>
-                </a:rPr>
-                <a:t>). </a:t>
-              </a:r>
-              <a:r>
-                <a:rPr lang="de-DE" sz="600" b="0" i="0" u="none" strike="noStrike" baseline="0" dirty="0">
-                  <a:latin typeface="URWPalladioL-Ital"/>
-                </a:rPr>
-                <a:t>Der anonyme Behandlungsschein</a:t>
-              </a:r>
-            </a:p>
-            <a:p>
-              <a:pPr algn="l"/>
-              <a:r>
-                <a:rPr lang="de-DE" sz="600" b="0" i="0" u="none" strike="noStrike" baseline="0" dirty="0">
-                  <a:latin typeface="URWPalladioL-Ital"/>
-                </a:rPr>
-                <a:t>– von der Idee zur Umsetzung. Ein Handlungsleitfaden</a:t>
-              </a:r>
-              <a:r>
-                <a:rPr lang="de-DE" sz="600" b="0" i="0" u="none" strike="noStrike" baseline="0" dirty="0">
-                  <a:latin typeface="URWPalladioL-Roma"/>
-                </a:rPr>
-                <a:t>.</a:t>
-              </a:r>
-              <a:endParaRPr lang="de-DE" sz="600" i="0" dirty="0">
+              <a:endParaRPr lang="de-DE" sz="1000" i="0" dirty="0">
                 <a:latin typeface="+mn-lt"/>
                 <a:cs typeface="Arial" panose="020B0604020202020204" pitchFamily="34" charset="0"/>
               </a:endParaRPr>
@@ -9995,6 +8527,7 @@
       <p:pic>
         <p:nvPicPr>
           <p:cNvPr id="9" name="Grafik 8" descr="Ein Bild, das Logo enthält.&#10;&#10;Automatisch generierte Beschreibung">
+            <a:hlinkClick r:id="rId3"/>
             <a:extLst>
               <a:ext uri="{FF2B5EF4-FFF2-40B4-BE49-F238E27FC236}">
                 <a16:creationId xmlns:a16="http://schemas.microsoft.com/office/drawing/2014/main" id="{343893E8-A046-2B88-D7A1-5A9BDE5409E4}"/>
@@ -10007,7 +8540,7 @@
           <p:nvPr/>
         </p:nvPicPr>
         <p:blipFill>
-          <a:blip r:embed="rId3"/>
+          <a:blip r:embed="rId4"/>
           <a:stretch>
             <a:fillRect/>
           </a:stretch>
@@ -10035,7 +8568,7 @@
 </p:sld>
 </file>
 
-<file path=ppt/slides/slide9.xml><?xml version="1.0" encoding="utf-8"?>
+<file path=ppt/slides/slide11.xml><?xml version="1.0" encoding="utf-8"?>
 <p:sld xmlns:a="http://schemas.openxmlformats.org/drawingml/2006/main" xmlns:r="http://schemas.openxmlformats.org/officeDocument/2006/relationships" xmlns:p="http://schemas.openxmlformats.org/presentationml/2006/main">
   <p:cSld>
     <p:spTree>
@@ -10163,7 +8696,7 @@
                 </a:spcAft>
                 <a:defRPr/>
               </a:pPr>
-              <a:t>9</a:t>
+              <a:t>11</a:t>
             </a:fld>
             <a:endParaRPr lang="de-DE" altLang="de-DE" sz="1000">
               <a:solidFill>
@@ -10177,6 +8710,2974 @@
     <p:extLst>
       <p:ext uri="{BB962C8B-B14F-4D97-AF65-F5344CB8AC3E}">
         <p14:creationId xmlns:p14="http://schemas.microsoft.com/office/powerpoint/2010/main" val="4126256216"/>
+      </p:ext>
+    </p:extLst>
+  </p:cSld>
+  <p:clrMapOvr>
+    <a:masterClrMapping/>
+  </p:clrMapOvr>
+</p:sld>
+</file>
+
+<file path=ppt/slides/slide12.xml><?xml version="1.0" encoding="utf-8"?>
+<p:sld xmlns:a="http://schemas.openxmlformats.org/drawingml/2006/main" xmlns:r="http://schemas.openxmlformats.org/officeDocument/2006/relationships" xmlns:p="http://schemas.openxmlformats.org/presentationml/2006/main">
+  <p:cSld>
+    <p:spTree>
+      <p:nvGrpSpPr>
+        <p:cNvPr id="1" name=""/>
+        <p:cNvGrpSpPr/>
+        <p:nvPr/>
+      </p:nvGrpSpPr>
+      <p:grpSpPr>
+        <a:xfrm>
+          <a:off x="0" y="0"/>
+          <a:ext cx="0" cy="0"/>
+          <a:chOff x="0" y="0"/>
+          <a:chExt cx="0" cy="0"/>
+        </a:xfrm>
+      </p:grpSpPr>
+      <p:sp>
+        <p:nvSpPr>
+          <p:cNvPr id="2" name="Titel 1">
+            <a:extLst>
+              <a:ext uri="{FF2B5EF4-FFF2-40B4-BE49-F238E27FC236}">
+                <a16:creationId xmlns:a16="http://schemas.microsoft.com/office/drawing/2014/main" id="{02C0CF9E-6ABC-5BE1-5A3A-1CCE9914CC03}"/>
+              </a:ext>
+            </a:extLst>
+          </p:cNvPr>
+          <p:cNvSpPr>
+            <a:spLocks noGrp="1"/>
+          </p:cNvSpPr>
+          <p:nvPr>
+            <p:ph type="title"/>
+          </p:nvPr>
+        </p:nvSpPr>
+        <p:spPr/>
+        <p:txBody>
+          <a:bodyPr/>
+          <a:lstStyle/>
+          <a:p>
+            <a:r>
+              <a:rPr lang="de-DE" dirty="0"/>
+              <a:t>5. Literatur</a:t>
+            </a:r>
+          </a:p>
+        </p:txBody>
+      </p:sp>
+      <p:sp>
+        <p:nvSpPr>
+          <p:cNvPr id="3" name="Inhaltsplatzhalter 2">
+            <a:extLst>
+              <a:ext uri="{FF2B5EF4-FFF2-40B4-BE49-F238E27FC236}">
+                <a16:creationId xmlns:a16="http://schemas.microsoft.com/office/drawing/2014/main" id="{D9D33015-32C8-C0CB-EEB8-A2E8559AFF55}"/>
+              </a:ext>
+            </a:extLst>
+          </p:cNvPr>
+          <p:cNvSpPr>
+            <a:spLocks noGrp="1"/>
+          </p:cNvSpPr>
+          <p:nvPr>
+            <p:ph idx="1"/>
+          </p:nvPr>
+        </p:nvSpPr>
+        <p:spPr>
+          <a:xfrm>
+            <a:off x="457200" y="1223492"/>
+            <a:ext cx="8515761" cy="3379199"/>
+          </a:xfrm>
+        </p:spPr>
+        <p:txBody>
+          <a:bodyPr/>
+          <a:lstStyle/>
+          <a:p>
+            <a:pPr algn="l"/>
+            <a:r>
+              <a:rPr lang="de-DE" sz="1100" b="0" i="0" u="none" strike="noStrike" baseline="0" dirty="0">
+                <a:solidFill>
+                  <a:srgbClr val="000000"/>
+                </a:solidFill>
+                <a:latin typeface="+mj-lt"/>
+              </a:rPr>
+              <a:t>BAG W (2021). Steigende </a:t>
+            </a:r>
+            <a:r>
+              <a:rPr lang="de-DE" sz="1100" b="0" i="0" u="none" strike="noStrike" baseline="0" dirty="0" err="1">
+                <a:solidFill>
+                  <a:srgbClr val="000000"/>
+                </a:solidFill>
+                <a:latin typeface="+mj-lt"/>
+              </a:rPr>
+              <a:t>ZahlWohnungsloser</a:t>
+            </a:r>
+            <a:r>
+              <a:rPr lang="de-DE" sz="1100" b="0" i="0" u="none" strike="noStrike" baseline="0" dirty="0">
+                <a:solidFill>
+                  <a:srgbClr val="000000"/>
+                </a:solidFill>
+                <a:latin typeface="+mj-lt"/>
+              </a:rPr>
+              <a:t> im Wohnungslosensektor, Wohnungslosigkeit anerkannter Gefluchteter sinkt. [Pressemitteilung]. url: </a:t>
+            </a:r>
+            <a:r>
+              <a:rPr lang="de-DE" sz="1100" dirty="0">
+                <a:solidFill>
+                  <a:srgbClr val="AE0000"/>
+                </a:solidFill>
+                <a:latin typeface="+mj-lt"/>
+                <a:hlinkClick r:id="rId2">
+                  <a:extLst>
+                    <a:ext uri="{A12FA001-AC4F-418D-AE19-62706E023703}">
+                      <ahyp:hlinkClr xmlns:ahyp="http://schemas.microsoft.com/office/drawing/2018/hyperlinkcolor" val="tx"/>
+                    </a:ext>
+                  </a:extLst>
+                </a:hlinkClick>
+              </a:rPr>
+              <a:t>https://www.bagw.de/fileadmin/bagw/media/Doc/PRM/PRM_2021_12_21_BAGW_Schaetzung.pdf</a:t>
+            </a:r>
+            <a:r>
+              <a:rPr lang="de-DE" sz="1100" b="0" i="0" u="none" strike="noStrike" baseline="0" dirty="0">
+                <a:solidFill>
+                  <a:srgbClr val="000000"/>
+                </a:solidFill>
+                <a:latin typeface="+mj-lt"/>
+              </a:rPr>
+              <a:t>.</a:t>
+            </a:r>
+          </a:p>
+          <a:p>
+            <a:pPr algn="l"/>
+            <a:r>
+              <a:rPr lang="de-DE" sz="1100" b="0" i="0" u="none" strike="noStrike" baseline="0" dirty="0">
+                <a:solidFill>
+                  <a:srgbClr val="000000"/>
+                </a:solidFill>
+                <a:latin typeface="+mj-lt"/>
+              </a:rPr>
+              <a:t>Bertram, Franziska u. a. (2022). „Psychische und somatische Gesundheit von wohnungslosen Menschen“. In: </a:t>
+            </a:r>
+            <a:r>
+              <a:rPr lang="de-DE" sz="1100" b="0" i="0" u="none" strike="noStrike" baseline="0" dirty="0" err="1">
+                <a:solidFill>
+                  <a:srgbClr val="000000"/>
+                </a:solidFill>
+                <a:latin typeface="+mj-lt"/>
+              </a:rPr>
+              <a:t>Dtsch</a:t>
+            </a:r>
+            <a:r>
+              <a:rPr lang="de-DE" sz="1100" b="0" i="0" u="none" strike="noStrike" baseline="0" dirty="0">
+                <a:solidFill>
+                  <a:srgbClr val="000000"/>
+                </a:solidFill>
+                <a:latin typeface="+mj-lt"/>
+              </a:rPr>
+              <a:t> </a:t>
+            </a:r>
+            <a:r>
+              <a:rPr lang="de-DE" sz="1100" b="0" i="0" u="none" strike="noStrike" baseline="0" dirty="0" err="1">
+                <a:solidFill>
+                  <a:srgbClr val="000000"/>
+                </a:solidFill>
+                <a:latin typeface="+mj-lt"/>
+              </a:rPr>
+              <a:t>Arztebl</a:t>
+            </a:r>
+            <a:r>
+              <a:rPr lang="de-DE" sz="1100" b="0" i="0" u="none" strike="noStrike" baseline="0" dirty="0">
+                <a:solidFill>
+                  <a:srgbClr val="000000"/>
+                </a:solidFill>
+                <a:latin typeface="+mj-lt"/>
+              </a:rPr>
+              <a:t> International 119.50, S. 861–868. </a:t>
+            </a:r>
+            <a:r>
+              <a:rPr lang="de-DE" sz="1100" b="0" i="0" u="none" strike="noStrike" baseline="0" dirty="0" err="1">
+                <a:solidFill>
+                  <a:srgbClr val="000000"/>
+                </a:solidFill>
+                <a:latin typeface="+mj-lt"/>
+              </a:rPr>
+              <a:t>doi</a:t>
+            </a:r>
+            <a:r>
+              <a:rPr lang="de-DE" sz="1100" b="0" i="0" u="none" strike="noStrike" baseline="0" dirty="0">
+                <a:solidFill>
+                  <a:srgbClr val="000000"/>
+                </a:solidFill>
+                <a:latin typeface="+mj-lt"/>
+              </a:rPr>
+              <a:t>: </a:t>
+            </a:r>
+            <a:r>
+              <a:rPr lang="de-DE" sz="1100" b="0" i="0" u="none" strike="noStrike" baseline="0" dirty="0">
+                <a:solidFill>
+                  <a:srgbClr val="AE0000"/>
+                </a:solidFill>
+                <a:latin typeface="+mj-lt"/>
+              </a:rPr>
+              <a:t>10.3238/arztebl.m2022.0357</a:t>
+            </a:r>
+            <a:r>
+              <a:rPr lang="de-DE" sz="1100" b="0" i="0" u="none" strike="noStrike" baseline="0" dirty="0">
+                <a:solidFill>
+                  <a:srgbClr val="000000"/>
+                </a:solidFill>
+                <a:latin typeface="+mj-lt"/>
+              </a:rPr>
+              <a:t>.</a:t>
+            </a:r>
+            <a:endParaRPr lang="en-US" sz="1100" b="0" i="0" u="none" strike="noStrike" baseline="0" dirty="0">
+              <a:solidFill>
+                <a:srgbClr val="000000"/>
+              </a:solidFill>
+              <a:latin typeface="+mj-lt"/>
+            </a:endParaRPr>
+          </a:p>
+          <a:p>
+            <a:pPr algn="l"/>
+            <a:r>
+              <a:rPr lang="en-US" sz="1100" b="0" i="0" u="none" strike="noStrike" baseline="0" dirty="0">
+                <a:solidFill>
+                  <a:srgbClr val="000000"/>
+                </a:solidFill>
+                <a:latin typeface="+mj-lt"/>
+              </a:rPr>
+              <a:t>Davies, Andrew und Lisa J. Wood (2018). „Homeless health care: meeting the challenges of providing primary care“. In: The Medical journal </a:t>
+            </a:r>
+            <a:r>
+              <a:rPr lang="de-DE" sz="1100" b="0" i="0" u="none" strike="noStrike" baseline="0" dirty="0" err="1">
+                <a:solidFill>
+                  <a:srgbClr val="000000"/>
+                </a:solidFill>
+                <a:latin typeface="+mj-lt"/>
+              </a:rPr>
+              <a:t>of</a:t>
+            </a:r>
+            <a:r>
+              <a:rPr lang="de-DE" sz="1100" b="0" i="0" u="none" strike="noStrike" baseline="0" dirty="0">
+                <a:solidFill>
+                  <a:srgbClr val="000000"/>
+                </a:solidFill>
+                <a:latin typeface="+mj-lt"/>
+              </a:rPr>
+              <a:t> Australia 209.5, S. 230–234. </a:t>
+            </a:r>
+            <a:r>
+              <a:rPr lang="de-DE" sz="1100" b="0" i="0" u="none" strike="noStrike" baseline="0" dirty="0" err="1">
+                <a:solidFill>
+                  <a:srgbClr val="000000"/>
+                </a:solidFill>
+                <a:latin typeface="+mj-lt"/>
+              </a:rPr>
+              <a:t>doi</a:t>
+            </a:r>
+            <a:r>
+              <a:rPr lang="de-DE" sz="1100" b="0" i="0" u="none" strike="noStrike" baseline="0" dirty="0">
+                <a:solidFill>
+                  <a:srgbClr val="000000"/>
+                </a:solidFill>
+                <a:latin typeface="+mj-lt"/>
+              </a:rPr>
+              <a:t>: </a:t>
+            </a:r>
+            <a:r>
+              <a:rPr lang="de-DE" sz="1100" b="0" i="0" u="none" strike="noStrike" baseline="0" dirty="0">
+                <a:solidFill>
+                  <a:srgbClr val="AE0000"/>
+                </a:solidFill>
+                <a:latin typeface="+mj-lt"/>
+              </a:rPr>
+              <a:t>10.5694/mja17.01264</a:t>
+            </a:r>
+            <a:r>
+              <a:rPr lang="de-DE" sz="1100" b="0" i="0" u="none" strike="noStrike" baseline="0" dirty="0">
+                <a:solidFill>
+                  <a:srgbClr val="000000"/>
+                </a:solidFill>
+                <a:latin typeface="+mj-lt"/>
+              </a:rPr>
+              <a:t>.</a:t>
+            </a:r>
+          </a:p>
+          <a:p>
+            <a:pPr algn="l"/>
+            <a:r>
+              <a:rPr lang="de-DE" sz="1100" b="0" i="0" u="none" strike="noStrike" baseline="0" dirty="0">
+                <a:solidFill>
+                  <a:srgbClr val="000000"/>
+                </a:solidFill>
+                <a:latin typeface="+mj-lt"/>
+              </a:rPr>
+              <a:t>FEANTSA (2006). „ETHOS - </a:t>
+            </a:r>
+            <a:r>
+              <a:rPr lang="de-DE" sz="1100" b="0" i="0" u="none" strike="noStrike" baseline="0" dirty="0" err="1">
+                <a:solidFill>
+                  <a:srgbClr val="000000"/>
+                </a:solidFill>
+                <a:latin typeface="+mj-lt"/>
+              </a:rPr>
+              <a:t>Taking</a:t>
+            </a:r>
+            <a:r>
+              <a:rPr lang="de-DE" sz="1100" b="0" i="0" u="none" strike="noStrike" baseline="0" dirty="0">
+                <a:solidFill>
+                  <a:srgbClr val="000000"/>
+                </a:solidFill>
+                <a:latin typeface="+mj-lt"/>
+              </a:rPr>
+              <a:t> Stock“. url: </a:t>
+            </a:r>
+            <a:r>
+              <a:rPr lang="de-DE" sz="1100" dirty="0">
+                <a:solidFill>
+                  <a:srgbClr val="AE0000"/>
+                </a:solidFill>
+                <a:latin typeface="+mj-lt"/>
+                <a:hlinkClick r:id="rId3">
+                  <a:extLst>
+                    <a:ext uri="{A12FA001-AC4F-418D-AE19-62706E023703}">
+                      <ahyp:hlinkClr xmlns:ahyp="http://schemas.microsoft.com/office/drawing/2018/hyperlinkcolor" val="tx"/>
+                    </a:ext>
+                  </a:extLst>
+                </a:hlinkClick>
+              </a:rPr>
+              <a:t>https://www.feantsa.org/public/user/Resources/resources/ethospaper2006.pdf.pdf</a:t>
+            </a:r>
+            <a:r>
+              <a:rPr lang="de-DE" sz="1100" b="0" i="0" u="none" strike="noStrike" baseline="0" dirty="0">
+                <a:solidFill>
+                  <a:srgbClr val="000000"/>
+                </a:solidFill>
+                <a:latin typeface="+mj-lt"/>
+              </a:rPr>
+              <a:t>. </a:t>
+            </a:r>
+          </a:p>
+          <a:p>
+            <a:pPr algn="l"/>
+            <a:r>
+              <a:rPr lang="de-DE" sz="1100" b="0" i="0" u="none" strike="noStrike" baseline="0" dirty="0" err="1">
+                <a:solidFill>
+                  <a:srgbClr val="000000"/>
+                </a:solidFill>
+                <a:latin typeface="+mj-lt"/>
+              </a:rPr>
+              <a:t>Kaduszkiewicz</a:t>
+            </a:r>
+            <a:r>
+              <a:rPr lang="de-DE" sz="1100" b="0" i="0" u="none" strike="noStrike" baseline="0" dirty="0">
+                <a:solidFill>
+                  <a:srgbClr val="000000"/>
+                </a:solidFill>
+                <a:latin typeface="+mj-lt"/>
+              </a:rPr>
+              <a:t>, Hanna, Benjamin </a:t>
+            </a:r>
+            <a:r>
+              <a:rPr lang="de-DE" sz="1100" b="0" i="0" u="none" strike="noStrike" baseline="0" dirty="0" err="1">
+                <a:solidFill>
+                  <a:srgbClr val="000000"/>
+                </a:solidFill>
+                <a:latin typeface="+mj-lt"/>
+              </a:rPr>
+              <a:t>Bochon</a:t>
+            </a:r>
+            <a:r>
+              <a:rPr lang="de-DE" sz="1100" b="0" i="0" u="none" strike="noStrike" baseline="0" dirty="0">
+                <a:solidFill>
+                  <a:srgbClr val="000000"/>
+                </a:solidFill>
+                <a:latin typeface="+mj-lt"/>
+              </a:rPr>
+              <a:t>, Hendrik van den Bussche, Julia Hansmann-Wiest und Carolin van der </a:t>
+            </a:r>
+            <a:r>
+              <a:rPr lang="de-DE" sz="1100" b="0" i="0" u="none" strike="noStrike" baseline="0" dirty="0" err="1">
+                <a:solidFill>
+                  <a:srgbClr val="000000"/>
+                </a:solidFill>
+                <a:latin typeface="+mj-lt"/>
+              </a:rPr>
+              <a:t>Leeden</a:t>
+            </a:r>
+            <a:r>
+              <a:rPr lang="de-DE" sz="1100" b="0" i="0" u="none" strike="noStrike" baseline="0" dirty="0">
+                <a:solidFill>
+                  <a:srgbClr val="000000"/>
+                </a:solidFill>
+                <a:latin typeface="+mj-lt"/>
+              </a:rPr>
+              <a:t> (2017). „The </a:t>
+            </a:r>
+            <a:r>
+              <a:rPr lang="en-US" sz="1100" b="0" i="0" u="none" strike="noStrike" baseline="0" dirty="0">
+                <a:solidFill>
+                  <a:srgbClr val="000000"/>
+                </a:solidFill>
+                <a:latin typeface="+mj-lt"/>
+              </a:rPr>
+              <a:t>Medical Treatment of Homeless People“. In: </a:t>
+            </a:r>
+            <a:r>
+              <a:rPr lang="en-US" sz="1100" b="0" i="0" u="none" strike="noStrike" baseline="0" dirty="0" err="1">
+                <a:solidFill>
+                  <a:srgbClr val="000000"/>
+                </a:solidFill>
+                <a:latin typeface="+mj-lt"/>
+              </a:rPr>
+              <a:t>Deutsches</a:t>
+            </a:r>
+            <a:r>
+              <a:rPr lang="en-US" sz="1100" b="0" i="0" u="none" strike="noStrike" baseline="0" dirty="0">
+                <a:solidFill>
+                  <a:srgbClr val="000000"/>
+                </a:solidFill>
+                <a:latin typeface="+mj-lt"/>
+              </a:rPr>
+              <a:t> </a:t>
+            </a:r>
+            <a:r>
+              <a:rPr lang="en-US" sz="1100" b="0" i="0" u="none" strike="noStrike" baseline="0" dirty="0" err="1">
+                <a:solidFill>
+                  <a:srgbClr val="000000"/>
+                </a:solidFill>
+                <a:latin typeface="+mj-lt"/>
+              </a:rPr>
+              <a:t>Ärzteblatt</a:t>
+            </a:r>
+            <a:r>
+              <a:rPr lang="en-US" sz="1100" b="0" i="0" u="none" strike="noStrike" baseline="0" dirty="0">
+                <a:solidFill>
+                  <a:srgbClr val="000000"/>
+                </a:solidFill>
+                <a:latin typeface="+mj-lt"/>
+              </a:rPr>
+              <a:t> </a:t>
+            </a:r>
+            <a:r>
+              <a:rPr lang="de-DE" sz="1100" b="0" i="0" u="none" strike="noStrike" baseline="0" dirty="0">
+                <a:solidFill>
+                  <a:srgbClr val="000000"/>
+                </a:solidFill>
+                <a:latin typeface="+mj-lt"/>
+              </a:rPr>
+              <a:t>international 114.40, S. 673–679. </a:t>
+            </a:r>
+            <a:r>
+              <a:rPr lang="de-DE" sz="1100" b="0" i="0" u="none" strike="noStrike" baseline="0" dirty="0" err="1">
+                <a:solidFill>
+                  <a:srgbClr val="000000"/>
+                </a:solidFill>
+                <a:latin typeface="+mj-lt"/>
+              </a:rPr>
+              <a:t>doi</a:t>
+            </a:r>
+            <a:r>
+              <a:rPr lang="de-DE" sz="1100" b="0" i="0" u="none" strike="noStrike" baseline="0" dirty="0">
+                <a:solidFill>
+                  <a:srgbClr val="000000"/>
+                </a:solidFill>
+                <a:latin typeface="+mj-lt"/>
+              </a:rPr>
+              <a:t>: </a:t>
+            </a:r>
+            <a:r>
+              <a:rPr lang="de-DE" sz="1100" b="0" i="0" u="none" strike="noStrike" baseline="0" dirty="0">
+                <a:solidFill>
+                  <a:srgbClr val="AE0000"/>
+                </a:solidFill>
+                <a:latin typeface="+mj-lt"/>
+              </a:rPr>
+              <a:t>10.3238/arztebl.2017.0673</a:t>
+            </a:r>
+            <a:r>
+              <a:rPr lang="de-DE" sz="1100" b="0" i="0" u="none" strike="noStrike" baseline="0" dirty="0">
+                <a:solidFill>
+                  <a:srgbClr val="000000"/>
+                </a:solidFill>
+                <a:latin typeface="+mj-lt"/>
+              </a:rPr>
+              <a:t>.</a:t>
+            </a:r>
+          </a:p>
+          <a:p>
+            <a:pPr algn="l"/>
+            <a:r>
+              <a:rPr lang="en-US" sz="1100" dirty="0" err="1">
+                <a:solidFill>
+                  <a:srgbClr val="000000"/>
+                </a:solidFill>
+                <a:latin typeface="+mj-lt"/>
+              </a:rPr>
+              <a:t>Srebnik</a:t>
+            </a:r>
+            <a:r>
+              <a:rPr lang="en-US" sz="1100" dirty="0">
+                <a:solidFill>
+                  <a:srgbClr val="000000"/>
+                </a:solidFill>
+                <a:latin typeface="+mj-lt"/>
+              </a:rPr>
+              <a:t>, D., Connor, T., &amp; </a:t>
+            </a:r>
+            <a:r>
+              <a:rPr lang="en-US" sz="1100" dirty="0" err="1">
+                <a:solidFill>
+                  <a:srgbClr val="000000"/>
+                </a:solidFill>
+                <a:latin typeface="+mj-lt"/>
+              </a:rPr>
+              <a:t>Sylla</a:t>
+            </a:r>
+            <a:r>
+              <a:rPr lang="en-US" sz="1100" dirty="0">
+                <a:solidFill>
+                  <a:srgbClr val="000000"/>
+                </a:solidFill>
+                <a:latin typeface="+mj-lt"/>
+              </a:rPr>
+              <a:t>, L. (2013). A pilot study of the impact of housing first-supported housing for intensive users of medical hospitalization and sobering services. American journal of public health, 103(2), 316–321. </a:t>
+            </a:r>
+            <a:r>
+              <a:rPr lang="en-US" sz="1100" dirty="0" err="1">
+                <a:solidFill>
+                  <a:srgbClr val="000000"/>
+                </a:solidFill>
+                <a:latin typeface="+mj-lt"/>
+              </a:rPr>
+              <a:t>doi</a:t>
+            </a:r>
+            <a:r>
+              <a:rPr lang="en-US" sz="1100" dirty="0">
+                <a:solidFill>
+                  <a:srgbClr val="000000"/>
+                </a:solidFill>
+                <a:latin typeface="+mj-lt"/>
+              </a:rPr>
+              <a:t>: </a:t>
+            </a:r>
+            <a:r>
+              <a:rPr lang="en-US" sz="1100" dirty="0">
+                <a:solidFill>
+                  <a:srgbClr val="AE0000"/>
+                </a:solidFill>
+                <a:latin typeface="+mj-lt"/>
+              </a:rPr>
+              <a:t>10.2105/AJPH.2012.300867</a:t>
+            </a:r>
+          </a:p>
+          <a:p>
+            <a:pPr algn="l"/>
+            <a:r>
+              <a:rPr lang="en-US" sz="1100" dirty="0">
+                <a:solidFill>
+                  <a:srgbClr val="000000"/>
+                </a:solidFill>
+                <a:latin typeface="+mj-lt"/>
+              </a:rPr>
+              <a:t>Wright, B. J., </a:t>
+            </a:r>
+            <a:r>
+              <a:rPr lang="en-US" sz="1100" dirty="0" err="1">
+                <a:solidFill>
+                  <a:srgbClr val="000000"/>
+                </a:solidFill>
+                <a:latin typeface="+mj-lt"/>
+              </a:rPr>
+              <a:t>Vartanian</a:t>
+            </a:r>
+            <a:r>
+              <a:rPr lang="en-US" sz="1100" dirty="0">
+                <a:solidFill>
+                  <a:srgbClr val="000000"/>
+                </a:solidFill>
+                <a:latin typeface="+mj-lt"/>
+              </a:rPr>
+              <a:t>, K. B., Li, H. F., Royal, N., &amp; Matson, J. K. (2016). Formerly Homeless People Had Lower Overall Health Care Expenditures After Moving Into Supportive Housing. Health affairs (Project Hope), 35(1), 20–27. </a:t>
+            </a:r>
+            <a:r>
+              <a:rPr lang="en-US" sz="1100" dirty="0" err="1">
+                <a:solidFill>
+                  <a:srgbClr val="000000"/>
+                </a:solidFill>
+                <a:latin typeface="+mj-lt"/>
+              </a:rPr>
+              <a:t>doi</a:t>
+            </a:r>
+            <a:r>
+              <a:rPr lang="en-US" sz="1100" dirty="0">
+                <a:solidFill>
+                  <a:srgbClr val="000000"/>
+                </a:solidFill>
+                <a:latin typeface="+mj-lt"/>
+              </a:rPr>
+              <a:t>:</a:t>
+            </a:r>
+            <a:r>
+              <a:rPr lang="en-US" sz="1100" dirty="0">
+                <a:solidFill>
+                  <a:srgbClr val="AE0000"/>
+                </a:solidFill>
+                <a:latin typeface="+mj-lt"/>
+              </a:rPr>
+              <a:t> 10.1377/hlthaff.2015.0393</a:t>
+            </a:r>
+            <a:r>
+              <a:rPr lang="en-US" sz="1100" dirty="0">
+                <a:solidFill>
+                  <a:srgbClr val="000000"/>
+                </a:solidFill>
+                <a:latin typeface="+mj-lt"/>
+              </a:rPr>
+              <a:t>.</a:t>
+            </a:r>
+            <a:endParaRPr lang="de-DE" sz="1100" dirty="0">
+              <a:solidFill>
+                <a:srgbClr val="000000"/>
+              </a:solidFill>
+              <a:latin typeface="+mj-lt"/>
+            </a:endParaRPr>
+          </a:p>
+          <a:p>
+            <a:pPr algn="l"/>
+            <a:r>
+              <a:rPr lang="de-DE" sz="1100" b="0" i="0" u="none" strike="noStrike" baseline="0" dirty="0">
+                <a:solidFill>
+                  <a:srgbClr val="000000"/>
+                </a:solidFill>
+                <a:latin typeface="+mj-lt"/>
+              </a:rPr>
+              <a:t>Zanders, Theresa und Laura </a:t>
+            </a:r>
+            <a:r>
+              <a:rPr lang="de-DE" sz="1100" b="0" i="0" u="none" strike="noStrike" baseline="0" dirty="0" err="1">
+                <a:solidFill>
+                  <a:srgbClr val="000000"/>
+                </a:solidFill>
+                <a:latin typeface="+mj-lt"/>
+              </a:rPr>
+              <a:t>Eleana</a:t>
+            </a:r>
+            <a:r>
+              <a:rPr lang="de-DE" sz="1100" b="0" i="0" u="none" strike="noStrike" baseline="0" dirty="0">
+                <a:solidFill>
+                  <a:srgbClr val="000000"/>
+                </a:solidFill>
+                <a:latin typeface="+mj-lt"/>
+              </a:rPr>
+              <a:t> Bein (2022). Der anonyme Behandlungsschein – von der Idee zur Umsetzung. Ein Handlungsleitfaden. </a:t>
+            </a:r>
+            <a:r>
+              <a:rPr lang="de-DE" sz="1100" b="0" i="0" u="none" strike="noStrike" baseline="0" dirty="0" err="1">
+                <a:solidFill>
+                  <a:srgbClr val="000000"/>
+                </a:solidFill>
+                <a:latin typeface="+mj-lt"/>
+              </a:rPr>
+              <a:t>doi</a:t>
+            </a:r>
+            <a:r>
+              <a:rPr lang="de-DE" sz="1100" b="0" i="0" u="none" strike="noStrike" baseline="0" dirty="0">
+                <a:solidFill>
+                  <a:srgbClr val="000000"/>
+                </a:solidFill>
+                <a:latin typeface="+mj-lt"/>
+              </a:rPr>
+              <a:t>: </a:t>
+            </a:r>
+            <a:r>
+              <a:rPr lang="de-DE" sz="1100" b="0" i="0" u="none" strike="noStrike" baseline="0" dirty="0">
+                <a:solidFill>
+                  <a:srgbClr val="AE0000"/>
+                </a:solidFill>
+                <a:latin typeface="+mj-lt"/>
+              </a:rPr>
+              <a:t>10.25643/BAUHAUS-UNIVERSITAET.4716</a:t>
+            </a:r>
+            <a:r>
+              <a:rPr lang="de-DE" sz="1100" b="0" i="0" u="none" strike="noStrike" baseline="0" dirty="0">
+                <a:solidFill>
+                  <a:srgbClr val="000000"/>
+                </a:solidFill>
+                <a:latin typeface="+mj-lt"/>
+              </a:rPr>
+              <a:t>.</a:t>
+            </a:r>
+            <a:endParaRPr lang="de-DE" sz="800" dirty="0">
+              <a:latin typeface="+mj-lt"/>
+            </a:endParaRPr>
+          </a:p>
+        </p:txBody>
+      </p:sp>
+      <p:sp>
+        <p:nvSpPr>
+          <p:cNvPr id="4" name="Foliennummernplatzhalter 3">
+            <a:extLst>
+              <a:ext uri="{FF2B5EF4-FFF2-40B4-BE49-F238E27FC236}">
+                <a16:creationId xmlns:a16="http://schemas.microsoft.com/office/drawing/2014/main" id="{543E97A8-6DF7-B0A6-3AF5-152088BC2B80}"/>
+              </a:ext>
+            </a:extLst>
+          </p:cNvPr>
+          <p:cNvSpPr>
+            <a:spLocks noGrp="1"/>
+          </p:cNvSpPr>
+          <p:nvPr>
+            <p:ph type="sldNum" sz="quarter" idx="4"/>
+          </p:nvPr>
+        </p:nvSpPr>
+        <p:spPr/>
+        <p:txBody>
+          <a:bodyPr/>
+          <a:lstStyle/>
+          <a:p>
+            <a:pPr>
+              <a:defRPr/>
+            </a:pPr>
+            <a:fld id="{AFCF9BA9-AB08-46E1-A235-3AC71B2FE2C1}" type="slidenum">
+              <a:rPr lang="de-DE" altLang="de-DE" sz="1000" smtClean="0">
+                <a:solidFill>
+                  <a:srgbClr val="D8413E"/>
+                </a:solidFill>
+                <a:latin typeface="Arial" panose="020B0604020202020204" pitchFamily="34" charset="0"/>
+                <a:cs typeface="Arial" panose="020B0604020202020204" pitchFamily="34" charset="0"/>
+              </a:rPr>
+              <a:pPr>
+                <a:defRPr/>
+              </a:pPr>
+              <a:t>12</a:t>
+            </a:fld>
+            <a:endParaRPr lang="de-DE" altLang="de-DE" sz="1000" dirty="0">
+              <a:solidFill>
+                <a:srgbClr val="D8413E"/>
+              </a:solidFill>
+              <a:latin typeface="Arial" panose="020B0604020202020204" pitchFamily="34" charset="0"/>
+              <a:cs typeface="Arial" panose="020B0604020202020204" pitchFamily="34" charset="0"/>
+            </a:endParaRPr>
+          </a:p>
+        </p:txBody>
+      </p:sp>
+    </p:spTree>
+    <p:extLst>
+      <p:ext uri="{BB962C8B-B14F-4D97-AF65-F5344CB8AC3E}">
+        <p14:creationId xmlns:p14="http://schemas.microsoft.com/office/powerpoint/2010/main" val="4165178724"/>
+      </p:ext>
+    </p:extLst>
+  </p:cSld>
+  <p:clrMapOvr>
+    <a:masterClrMapping/>
+  </p:clrMapOvr>
+</p:sld>
+</file>
+
+<file path=ppt/slides/slide13.xml><?xml version="1.0" encoding="utf-8"?>
+<p:sld xmlns:a="http://schemas.openxmlformats.org/drawingml/2006/main" xmlns:r="http://schemas.openxmlformats.org/officeDocument/2006/relationships" xmlns:p="http://schemas.openxmlformats.org/presentationml/2006/main">
+  <p:cSld>
+    <p:spTree>
+      <p:nvGrpSpPr>
+        <p:cNvPr id="1" name=""/>
+        <p:cNvGrpSpPr/>
+        <p:nvPr/>
+      </p:nvGrpSpPr>
+      <p:grpSpPr>
+        <a:xfrm>
+          <a:off x="0" y="0"/>
+          <a:ext cx="0" cy="0"/>
+          <a:chOff x="0" y="0"/>
+          <a:chExt cx="0" cy="0"/>
+        </a:xfrm>
+      </p:grpSpPr>
+      <p:sp>
+        <p:nvSpPr>
+          <p:cNvPr id="2" name="Titel 1">
+            <a:extLst>
+              <a:ext uri="{FF2B5EF4-FFF2-40B4-BE49-F238E27FC236}">
+                <a16:creationId xmlns:a16="http://schemas.microsoft.com/office/drawing/2014/main" id="{896F59B3-C7A5-3AE2-7611-8B8551E7CA8C}"/>
+              </a:ext>
+            </a:extLst>
+          </p:cNvPr>
+          <p:cNvSpPr>
+            <a:spLocks noGrp="1"/>
+          </p:cNvSpPr>
+          <p:nvPr>
+            <p:ph type="title"/>
+          </p:nvPr>
+        </p:nvSpPr>
+        <p:spPr/>
+        <p:txBody>
+          <a:bodyPr/>
+          <a:lstStyle/>
+          <a:p>
+            <a:r>
+              <a:rPr lang="de-DE" dirty="0"/>
+              <a:t>5. Literatur</a:t>
+            </a:r>
+          </a:p>
+        </p:txBody>
+      </p:sp>
+      <p:sp>
+        <p:nvSpPr>
+          <p:cNvPr id="3" name="Inhaltsplatzhalter 2">
+            <a:extLst>
+              <a:ext uri="{FF2B5EF4-FFF2-40B4-BE49-F238E27FC236}">
+                <a16:creationId xmlns:a16="http://schemas.microsoft.com/office/drawing/2014/main" id="{4295B9C5-E978-CFCA-FC84-06FB208F5816}"/>
+              </a:ext>
+            </a:extLst>
+          </p:cNvPr>
+          <p:cNvSpPr>
+            <a:spLocks noGrp="1"/>
+          </p:cNvSpPr>
+          <p:nvPr>
+            <p:ph idx="1"/>
+          </p:nvPr>
+        </p:nvSpPr>
+        <p:spPr/>
+        <p:txBody>
+          <a:bodyPr/>
+          <a:lstStyle/>
+          <a:p>
+            <a:pPr algn="l"/>
+            <a:r>
+              <a:rPr lang="de-DE" sz="1100" b="0" i="0" u="none" strike="noStrike" baseline="0" dirty="0">
+                <a:solidFill>
+                  <a:srgbClr val="000000"/>
+                </a:solidFill>
+                <a:latin typeface="+mj-lt"/>
+              </a:rPr>
+              <a:t>Bauhaus-Universität Weimar. Städtische Ko-Produktion von Teilhabe und Gemeinwohl. Aushandlungsprozesse zwischen zivilgesellschaftlichen Akteuren und städtischen Verwaltungen. aufgerufen am 12.04.2023. url: </a:t>
+            </a:r>
+            <a:r>
+              <a:rPr lang="de-DE" sz="1100" dirty="0">
+                <a:solidFill>
+                  <a:srgbClr val="AE0000"/>
+                </a:solidFill>
+                <a:latin typeface="+mj-lt"/>
+                <a:hlinkClick r:id="rId2">
+                  <a:extLst>
+                    <a:ext uri="{A12FA001-AC4F-418D-AE19-62706E023703}">
+                      <ahyp:hlinkClr xmlns:ahyp="http://schemas.microsoft.com/office/drawing/2018/hyperlinkcolor" val="tx"/>
+                    </a:ext>
+                  </a:extLst>
+                </a:hlinkClick>
+              </a:rPr>
+              <a:t>https://www.koopwohl.de/</a:t>
+            </a:r>
+            <a:r>
+              <a:rPr lang="de-DE" sz="1100" b="0" i="0" u="none" strike="noStrike" baseline="0" dirty="0">
+                <a:solidFill>
+                  <a:srgbClr val="000000"/>
+                </a:solidFill>
+                <a:latin typeface="+mj-lt"/>
+              </a:rPr>
+              <a:t>. </a:t>
+            </a:r>
+          </a:p>
+          <a:p>
+            <a:pPr algn="l"/>
+            <a:r>
+              <a:rPr lang="de-DE" sz="1100" b="0" i="0" u="none" strike="noStrike" baseline="0" dirty="0">
+                <a:solidFill>
+                  <a:srgbClr val="000000"/>
+                </a:solidFill>
+                <a:latin typeface="+mj-lt"/>
+              </a:rPr>
+              <a:t>Clearingstelle und Anonymer Behandlungsschein e.V. (2022). aufgerufen am 12.04.2023. url:</a:t>
+            </a:r>
+            <a:r>
+              <a:rPr lang="de-DE" sz="1100" dirty="0">
+                <a:solidFill>
+                  <a:srgbClr val="AE0000"/>
+                </a:solidFill>
+                <a:latin typeface="+mj-lt"/>
+              </a:rPr>
+              <a:t> </a:t>
+            </a:r>
+            <a:r>
+              <a:rPr lang="de-DE" sz="1100" dirty="0">
+                <a:solidFill>
+                  <a:srgbClr val="AE0000"/>
+                </a:solidFill>
+                <a:latin typeface="+mj-lt"/>
+                <a:hlinkClick r:id="rId3">
+                  <a:extLst>
+                    <a:ext uri="{A12FA001-AC4F-418D-AE19-62706E023703}">
+                      <ahyp:hlinkClr xmlns:ahyp="http://schemas.microsoft.com/office/drawing/2018/hyperlinkcolor" val="tx"/>
+                    </a:ext>
+                  </a:extLst>
+                </a:hlinkClick>
+              </a:rPr>
+              <a:t>https://cab-leipzig.de/wp/</a:t>
+            </a:r>
+            <a:r>
+              <a:rPr lang="de-DE" sz="1100" dirty="0">
+                <a:latin typeface="+mj-lt"/>
+              </a:rPr>
+              <a:t>.</a:t>
+            </a:r>
+          </a:p>
+          <a:p>
+            <a:r>
+              <a:rPr lang="de-DE" sz="1100" dirty="0">
+                <a:latin typeface="+mj-lt"/>
+              </a:rPr>
+              <a:t>Diakonisches Werk Innere Mission Leipzig e.V. aufgerufen am 12.04.2023. url: </a:t>
+            </a:r>
+            <a:r>
+              <a:rPr lang="de-DE" sz="1100" dirty="0">
+                <a:solidFill>
+                  <a:srgbClr val="AE0000"/>
+                </a:solidFill>
+                <a:latin typeface="+mj-lt"/>
+                <a:hlinkClick r:id="rId4">
+                  <a:extLst>
+                    <a:ext uri="{A12FA001-AC4F-418D-AE19-62706E023703}">
+                      <ahyp:hlinkClr xmlns:ahyp="http://schemas.microsoft.com/office/drawing/2018/hyperlinkcolor" val="tx"/>
+                    </a:ext>
+                  </a:extLst>
+                </a:hlinkClick>
+              </a:rPr>
+              <a:t>https://www.diakonie-leipzig.de/index.html</a:t>
+            </a:r>
+            <a:r>
+              <a:rPr lang="de-DE" sz="1100" dirty="0">
+                <a:latin typeface="+mj-lt"/>
+              </a:rPr>
+              <a:t>. </a:t>
+            </a:r>
+          </a:p>
+          <a:p>
+            <a:pPr algn="l"/>
+            <a:r>
+              <a:rPr lang="de-DE" sz="1100" dirty="0">
+                <a:latin typeface="+mj-lt"/>
+              </a:rPr>
+              <a:t>FEANTSA.</a:t>
+            </a:r>
+            <a:r>
+              <a:rPr lang="de-DE" sz="1100" b="0" i="0" u="none" strike="noStrike" baseline="0" dirty="0">
+                <a:solidFill>
+                  <a:srgbClr val="000000"/>
+                </a:solidFill>
+                <a:latin typeface="+mj-lt"/>
+              </a:rPr>
+              <a:t> aufgerufen am 12.04.2023. url:</a:t>
+            </a:r>
+            <a:r>
+              <a:rPr lang="de-DE" sz="1100" dirty="0">
+                <a:solidFill>
+                  <a:srgbClr val="AE0000"/>
+                </a:solidFill>
+                <a:latin typeface="+mj-lt"/>
+              </a:rPr>
+              <a:t> </a:t>
+            </a:r>
+            <a:r>
+              <a:rPr lang="de-DE" sz="1100" dirty="0">
+                <a:solidFill>
+                  <a:srgbClr val="AE0000"/>
+                </a:solidFill>
+                <a:latin typeface="+mj-lt"/>
+                <a:hlinkClick r:id="rId5">
+                  <a:extLst>
+                    <a:ext uri="{A12FA001-AC4F-418D-AE19-62706E023703}">
+                      <ahyp:hlinkClr xmlns:ahyp="http://schemas.microsoft.com/office/drawing/2018/hyperlinkcolor" val="tx"/>
+                    </a:ext>
+                  </a:extLst>
+                </a:hlinkClick>
+              </a:rPr>
+              <a:t>https://www.feantsa.org/en</a:t>
+            </a:r>
+            <a:r>
+              <a:rPr lang="de-DE" sz="1100" dirty="0">
+                <a:latin typeface="+mj-lt"/>
+              </a:rPr>
+              <a:t>. </a:t>
+            </a:r>
+          </a:p>
+          <a:p>
+            <a:pPr algn="l"/>
+            <a:r>
+              <a:rPr lang="de-DE" sz="1100" dirty="0">
+                <a:latin typeface="+mj-lt"/>
+              </a:rPr>
+              <a:t>Safe – Straßensozialarbeit für Erwachsene. </a:t>
+            </a:r>
+            <a:r>
+              <a:rPr lang="de-DE" sz="1100" b="0" i="0" u="none" strike="noStrike" baseline="0" dirty="0">
+                <a:solidFill>
+                  <a:srgbClr val="000000"/>
+                </a:solidFill>
+                <a:latin typeface="+mj-lt"/>
+              </a:rPr>
+              <a:t>aufgerufen am 12.04.2023. url:</a:t>
+            </a:r>
+            <a:r>
+              <a:rPr lang="de-DE" sz="1100" dirty="0">
+                <a:solidFill>
+                  <a:srgbClr val="AE0000"/>
+                </a:solidFill>
+                <a:latin typeface="+mj-lt"/>
+              </a:rPr>
+              <a:t> </a:t>
+            </a:r>
+            <a:r>
+              <a:rPr lang="de-DE" sz="1100" dirty="0">
+                <a:solidFill>
+                  <a:srgbClr val="AE0000"/>
+                </a:solidFill>
+                <a:latin typeface="+mj-lt"/>
+                <a:hlinkClick r:id="rId6">
+                  <a:extLst>
+                    <a:ext uri="{A12FA001-AC4F-418D-AE19-62706E023703}">
+                      <ahyp:hlinkClr xmlns:ahyp="http://schemas.microsoft.com/office/drawing/2018/hyperlinkcolor" val="tx"/>
+                    </a:ext>
+                  </a:extLst>
+                </a:hlinkClick>
+              </a:rPr>
+              <a:t>https://www.suchtzentrum.de/unsere-angebote/streetwork/safe</a:t>
+            </a:r>
+            <a:r>
+              <a:rPr lang="de-DE" sz="1100" dirty="0">
+                <a:latin typeface="+mj-lt"/>
+              </a:rPr>
+              <a:t>. </a:t>
+            </a:r>
+          </a:p>
+        </p:txBody>
+      </p:sp>
+      <p:sp>
+        <p:nvSpPr>
+          <p:cNvPr id="5" name="Textplatzhalter 4">
+            <a:extLst>
+              <a:ext uri="{FF2B5EF4-FFF2-40B4-BE49-F238E27FC236}">
+                <a16:creationId xmlns:a16="http://schemas.microsoft.com/office/drawing/2014/main" id="{36CCD39E-6863-A508-2BE0-86ACEDA4804B}"/>
+              </a:ext>
+            </a:extLst>
+          </p:cNvPr>
+          <p:cNvSpPr>
+            <a:spLocks noGrp="1"/>
+          </p:cNvSpPr>
+          <p:nvPr>
+            <p:ph type="body" sz="quarter" idx="13"/>
+          </p:nvPr>
+        </p:nvSpPr>
+        <p:spPr/>
+        <p:txBody>
+          <a:bodyPr/>
+          <a:lstStyle/>
+          <a:p>
+            <a:r>
+              <a:rPr lang="de-DE" dirty="0"/>
+              <a:t>weiterführende Links</a:t>
+            </a:r>
+          </a:p>
+        </p:txBody>
+      </p:sp>
+      <p:sp>
+        <p:nvSpPr>
+          <p:cNvPr id="4" name="Foliennummernplatzhalter 3">
+            <a:extLst>
+              <a:ext uri="{FF2B5EF4-FFF2-40B4-BE49-F238E27FC236}">
+                <a16:creationId xmlns:a16="http://schemas.microsoft.com/office/drawing/2014/main" id="{D5638213-0CCE-8B67-EBFF-E2A8FBE37C69}"/>
+              </a:ext>
+            </a:extLst>
+          </p:cNvPr>
+          <p:cNvSpPr>
+            <a:spLocks noGrp="1"/>
+          </p:cNvSpPr>
+          <p:nvPr>
+            <p:ph type="sldNum" sz="quarter" idx="4"/>
+          </p:nvPr>
+        </p:nvSpPr>
+        <p:spPr/>
+        <p:txBody>
+          <a:bodyPr/>
+          <a:lstStyle/>
+          <a:p>
+            <a:pPr>
+              <a:defRPr/>
+            </a:pPr>
+            <a:fld id="{AFCF9BA9-AB08-46E1-A235-3AC71B2FE2C1}" type="slidenum">
+              <a:rPr lang="de-DE" altLang="de-DE" sz="1000" smtClean="0">
+                <a:solidFill>
+                  <a:srgbClr val="D8413E"/>
+                </a:solidFill>
+                <a:latin typeface="Arial" panose="020B0604020202020204" pitchFamily="34" charset="0"/>
+                <a:cs typeface="Arial" panose="020B0604020202020204" pitchFamily="34" charset="0"/>
+              </a:rPr>
+              <a:pPr>
+                <a:defRPr/>
+              </a:pPr>
+              <a:t>13</a:t>
+            </a:fld>
+            <a:endParaRPr lang="de-DE" altLang="de-DE" sz="1000" dirty="0">
+              <a:solidFill>
+                <a:srgbClr val="D8413E"/>
+              </a:solidFill>
+              <a:latin typeface="Arial" panose="020B0604020202020204" pitchFamily="34" charset="0"/>
+              <a:cs typeface="Arial" panose="020B0604020202020204" pitchFamily="34" charset="0"/>
+            </a:endParaRPr>
+          </a:p>
+        </p:txBody>
+      </p:sp>
+    </p:spTree>
+    <p:extLst>
+      <p:ext uri="{BB962C8B-B14F-4D97-AF65-F5344CB8AC3E}">
+        <p14:creationId xmlns:p14="http://schemas.microsoft.com/office/powerpoint/2010/main" val="234214727"/>
+      </p:ext>
+    </p:extLst>
+  </p:cSld>
+  <p:clrMapOvr>
+    <a:masterClrMapping/>
+  </p:clrMapOvr>
+</p:sld>
+</file>
+
+<file path=ppt/slides/slide14.xml><?xml version="1.0" encoding="utf-8"?>
+<p:sld xmlns:a="http://schemas.openxmlformats.org/drawingml/2006/main" xmlns:r="http://schemas.openxmlformats.org/officeDocument/2006/relationships" xmlns:p="http://schemas.openxmlformats.org/presentationml/2006/main">
+  <p:cSld>
+    <p:spTree>
+      <p:nvGrpSpPr>
+        <p:cNvPr id="1" name=""/>
+        <p:cNvGrpSpPr/>
+        <p:nvPr/>
+      </p:nvGrpSpPr>
+      <p:grpSpPr>
+        <a:xfrm>
+          <a:off x="0" y="0"/>
+          <a:ext cx="0" cy="0"/>
+          <a:chOff x="0" y="0"/>
+          <a:chExt cx="0" cy="0"/>
+        </a:xfrm>
+      </p:grpSpPr>
+      <p:sp>
+        <p:nvSpPr>
+          <p:cNvPr id="2" name="Titel 1"/>
+          <p:cNvSpPr>
+            <a:spLocks noGrp="1"/>
+          </p:cNvSpPr>
+          <p:nvPr>
+            <p:ph type="ctrTitle"/>
+          </p:nvPr>
+        </p:nvSpPr>
+        <p:spPr>
+          <a:xfrm>
+            <a:off x="365125" y="1584325"/>
+            <a:ext cx="7985125" cy="561975"/>
+          </a:xfrm>
+        </p:spPr>
+        <p:txBody>
+          <a:bodyPr/>
+          <a:lstStyle/>
+          <a:p>
+            <a:pPr eaLnBrk="1" fontAlgn="auto" hangingPunct="1">
+              <a:spcAft>
+                <a:spcPts val="0"/>
+              </a:spcAft>
+              <a:defRPr/>
+            </a:pPr>
+            <a:r>
+              <a:rPr lang="de-DE" dirty="0">
+                <a:ea typeface="+mj-ea"/>
+              </a:rPr>
+              <a:t>Vielen Dank!</a:t>
+            </a:r>
+          </a:p>
+        </p:txBody>
+      </p:sp>
+      <p:sp>
+        <p:nvSpPr>
+          <p:cNvPr id="33795" name="Inhaltsplatzhalter 2"/>
+          <p:cNvSpPr>
+            <a:spLocks noGrp="1"/>
+          </p:cNvSpPr>
+          <p:nvPr>
+            <p:ph sz="half" idx="2"/>
+          </p:nvPr>
+        </p:nvSpPr>
+        <p:spPr>
+          <a:xfrm>
+            <a:off x="365125" y="2449513"/>
+            <a:ext cx="6924675" cy="2457450"/>
+          </a:xfrm>
+        </p:spPr>
+        <p:txBody>
+          <a:bodyPr/>
+          <a:lstStyle/>
+          <a:p>
+            <a:pPr eaLnBrk="1" hangingPunct="1"/>
+            <a:r>
+              <a:rPr lang="de-DE" altLang="de-DE" sz="1600" b="1" dirty="0">
+                <a:latin typeface="Arial" panose="020B0604020202020204" pitchFamily="34" charset="0"/>
+                <a:cs typeface="Arial" panose="020B0604020202020204" pitchFamily="34" charset="0"/>
+              </a:rPr>
+              <a:t>Robert Künzel</a:t>
+            </a:r>
+          </a:p>
+          <a:p>
+            <a:pPr eaLnBrk="1" hangingPunct="1"/>
+            <a:r>
+              <a:rPr lang="de-DE" altLang="de-DE" sz="1600" dirty="0">
+                <a:latin typeface="Arial" panose="020B0604020202020204" pitchFamily="34" charset="0"/>
+                <a:cs typeface="Arial" panose="020B0604020202020204" pitchFamily="34" charset="0"/>
+              </a:rPr>
+              <a:t>Institut für Medizinische Informatik, Statistik und Epidemiologie (IMISE)</a:t>
+            </a:r>
+          </a:p>
+          <a:p>
+            <a:pPr eaLnBrk="1" hangingPunct="1"/>
+            <a:endParaRPr lang="de-DE" altLang="de-DE" sz="1600" dirty="0">
+              <a:latin typeface="Arial" panose="020B0604020202020204" pitchFamily="34" charset="0"/>
+              <a:cs typeface="Arial" panose="020B0604020202020204" pitchFamily="34" charset="0"/>
+            </a:endParaRPr>
+          </a:p>
+          <a:p>
+            <a:pPr eaLnBrk="1" hangingPunct="1"/>
+            <a:endParaRPr lang="de-DE" altLang="de-DE" sz="1600" dirty="0">
+              <a:latin typeface="Arial" panose="020B0604020202020204" pitchFamily="34" charset="0"/>
+              <a:cs typeface="Arial" panose="020B0604020202020204" pitchFamily="34" charset="0"/>
+            </a:endParaRPr>
+          </a:p>
+          <a:p>
+            <a:pPr eaLnBrk="1" hangingPunct="1"/>
+            <a:endParaRPr lang="de-DE" altLang="de-DE" sz="1600" dirty="0">
+              <a:latin typeface="Arial" panose="020B0604020202020204" pitchFamily="34" charset="0"/>
+              <a:cs typeface="Arial" panose="020B0604020202020204" pitchFamily="34" charset="0"/>
+            </a:endParaRPr>
+          </a:p>
+          <a:p>
+            <a:pPr eaLnBrk="1" hangingPunct="1"/>
+            <a:endParaRPr lang="de-DE" altLang="de-DE" sz="1600" dirty="0">
+              <a:latin typeface="Arial" panose="020B0604020202020204" pitchFamily="34" charset="0"/>
+              <a:cs typeface="Arial" panose="020B0604020202020204" pitchFamily="34" charset="0"/>
+            </a:endParaRPr>
+          </a:p>
+          <a:p>
+            <a:pPr eaLnBrk="1" hangingPunct="1">
+              <a:lnSpc>
+                <a:spcPct val="110000"/>
+              </a:lnSpc>
+            </a:pPr>
+            <a:r>
+              <a:rPr lang="de-DE" altLang="de-DE" sz="1600" dirty="0">
+                <a:latin typeface="Arial" panose="020B0604020202020204" pitchFamily="34" charset="0"/>
+                <a:cs typeface="Arial" panose="020B0604020202020204" pitchFamily="34" charset="0"/>
+              </a:rPr>
+              <a:t>robert.kuenzel@studserv.uni-leipzig.de</a:t>
+            </a:r>
+          </a:p>
+          <a:p>
+            <a:pPr eaLnBrk="1" hangingPunct="1">
+              <a:lnSpc>
+                <a:spcPct val="110000"/>
+              </a:lnSpc>
+            </a:pPr>
+            <a:r>
+              <a:rPr lang="de-DE" altLang="de-DE" sz="1600" dirty="0">
+                <a:latin typeface="Arial" panose="020B0604020202020204" pitchFamily="34" charset="0"/>
+                <a:cs typeface="Arial" panose="020B0604020202020204" pitchFamily="34" charset="0"/>
+              </a:rPr>
+              <a:t>www.imise.uni-leipzig.de</a:t>
+            </a:r>
+            <a:endParaRPr lang="de-DE" altLang="de-DE" dirty="0">
+              <a:latin typeface="Arial" panose="020B0604020202020204" pitchFamily="34" charset="0"/>
+              <a:cs typeface="Arial" panose="020B0604020202020204" pitchFamily="34" charset="0"/>
+            </a:endParaRPr>
+          </a:p>
+          <a:p>
+            <a:pPr eaLnBrk="1" hangingPunct="1"/>
+            <a:endParaRPr lang="de-DE" altLang="de-DE" dirty="0">
+              <a:latin typeface="Arial" panose="020B0604020202020204" pitchFamily="34" charset="0"/>
+              <a:cs typeface="Arial" panose="020B0604020202020204" pitchFamily="34" charset="0"/>
+            </a:endParaRPr>
+          </a:p>
+        </p:txBody>
+      </p:sp>
+    </p:spTree>
+  </p:cSld>
+  <p:clrMapOvr>
+    <a:masterClrMapping/>
+  </p:clrMapOvr>
+</p:sld>
+</file>
+
+<file path=ppt/slides/slide2.xml><?xml version="1.0" encoding="utf-8"?>
+<p:sld xmlns:a="http://schemas.openxmlformats.org/drawingml/2006/main" xmlns:r="http://schemas.openxmlformats.org/officeDocument/2006/relationships" xmlns:p="http://schemas.openxmlformats.org/presentationml/2006/main">
+  <p:cSld>
+    <p:spTree>
+      <p:nvGrpSpPr>
+        <p:cNvPr id="1" name=""/>
+        <p:cNvGrpSpPr/>
+        <p:nvPr/>
+      </p:nvGrpSpPr>
+      <p:grpSpPr>
+        <a:xfrm>
+          <a:off x="0" y="0"/>
+          <a:ext cx="0" cy="0"/>
+          <a:chOff x="0" y="0"/>
+          <a:chExt cx="0" cy="0"/>
+        </a:xfrm>
+      </p:grpSpPr>
+      <p:sp>
+        <p:nvSpPr>
+          <p:cNvPr id="2" name="Titel 1">
+            <a:extLst>
+              <a:ext uri="{FF2B5EF4-FFF2-40B4-BE49-F238E27FC236}">
+                <a16:creationId xmlns:a16="http://schemas.microsoft.com/office/drawing/2014/main" id="{CC89EAC8-2120-2706-7541-5F69DCBDC0F4}"/>
+              </a:ext>
+            </a:extLst>
+          </p:cNvPr>
+          <p:cNvSpPr>
+            <a:spLocks noGrp="1"/>
+          </p:cNvSpPr>
+          <p:nvPr>
+            <p:ph type="title"/>
+          </p:nvPr>
+        </p:nvSpPr>
+        <p:spPr/>
+        <p:txBody>
+          <a:bodyPr/>
+          <a:lstStyle/>
+          <a:p>
+            <a:r>
+              <a:rPr lang="de-DE" dirty="0"/>
+              <a:t>Gliederung</a:t>
+            </a:r>
+          </a:p>
+        </p:txBody>
+      </p:sp>
+      <p:sp>
+        <p:nvSpPr>
+          <p:cNvPr id="3" name="Inhaltsplatzhalter 2">
+            <a:extLst>
+              <a:ext uri="{FF2B5EF4-FFF2-40B4-BE49-F238E27FC236}">
+                <a16:creationId xmlns:a16="http://schemas.microsoft.com/office/drawing/2014/main" id="{DEBEF535-E77D-01EA-5801-93029736F0D1}"/>
+              </a:ext>
+            </a:extLst>
+          </p:cNvPr>
+          <p:cNvSpPr>
+            <a:spLocks noGrp="1"/>
+          </p:cNvSpPr>
+          <p:nvPr>
+            <p:ph idx="1"/>
+          </p:nvPr>
+        </p:nvSpPr>
+        <p:spPr>
+          <a:xfrm>
+            <a:off x="457200" y="1157801"/>
+            <a:ext cx="8234363" cy="3444891"/>
+          </a:xfrm>
+        </p:spPr>
+        <p:txBody>
+          <a:bodyPr/>
+          <a:lstStyle/>
+          <a:p>
+            <a:pPr marL="342900" indent="-342900">
+              <a:buFont typeface="+mj-lt"/>
+              <a:buAutoNum type="arabicPeriod"/>
+            </a:pPr>
+            <a:r>
+              <a:rPr lang="de-DE" dirty="0"/>
+              <a:t>Gegenstand und Problematik</a:t>
+            </a:r>
+          </a:p>
+          <a:p>
+            <a:pPr marL="342900" indent="-342900">
+              <a:buFont typeface="+mj-lt"/>
+              <a:buAutoNum type="arabicPeriod"/>
+            </a:pPr>
+            <a:r>
+              <a:rPr lang="de-DE" dirty="0"/>
+              <a:t>Aufgabenstellung</a:t>
+            </a:r>
+          </a:p>
+          <a:p>
+            <a:pPr marL="342900" indent="-342900">
+              <a:buFont typeface="+mj-lt"/>
+              <a:buAutoNum type="arabicPeriod"/>
+            </a:pPr>
+            <a:r>
+              <a:rPr lang="de-DE" dirty="0"/>
+              <a:t>Forschungsstand</a:t>
+            </a:r>
+          </a:p>
+          <a:p>
+            <a:pPr marL="787400" lvl="1" indent="-342900">
+              <a:buFont typeface="+mj-lt"/>
+              <a:buAutoNum type="alphaLcPeriod"/>
+            </a:pPr>
+            <a:r>
+              <a:rPr lang="de-DE" dirty="0"/>
+              <a:t>Wohnungslosigkeit</a:t>
+            </a:r>
+          </a:p>
+          <a:p>
+            <a:pPr marL="787400" lvl="1" indent="-342900">
+              <a:buFont typeface="+mj-lt"/>
+              <a:buAutoNum type="alphaLcPeriod"/>
+            </a:pPr>
+            <a:r>
+              <a:rPr lang="de-DE" dirty="0"/>
+              <a:t>Hilfsangebote</a:t>
+            </a:r>
+          </a:p>
+          <a:p>
+            <a:pPr marL="787400" lvl="1" indent="-342900">
+              <a:buFont typeface="+mj-lt"/>
+              <a:buAutoNum type="alphaLcPeriod"/>
+            </a:pPr>
+            <a:r>
+              <a:rPr lang="de-DE" dirty="0"/>
+              <a:t>Bestehende Ansätze</a:t>
+            </a:r>
+          </a:p>
+          <a:p>
+            <a:pPr marL="342900" indent="-342900">
+              <a:buFont typeface="+mj-lt"/>
+              <a:buAutoNum type="arabicPeriod"/>
+            </a:pPr>
+            <a:r>
+              <a:rPr lang="de-DE" dirty="0"/>
+              <a:t>Ablaufplan</a:t>
+            </a:r>
+          </a:p>
+          <a:p>
+            <a:pPr marL="342900" indent="-342900">
+              <a:buFont typeface="+mj-lt"/>
+              <a:buAutoNum type="arabicPeriod"/>
+            </a:pPr>
+            <a:r>
+              <a:rPr lang="de-DE" dirty="0"/>
+              <a:t>Literatur</a:t>
+            </a:r>
+          </a:p>
+        </p:txBody>
+      </p:sp>
+    </p:spTree>
+    <p:extLst>
+      <p:ext uri="{BB962C8B-B14F-4D97-AF65-F5344CB8AC3E}">
+        <p14:creationId xmlns:p14="http://schemas.microsoft.com/office/powerpoint/2010/main" val="2348268908"/>
+      </p:ext>
+    </p:extLst>
+  </p:cSld>
+  <p:clrMapOvr>
+    <a:masterClrMapping/>
+  </p:clrMapOvr>
+</p:sld>
+</file>
+
+<file path=ppt/slides/slide3.xml><?xml version="1.0" encoding="utf-8"?>
+<p:sld xmlns:a="http://schemas.openxmlformats.org/drawingml/2006/main" xmlns:r="http://schemas.openxmlformats.org/officeDocument/2006/relationships" xmlns:p="http://schemas.openxmlformats.org/presentationml/2006/main">
+  <p:cSld>
+    <p:spTree>
+      <p:nvGrpSpPr>
+        <p:cNvPr id="1" name=""/>
+        <p:cNvGrpSpPr/>
+        <p:nvPr/>
+      </p:nvGrpSpPr>
+      <p:grpSpPr>
+        <a:xfrm>
+          <a:off x="0" y="0"/>
+          <a:ext cx="0" cy="0"/>
+          <a:chOff x="0" y="0"/>
+          <a:chExt cx="0" cy="0"/>
+        </a:xfrm>
+      </p:grpSpPr>
+      <p:sp>
+        <p:nvSpPr>
+          <p:cNvPr id="2" name="Titel 1">
+            <a:extLst>
+              <a:ext uri="{FF2B5EF4-FFF2-40B4-BE49-F238E27FC236}">
+                <a16:creationId xmlns:a16="http://schemas.microsoft.com/office/drawing/2014/main" id="{C5451986-4743-3A5B-1502-4A87ED070AEE}"/>
+              </a:ext>
+            </a:extLst>
+          </p:cNvPr>
+          <p:cNvSpPr>
+            <a:spLocks noGrp="1"/>
+          </p:cNvSpPr>
+          <p:nvPr>
+            <p:ph type="title"/>
+          </p:nvPr>
+        </p:nvSpPr>
+        <p:spPr/>
+        <p:txBody>
+          <a:bodyPr/>
+          <a:lstStyle/>
+          <a:p>
+            <a:r>
+              <a:rPr lang="de-DE" dirty="0"/>
+              <a:t>1. Gegenstand und Problematik</a:t>
+            </a:r>
+          </a:p>
+        </p:txBody>
+      </p:sp>
+      <p:sp>
+        <p:nvSpPr>
+          <p:cNvPr id="3" name="Inhaltsplatzhalter 2">
+            <a:extLst>
+              <a:ext uri="{FF2B5EF4-FFF2-40B4-BE49-F238E27FC236}">
+                <a16:creationId xmlns:a16="http://schemas.microsoft.com/office/drawing/2014/main" id="{11AC1CB3-EE72-72F9-3D38-AB3A940BBBA6}"/>
+              </a:ext>
+            </a:extLst>
+          </p:cNvPr>
+          <p:cNvSpPr>
+            <a:spLocks noGrp="1"/>
+          </p:cNvSpPr>
+          <p:nvPr>
+            <p:ph idx="1"/>
+          </p:nvPr>
+        </p:nvSpPr>
+        <p:spPr/>
+        <p:txBody>
+          <a:bodyPr/>
+          <a:lstStyle/>
+          <a:p>
+            <a:r>
+              <a:rPr lang="de-DE" dirty="0"/>
+              <a:t>417.000 wohnungslose Menschen in Deutschland </a:t>
+            </a:r>
+            <a:r>
+              <a:rPr lang="de-DE" sz="1400" dirty="0"/>
+              <a:t>(BAG W, 2021)</a:t>
+            </a:r>
+          </a:p>
+          <a:p>
+            <a:pPr lvl="1"/>
+            <a:r>
+              <a:rPr lang="de-DE" dirty="0"/>
+              <a:t>davon 45.000 obdachlos</a:t>
+            </a:r>
+          </a:p>
+          <a:p>
+            <a:r>
+              <a:rPr lang="de-DE" dirty="0"/>
+              <a:t>starke Prävalenz von </a:t>
+            </a:r>
+            <a:r>
+              <a:rPr lang="de-DE" dirty="0" err="1"/>
+              <a:t>somat</a:t>
+            </a:r>
+            <a:r>
+              <a:rPr lang="de-DE" dirty="0"/>
+              <a:t>. und psych. Erkrankungen </a:t>
+            </a:r>
+            <a:r>
+              <a:rPr lang="de-DE" sz="1400" dirty="0"/>
+              <a:t>(Bertram u.a., 2022)</a:t>
+            </a:r>
+          </a:p>
+          <a:p>
+            <a:pPr lvl="1"/>
+            <a:r>
+              <a:rPr lang="de-DE" dirty="0"/>
+              <a:t>besonders häufig kardiovaskuläre, Leber- und Lungenerkrankungen</a:t>
+            </a:r>
+          </a:p>
+          <a:p>
+            <a:pPr lvl="1"/>
+            <a:r>
+              <a:rPr lang="de-DE" dirty="0"/>
+              <a:t>ca. 2/3 zeigen Hinweise für mögliche unbekannte psych. Störung</a:t>
+            </a:r>
+          </a:p>
+          <a:p>
+            <a:r>
+              <a:rPr lang="de-DE" dirty="0"/>
+              <a:t>Gründe zur Meidung medizinischer Einrichtungen: </a:t>
+            </a:r>
+            <a:r>
+              <a:rPr lang="de-DE" sz="1400" dirty="0"/>
+              <a:t>(</a:t>
+            </a:r>
+            <a:r>
+              <a:rPr lang="de-DE" sz="1400" dirty="0" err="1"/>
+              <a:t>Kaduszkiewicz</a:t>
+            </a:r>
+            <a:r>
+              <a:rPr lang="de-DE" sz="1400" dirty="0"/>
+              <a:t> u.a., 2017)</a:t>
+            </a:r>
+          </a:p>
+          <a:p>
+            <a:pPr lvl="1"/>
+            <a:r>
+              <a:rPr lang="de-DE" dirty="0"/>
+              <a:t>unklarer Versicherungsstatus</a:t>
+            </a:r>
+          </a:p>
+          <a:p>
+            <a:pPr lvl="1"/>
+            <a:r>
+              <a:rPr lang="de-DE" dirty="0"/>
+              <a:t>Angst vor Diskriminierung</a:t>
+            </a:r>
+          </a:p>
+          <a:p>
+            <a:pPr lvl="1"/>
+            <a:r>
+              <a:rPr lang="de-DE" dirty="0"/>
+              <a:t>Scham</a:t>
+            </a:r>
+          </a:p>
+          <a:p>
+            <a:pPr lvl="1"/>
+            <a:r>
+              <a:rPr lang="de-DE" dirty="0"/>
+              <a:t>Priorisierung von z.B. Schlafplatzsuche</a:t>
+            </a:r>
+          </a:p>
+          <a:p>
+            <a:pPr lvl="1"/>
+            <a:r>
+              <a:rPr lang="de-DE" dirty="0"/>
+              <a:t>Wunsch nach Anonymität</a:t>
+            </a:r>
+          </a:p>
+        </p:txBody>
+      </p:sp>
+      <p:sp>
+        <p:nvSpPr>
+          <p:cNvPr id="4" name="Foliennummernplatzhalter 3">
+            <a:extLst>
+              <a:ext uri="{FF2B5EF4-FFF2-40B4-BE49-F238E27FC236}">
+                <a16:creationId xmlns:a16="http://schemas.microsoft.com/office/drawing/2014/main" id="{4594CC31-3FF4-E60A-A165-4CC47548ACB3}"/>
+              </a:ext>
+            </a:extLst>
+          </p:cNvPr>
+          <p:cNvSpPr>
+            <a:spLocks noGrp="1"/>
+          </p:cNvSpPr>
+          <p:nvPr>
+            <p:ph type="sldNum" sz="quarter" idx="4"/>
+          </p:nvPr>
+        </p:nvSpPr>
+        <p:spPr/>
+        <p:txBody>
+          <a:bodyPr/>
+          <a:lstStyle/>
+          <a:p>
+            <a:pPr>
+              <a:defRPr/>
+            </a:pPr>
+            <a:fld id="{AFCF9BA9-AB08-46E1-A235-3AC71B2FE2C1}" type="slidenum">
+              <a:rPr lang="de-DE" altLang="de-DE" sz="1000" smtClean="0">
+                <a:solidFill>
+                  <a:srgbClr val="D8413E"/>
+                </a:solidFill>
+                <a:latin typeface="Arial" panose="020B0604020202020204" pitchFamily="34" charset="0"/>
+                <a:cs typeface="Arial" panose="020B0604020202020204" pitchFamily="34" charset="0"/>
+              </a:rPr>
+              <a:pPr>
+                <a:defRPr/>
+              </a:pPr>
+              <a:t>3</a:t>
+            </a:fld>
+            <a:endParaRPr lang="de-DE" altLang="de-DE" sz="1000" dirty="0">
+              <a:solidFill>
+                <a:srgbClr val="D8413E"/>
+              </a:solidFill>
+              <a:latin typeface="Arial" panose="020B0604020202020204" pitchFamily="34" charset="0"/>
+              <a:cs typeface="Arial" panose="020B0604020202020204" pitchFamily="34" charset="0"/>
+            </a:endParaRPr>
+          </a:p>
+        </p:txBody>
+      </p:sp>
+    </p:spTree>
+    <p:extLst>
+      <p:ext uri="{BB962C8B-B14F-4D97-AF65-F5344CB8AC3E}">
+        <p14:creationId xmlns:p14="http://schemas.microsoft.com/office/powerpoint/2010/main" val="1574708085"/>
+      </p:ext>
+    </p:extLst>
+  </p:cSld>
+  <p:clrMapOvr>
+    <a:masterClrMapping/>
+  </p:clrMapOvr>
+</p:sld>
+</file>
+
+<file path=ppt/slides/slide4.xml><?xml version="1.0" encoding="utf-8"?>
+<p:sld xmlns:a="http://schemas.openxmlformats.org/drawingml/2006/main" xmlns:r="http://schemas.openxmlformats.org/officeDocument/2006/relationships" xmlns:p="http://schemas.openxmlformats.org/presentationml/2006/main">
+  <p:cSld>
+    <p:spTree>
+      <p:nvGrpSpPr>
+        <p:cNvPr id="1" name=""/>
+        <p:cNvGrpSpPr/>
+        <p:nvPr/>
+      </p:nvGrpSpPr>
+      <p:grpSpPr>
+        <a:xfrm>
+          <a:off x="0" y="0"/>
+          <a:ext cx="0" cy="0"/>
+          <a:chOff x="0" y="0"/>
+          <a:chExt cx="0" cy="0"/>
+        </a:xfrm>
+      </p:grpSpPr>
+      <p:sp>
+        <p:nvSpPr>
+          <p:cNvPr id="2" name="Titel 1">
+            <a:extLst>
+              <a:ext uri="{FF2B5EF4-FFF2-40B4-BE49-F238E27FC236}">
+                <a16:creationId xmlns:a16="http://schemas.microsoft.com/office/drawing/2014/main" id="{C5451986-4743-3A5B-1502-4A87ED070AEE}"/>
+              </a:ext>
+            </a:extLst>
+          </p:cNvPr>
+          <p:cNvSpPr>
+            <a:spLocks noGrp="1"/>
+          </p:cNvSpPr>
+          <p:nvPr>
+            <p:ph type="title"/>
+          </p:nvPr>
+        </p:nvSpPr>
+        <p:spPr/>
+        <p:txBody>
+          <a:bodyPr/>
+          <a:lstStyle/>
+          <a:p>
+            <a:r>
+              <a:rPr lang="de-DE" dirty="0"/>
+              <a:t>1. Gegenstand und Problematik</a:t>
+            </a:r>
+          </a:p>
+        </p:txBody>
+      </p:sp>
+      <p:sp>
+        <p:nvSpPr>
+          <p:cNvPr id="3" name="Inhaltsplatzhalter 2">
+            <a:extLst>
+              <a:ext uri="{FF2B5EF4-FFF2-40B4-BE49-F238E27FC236}">
+                <a16:creationId xmlns:a16="http://schemas.microsoft.com/office/drawing/2014/main" id="{11AC1CB3-EE72-72F9-3D38-AB3A940BBBA6}"/>
+              </a:ext>
+            </a:extLst>
+          </p:cNvPr>
+          <p:cNvSpPr>
+            <a:spLocks noGrp="1"/>
+          </p:cNvSpPr>
+          <p:nvPr>
+            <p:ph idx="1"/>
+          </p:nvPr>
+        </p:nvSpPr>
+        <p:spPr/>
+        <p:txBody>
+          <a:bodyPr/>
+          <a:lstStyle/>
+          <a:p>
+            <a:r>
+              <a:rPr lang="de-DE" dirty="0"/>
+              <a:t>zahlreiche Hilfsangebote zur Beratung und Vermittlung an med. Einrichtungen</a:t>
+            </a:r>
+          </a:p>
+          <a:p>
+            <a:pPr lvl="1"/>
+            <a:r>
+              <a:rPr lang="de-DE" dirty="0"/>
+              <a:t>viele auf ehrenamtlicher Basis</a:t>
+            </a:r>
+          </a:p>
+          <a:p>
+            <a:pPr lvl="1"/>
+            <a:r>
+              <a:rPr lang="de-DE" dirty="0"/>
+              <a:t>Finanzierung vor allem durch Spenden</a:t>
+            </a:r>
+          </a:p>
+          <a:p>
+            <a:r>
+              <a:rPr lang="de-DE" dirty="0"/>
+              <a:t>Problemstellung:</a:t>
+            </a:r>
+          </a:p>
+          <a:p>
+            <a:pPr marL="800100" lvl="1" indent="-342900">
+              <a:buFont typeface="+mj-lt"/>
+              <a:buAutoNum type="arabicPeriod"/>
+            </a:pPr>
+            <a:r>
+              <a:rPr lang="de-DE" dirty="0"/>
+              <a:t>Unvollständige Informationen über die med. und sozialarbeitsbezogene Dokumentation bei Wohnungslosen</a:t>
+            </a:r>
+          </a:p>
+          <a:p>
+            <a:pPr marL="800100" lvl="1" indent="-342900">
+              <a:buFont typeface="+mj-lt"/>
+              <a:buAutoNum type="arabicPeriod"/>
+            </a:pPr>
+            <a:r>
+              <a:rPr lang="de-DE" dirty="0"/>
+              <a:t>Unklarheit bezüglich etablierter Lösungen</a:t>
+            </a:r>
+          </a:p>
+        </p:txBody>
+      </p:sp>
+      <p:sp>
+        <p:nvSpPr>
+          <p:cNvPr id="4" name="Foliennummernplatzhalter 3">
+            <a:extLst>
+              <a:ext uri="{FF2B5EF4-FFF2-40B4-BE49-F238E27FC236}">
+                <a16:creationId xmlns:a16="http://schemas.microsoft.com/office/drawing/2014/main" id="{4594CC31-3FF4-E60A-A165-4CC47548ACB3}"/>
+              </a:ext>
+            </a:extLst>
+          </p:cNvPr>
+          <p:cNvSpPr>
+            <a:spLocks noGrp="1"/>
+          </p:cNvSpPr>
+          <p:nvPr>
+            <p:ph type="sldNum" sz="quarter" idx="4"/>
+          </p:nvPr>
+        </p:nvSpPr>
+        <p:spPr/>
+        <p:txBody>
+          <a:bodyPr/>
+          <a:lstStyle/>
+          <a:p>
+            <a:pPr>
+              <a:defRPr/>
+            </a:pPr>
+            <a:fld id="{AFCF9BA9-AB08-46E1-A235-3AC71B2FE2C1}" type="slidenum">
+              <a:rPr lang="de-DE" altLang="de-DE" sz="1000" smtClean="0">
+                <a:solidFill>
+                  <a:srgbClr val="D8413E"/>
+                </a:solidFill>
+                <a:latin typeface="Arial" panose="020B0604020202020204" pitchFamily="34" charset="0"/>
+                <a:cs typeface="Arial" panose="020B0604020202020204" pitchFamily="34" charset="0"/>
+              </a:rPr>
+              <a:pPr>
+                <a:defRPr/>
+              </a:pPr>
+              <a:t>4</a:t>
+            </a:fld>
+            <a:endParaRPr lang="de-DE" altLang="de-DE" sz="1000" dirty="0">
+              <a:solidFill>
+                <a:srgbClr val="D8413E"/>
+              </a:solidFill>
+              <a:latin typeface="Arial" panose="020B0604020202020204" pitchFamily="34" charset="0"/>
+              <a:cs typeface="Arial" panose="020B0604020202020204" pitchFamily="34" charset="0"/>
+            </a:endParaRPr>
+          </a:p>
+        </p:txBody>
+      </p:sp>
+    </p:spTree>
+    <p:extLst>
+      <p:ext uri="{BB962C8B-B14F-4D97-AF65-F5344CB8AC3E}">
+        <p14:creationId xmlns:p14="http://schemas.microsoft.com/office/powerpoint/2010/main" val="1131930270"/>
+      </p:ext>
+    </p:extLst>
+  </p:cSld>
+  <p:clrMapOvr>
+    <a:masterClrMapping/>
+  </p:clrMapOvr>
+</p:sld>
+</file>
+
+<file path=ppt/slides/slide5.xml><?xml version="1.0" encoding="utf-8"?>
+<p:sld xmlns:a="http://schemas.openxmlformats.org/drawingml/2006/main" xmlns:r="http://schemas.openxmlformats.org/officeDocument/2006/relationships" xmlns:p="http://schemas.openxmlformats.org/presentationml/2006/main">
+  <p:cSld>
+    <p:spTree>
+      <p:nvGrpSpPr>
+        <p:cNvPr id="1" name=""/>
+        <p:cNvGrpSpPr/>
+        <p:nvPr/>
+      </p:nvGrpSpPr>
+      <p:grpSpPr>
+        <a:xfrm>
+          <a:off x="0" y="0"/>
+          <a:ext cx="0" cy="0"/>
+          <a:chOff x="0" y="0"/>
+          <a:chExt cx="0" cy="0"/>
+        </a:xfrm>
+      </p:grpSpPr>
+      <p:sp>
+        <p:nvSpPr>
+          <p:cNvPr id="2" name="Titel 1">
+            <a:extLst>
+              <a:ext uri="{FF2B5EF4-FFF2-40B4-BE49-F238E27FC236}">
+                <a16:creationId xmlns:a16="http://schemas.microsoft.com/office/drawing/2014/main" id="{72FEE536-8460-4341-1982-8F34313F8075}"/>
+              </a:ext>
+            </a:extLst>
+          </p:cNvPr>
+          <p:cNvSpPr>
+            <a:spLocks noGrp="1"/>
+          </p:cNvSpPr>
+          <p:nvPr>
+            <p:ph type="title"/>
+          </p:nvPr>
+        </p:nvSpPr>
+        <p:spPr/>
+        <p:txBody>
+          <a:bodyPr/>
+          <a:lstStyle/>
+          <a:p>
+            <a:r>
+              <a:rPr lang="de-DE" dirty="0"/>
+              <a:t>2. Aufgabenstellung</a:t>
+            </a:r>
+          </a:p>
+        </p:txBody>
+      </p:sp>
+      <p:sp>
+        <p:nvSpPr>
+          <p:cNvPr id="3" name="Inhaltsplatzhalter 2">
+            <a:extLst>
+              <a:ext uri="{FF2B5EF4-FFF2-40B4-BE49-F238E27FC236}">
+                <a16:creationId xmlns:a16="http://schemas.microsoft.com/office/drawing/2014/main" id="{1508104B-4285-C9AE-9710-E93306FCB9DC}"/>
+              </a:ext>
+            </a:extLst>
+          </p:cNvPr>
+          <p:cNvSpPr>
+            <a:spLocks noGrp="1"/>
+          </p:cNvSpPr>
+          <p:nvPr>
+            <p:ph idx="1"/>
+          </p:nvPr>
+        </p:nvSpPr>
+        <p:spPr/>
+        <p:txBody>
+          <a:bodyPr/>
+          <a:lstStyle/>
+          <a:p>
+            <a:r>
+              <a:rPr lang="de-DE" b="1" dirty="0"/>
+              <a:t>Ziel 1: </a:t>
+            </a:r>
+            <a:r>
+              <a:rPr lang="de-DE" dirty="0"/>
+              <a:t>Systemanalyse und –</a:t>
+            </a:r>
+            <a:r>
+              <a:rPr lang="de-DE" dirty="0" err="1"/>
+              <a:t>bewertung</a:t>
+            </a:r>
+            <a:r>
+              <a:rPr lang="de-DE" dirty="0"/>
+              <a:t> des Leipziger Dokumentationssystems zur medizinischen Dokumentation bei Wohnungslosen</a:t>
+            </a:r>
+          </a:p>
+          <a:p>
+            <a:pPr lvl="1">
+              <a:buFont typeface="Wingdings" panose="05000000000000000000" pitchFamily="2" charset="2"/>
+              <a:buChar char="Ø"/>
+            </a:pPr>
+            <a:r>
+              <a:rPr lang="de-DE" dirty="0"/>
+              <a:t>Informationsbeschaffung über das Leipziger System</a:t>
+            </a:r>
+          </a:p>
+          <a:p>
+            <a:pPr lvl="1">
+              <a:buFont typeface="Wingdings" panose="05000000000000000000" pitchFamily="2" charset="2"/>
+              <a:buChar char="Ø"/>
+            </a:pPr>
+            <a:r>
+              <a:rPr lang="de-DE" dirty="0"/>
+              <a:t>Gegenüberstellung der Stärken und Schwächen</a:t>
+            </a:r>
+          </a:p>
+          <a:p>
+            <a:pPr lvl="1">
+              <a:buFont typeface="Wingdings" panose="05000000000000000000" pitchFamily="2" charset="2"/>
+              <a:buChar char="Ø"/>
+            </a:pPr>
+            <a:r>
+              <a:rPr lang="de-DE" dirty="0"/>
+              <a:t>Vorschläge zur Verbesserung</a:t>
+            </a:r>
+          </a:p>
+          <a:p>
+            <a:r>
+              <a:rPr lang="de-DE" b="1" dirty="0"/>
+              <a:t>Ziel 2: </a:t>
+            </a:r>
+            <a:r>
+              <a:rPr lang="de-DE" dirty="0"/>
+              <a:t>Gegenüberstellung des Leipziger Systems mit bestehenden Ansätzen</a:t>
+            </a:r>
+          </a:p>
+          <a:p>
+            <a:pPr lvl="1">
+              <a:buFont typeface="Wingdings" panose="05000000000000000000" pitchFamily="2" charset="2"/>
+              <a:buChar char="Ø"/>
+            </a:pPr>
+            <a:r>
+              <a:rPr lang="de-DE" dirty="0"/>
+              <a:t>Literaturrecherche</a:t>
+            </a:r>
+          </a:p>
+          <a:p>
+            <a:pPr lvl="1">
+              <a:buFont typeface="Wingdings" panose="05000000000000000000" pitchFamily="2" charset="2"/>
+              <a:buChar char="Ø"/>
+            </a:pPr>
+            <a:r>
+              <a:rPr lang="de-DE" dirty="0"/>
+              <a:t>Vergleich mit Leipziger System sowie Diskussion über Praktikabilität</a:t>
+            </a:r>
+          </a:p>
+        </p:txBody>
+      </p:sp>
+      <p:sp>
+        <p:nvSpPr>
+          <p:cNvPr id="4" name="Foliennummernplatzhalter 3">
+            <a:extLst>
+              <a:ext uri="{FF2B5EF4-FFF2-40B4-BE49-F238E27FC236}">
+                <a16:creationId xmlns:a16="http://schemas.microsoft.com/office/drawing/2014/main" id="{C350ED56-727F-CE48-B94D-DCEFECE1ADF8}"/>
+              </a:ext>
+            </a:extLst>
+          </p:cNvPr>
+          <p:cNvSpPr>
+            <a:spLocks noGrp="1"/>
+          </p:cNvSpPr>
+          <p:nvPr>
+            <p:ph type="sldNum" sz="quarter" idx="4"/>
+          </p:nvPr>
+        </p:nvSpPr>
+        <p:spPr/>
+        <p:txBody>
+          <a:bodyPr/>
+          <a:lstStyle/>
+          <a:p>
+            <a:pPr>
+              <a:defRPr/>
+            </a:pPr>
+            <a:fld id="{AFCF9BA9-AB08-46E1-A235-3AC71B2FE2C1}" type="slidenum">
+              <a:rPr lang="de-DE" altLang="de-DE" sz="1000" smtClean="0">
+                <a:solidFill>
+                  <a:srgbClr val="D8413E"/>
+                </a:solidFill>
+                <a:latin typeface="Arial" panose="020B0604020202020204" pitchFamily="34" charset="0"/>
+                <a:cs typeface="Arial" panose="020B0604020202020204" pitchFamily="34" charset="0"/>
+              </a:rPr>
+              <a:pPr>
+                <a:defRPr/>
+              </a:pPr>
+              <a:t>5</a:t>
+            </a:fld>
+            <a:endParaRPr lang="de-DE" altLang="de-DE" sz="1000" dirty="0">
+              <a:solidFill>
+                <a:srgbClr val="D8413E"/>
+              </a:solidFill>
+              <a:latin typeface="Arial" panose="020B0604020202020204" pitchFamily="34" charset="0"/>
+              <a:cs typeface="Arial" panose="020B0604020202020204" pitchFamily="34" charset="0"/>
+            </a:endParaRPr>
+          </a:p>
+        </p:txBody>
+      </p:sp>
+    </p:spTree>
+    <p:extLst>
+      <p:ext uri="{BB962C8B-B14F-4D97-AF65-F5344CB8AC3E}">
+        <p14:creationId xmlns:p14="http://schemas.microsoft.com/office/powerpoint/2010/main" val="3473669912"/>
+      </p:ext>
+    </p:extLst>
+  </p:cSld>
+  <p:clrMapOvr>
+    <a:masterClrMapping/>
+  </p:clrMapOvr>
+</p:sld>
+</file>
+
+<file path=ppt/slides/slide6.xml><?xml version="1.0" encoding="utf-8"?>
+<p:sld xmlns:a="http://schemas.openxmlformats.org/drawingml/2006/main" xmlns:r="http://schemas.openxmlformats.org/officeDocument/2006/relationships" xmlns:p="http://schemas.openxmlformats.org/presentationml/2006/main">
+  <p:cSld>
+    <p:spTree>
+      <p:nvGrpSpPr>
+        <p:cNvPr id="1" name=""/>
+        <p:cNvGrpSpPr/>
+        <p:nvPr/>
+      </p:nvGrpSpPr>
+      <p:grpSpPr>
+        <a:xfrm>
+          <a:off x="0" y="0"/>
+          <a:ext cx="0" cy="0"/>
+          <a:chOff x="0" y="0"/>
+          <a:chExt cx="0" cy="0"/>
+        </a:xfrm>
+      </p:grpSpPr>
+      <p:sp>
+        <p:nvSpPr>
+          <p:cNvPr id="2" name="Titel 1">
+            <a:extLst>
+              <a:ext uri="{FF2B5EF4-FFF2-40B4-BE49-F238E27FC236}">
+                <a16:creationId xmlns:a16="http://schemas.microsoft.com/office/drawing/2014/main" id="{C9DE7266-FB15-2D6D-4F9F-D254F4019077}"/>
+              </a:ext>
+            </a:extLst>
+          </p:cNvPr>
+          <p:cNvSpPr>
+            <a:spLocks noGrp="1"/>
+          </p:cNvSpPr>
+          <p:nvPr>
+            <p:ph type="title"/>
+          </p:nvPr>
+        </p:nvSpPr>
+        <p:spPr/>
+        <p:txBody>
+          <a:bodyPr/>
+          <a:lstStyle/>
+          <a:p>
+            <a:r>
+              <a:rPr lang="de-DE" dirty="0"/>
+              <a:t>3. Forschungsstand</a:t>
+            </a:r>
+          </a:p>
+        </p:txBody>
+      </p:sp>
+      <p:sp>
+        <p:nvSpPr>
+          <p:cNvPr id="5" name="Inhaltsplatzhalter 4">
+            <a:extLst>
+              <a:ext uri="{FF2B5EF4-FFF2-40B4-BE49-F238E27FC236}">
+                <a16:creationId xmlns:a16="http://schemas.microsoft.com/office/drawing/2014/main" id="{65FD6D06-CAC3-22CD-DA05-44C511BD664A}"/>
+              </a:ext>
+            </a:extLst>
+          </p:cNvPr>
+          <p:cNvSpPr>
+            <a:spLocks noGrp="1"/>
+          </p:cNvSpPr>
+          <p:nvPr>
+            <p:ph idx="1"/>
+          </p:nvPr>
+        </p:nvSpPr>
+        <p:spPr>
+          <a:xfrm>
+            <a:off x="457200" y="1617134"/>
+            <a:ext cx="8234363" cy="2985558"/>
+          </a:xfrm>
+        </p:spPr>
+        <p:txBody>
+          <a:bodyPr/>
+          <a:lstStyle/>
+          <a:p>
+            <a:r>
+              <a:rPr lang="de-DE" dirty="0"/>
+              <a:t>Definitionen nach ETHOS – Typologie </a:t>
+            </a:r>
+            <a:r>
+              <a:rPr lang="de-DE" sz="1400" dirty="0"/>
+              <a:t>(FEANTSA, 2006)</a:t>
+            </a:r>
+          </a:p>
+          <a:p>
+            <a:pPr lvl="1">
+              <a:buFont typeface="Wingdings" panose="05000000000000000000" pitchFamily="2" charset="2"/>
+              <a:buChar char="Ø"/>
+            </a:pPr>
+            <a:r>
+              <a:rPr lang="de-DE" dirty="0"/>
+              <a:t>obdachlos</a:t>
+            </a:r>
+          </a:p>
+          <a:p>
+            <a:pPr lvl="1">
+              <a:buFont typeface="Wingdings" panose="05000000000000000000" pitchFamily="2" charset="2"/>
+              <a:buChar char="Ø"/>
+            </a:pPr>
+            <a:r>
+              <a:rPr lang="de-DE" dirty="0"/>
+              <a:t>wohnungslos</a:t>
+            </a:r>
+          </a:p>
+          <a:p>
+            <a:pPr lvl="1">
+              <a:buFont typeface="Wingdings" panose="05000000000000000000" pitchFamily="2" charset="2"/>
+              <a:buChar char="Ø"/>
+            </a:pPr>
+            <a:r>
+              <a:rPr lang="de-DE" dirty="0"/>
+              <a:t>ungesichert</a:t>
+            </a:r>
+          </a:p>
+          <a:p>
+            <a:pPr lvl="1">
+              <a:buFont typeface="Wingdings" panose="05000000000000000000" pitchFamily="2" charset="2"/>
+              <a:buChar char="Ø"/>
+            </a:pPr>
+            <a:r>
+              <a:rPr lang="de-DE" dirty="0"/>
+              <a:t>ungenügend</a:t>
+            </a:r>
+          </a:p>
+          <a:p>
+            <a:pPr>
+              <a:buFont typeface="Symbol" panose="05050102010706020507" pitchFamily="18" charset="2"/>
+              <a:buChar char="-"/>
+            </a:pPr>
+            <a:r>
+              <a:rPr lang="de-DE" dirty="0"/>
+              <a:t>Hauptgründe für Wohnungslosigkeit </a:t>
+            </a:r>
+            <a:r>
+              <a:rPr lang="de-DE" sz="1400" dirty="0"/>
+              <a:t>(BAG W, 2022)</a:t>
+            </a:r>
+          </a:p>
+          <a:p>
+            <a:pPr lvl="1">
+              <a:buFont typeface="Wingdings" panose="05000000000000000000" pitchFamily="2" charset="2"/>
+              <a:buChar char="Ø"/>
+            </a:pPr>
+            <a:r>
+              <a:rPr lang="de-DE" dirty="0"/>
+              <a:t>Miet- und Energieschulden</a:t>
+            </a:r>
+          </a:p>
+          <a:p>
+            <a:pPr lvl="1">
+              <a:buFont typeface="Wingdings" panose="05000000000000000000" pitchFamily="2" charset="2"/>
+              <a:buChar char="Ø"/>
+            </a:pPr>
+            <a:r>
+              <a:rPr lang="de-DE" dirty="0"/>
+              <a:t>Trennung/Scheidung</a:t>
+            </a:r>
+          </a:p>
+          <a:p>
+            <a:pPr lvl="1">
+              <a:buFont typeface="Wingdings" panose="05000000000000000000" pitchFamily="2" charset="2"/>
+              <a:buChar char="Ø"/>
+            </a:pPr>
+            <a:r>
+              <a:rPr lang="de-DE" dirty="0"/>
+              <a:t>Ortswechsel</a:t>
+            </a:r>
+          </a:p>
+          <a:p>
+            <a:pPr lvl="1">
+              <a:buFont typeface="Wingdings" panose="05000000000000000000" pitchFamily="2" charset="2"/>
+              <a:buChar char="Ø"/>
+            </a:pPr>
+            <a:r>
+              <a:rPr lang="de-DE" dirty="0"/>
+              <a:t>Konflikte im Wohnumfeld</a:t>
+            </a:r>
+          </a:p>
+        </p:txBody>
+      </p:sp>
+      <p:sp>
+        <p:nvSpPr>
+          <p:cNvPr id="6" name="Textplatzhalter 5">
+            <a:extLst>
+              <a:ext uri="{FF2B5EF4-FFF2-40B4-BE49-F238E27FC236}">
+                <a16:creationId xmlns:a16="http://schemas.microsoft.com/office/drawing/2014/main" id="{8E7A43EA-350B-75B4-A013-46B871871D8E}"/>
+              </a:ext>
+            </a:extLst>
+          </p:cNvPr>
+          <p:cNvSpPr>
+            <a:spLocks noGrp="1"/>
+          </p:cNvSpPr>
+          <p:nvPr>
+            <p:ph type="body" sz="quarter" idx="13"/>
+          </p:nvPr>
+        </p:nvSpPr>
+        <p:spPr/>
+        <p:txBody>
+          <a:bodyPr/>
+          <a:lstStyle/>
+          <a:p>
+            <a:r>
+              <a:rPr lang="de-DE" dirty="0"/>
+              <a:t>a.) Wohnungslose</a:t>
+            </a:r>
+          </a:p>
+        </p:txBody>
+      </p:sp>
+      <p:sp>
+        <p:nvSpPr>
+          <p:cNvPr id="4" name="Foliennummernplatzhalter 3">
+            <a:extLst>
+              <a:ext uri="{FF2B5EF4-FFF2-40B4-BE49-F238E27FC236}">
+                <a16:creationId xmlns:a16="http://schemas.microsoft.com/office/drawing/2014/main" id="{5CAD321F-EC8A-6FB5-5326-D9C50A720EA1}"/>
+              </a:ext>
+            </a:extLst>
+          </p:cNvPr>
+          <p:cNvSpPr>
+            <a:spLocks noGrp="1"/>
+          </p:cNvSpPr>
+          <p:nvPr>
+            <p:ph type="sldNum" sz="quarter" idx="4"/>
+          </p:nvPr>
+        </p:nvSpPr>
+        <p:spPr/>
+        <p:txBody>
+          <a:bodyPr/>
+          <a:lstStyle/>
+          <a:p>
+            <a:pPr>
+              <a:defRPr/>
+            </a:pPr>
+            <a:fld id="{AFCF9BA9-AB08-46E1-A235-3AC71B2FE2C1}" type="slidenum">
+              <a:rPr lang="de-DE" altLang="de-DE" sz="1000" smtClean="0">
+                <a:solidFill>
+                  <a:srgbClr val="D8413E"/>
+                </a:solidFill>
+                <a:latin typeface="Arial" panose="020B0604020202020204" pitchFamily="34" charset="0"/>
+                <a:cs typeface="Arial" panose="020B0604020202020204" pitchFamily="34" charset="0"/>
+              </a:rPr>
+              <a:pPr>
+                <a:defRPr/>
+              </a:pPr>
+              <a:t>6</a:t>
+            </a:fld>
+            <a:endParaRPr lang="de-DE" altLang="de-DE" sz="1000" dirty="0">
+              <a:solidFill>
+                <a:srgbClr val="D8413E"/>
+              </a:solidFill>
+              <a:latin typeface="Arial" panose="020B0604020202020204" pitchFamily="34" charset="0"/>
+              <a:cs typeface="Arial" panose="020B0604020202020204" pitchFamily="34" charset="0"/>
+            </a:endParaRPr>
+          </a:p>
+        </p:txBody>
+      </p:sp>
+      <p:pic>
+        <p:nvPicPr>
+          <p:cNvPr id="12" name="Grafik 11">
+            <a:hlinkClick r:id="rId2"/>
+            <a:extLst>
+              <a:ext uri="{FF2B5EF4-FFF2-40B4-BE49-F238E27FC236}">
+                <a16:creationId xmlns:a16="http://schemas.microsoft.com/office/drawing/2014/main" id="{D536D23A-9059-0E9B-A602-9EA28FFEF6F7}"/>
+              </a:ext>
+            </a:extLst>
+          </p:cNvPr>
+          <p:cNvPicPr>
+            <a:picLocks noChangeAspect="1"/>
+          </p:cNvPicPr>
+          <p:nvPr/>
+        </p:nvPicPr>
+        <p:blipFill rotWithShape="1">
+          <a:blip r:embed="rId3"/>
+          <a:srcRect l="1798" r="41846" b="16663"/>
+          <a:stretch/>
+        </p:blipFill>
+        <p:spPr>
+          <a:xfrm>
+            <a:off x="6775773" y="1617134"/>
+            <a:ext cx="1631445" cy="1615073"/>
+          </a:xfrm>
+          <a:prstGeom prst="rect">
+            <a:avLst/>
+          </a:prstGeom>
+        </p:spPr>
+      </p:pic>
+    </p:spTree>
+    <p:extLst>
+      <p:ext uri="{BB962C8B-B14F-4D97-AF65-F5344CB8AC3E}">
+        <p14:creationId xmlns:p14="http://schemas.microsoft.com/office/powerpoint/2010/main" val="2551203137"/>
+      </p:ext>
+    </p:extLst>
+  </p:cSld>
+  <p:clrMapOvr>
+    <a:masterClrMapping/>
+  </p:clrMapOvr>
+</p:sld>
+</file>
+
+<file path=ppt/slides/slide7.xml><?xml version="1.0" encoding="utf-8"?>
+<p:sld xmlns:a="http://schemas.openxmlformats.org/drawingml/2006/main" xmlns:r="http://schemas.openxmlformats.org/officeDocument/2006/relationships" xmlns:p="http://schemas.openxmlformats.org/presentationml/2006/main">
+  <p:cSld>
+    <p:spTree>
+      <p:nvGrpSpPr>
+        <p:cNvPr id="1" name=""/>
+        <p:cNvGrpSpPr/>
+        <p:nvPr/>
+      </p:nvGrpSpPr>
+      <p:grpSpPr>
+        <a:xfrm>
+          <a:off x="0" y="0"/>
+          <a:ext cx="0" cy="0"/>
+          <a:chOff x="0" y="0"/>
+          <a:chExt cx="0" cy="0"/>
+        </a:xfrm>
+      </p:grpSpPr>
+      <p:pic>
+        <p:nvPicPr>
+          <p:cNvPr id="21" name="Inhaltsplatzhalter 20" descr="Ein Bild, das Diagramm enthält.&#10;&#10;Automatisch generierte Beschreibung">
+            <a:extLst>
+              <a:ext uri="{FF2B5EF4-FFF2-40B4-BE49-F238E27FC236}">
+                <a16:creationId xmlns:a16="http://schemas.microsoft.com/office/drawing/2014/main" id="{BF15A3E3-9353-3A26-6E58-36339574DA87}"/>
+              </a:ext>
+            </a:extLst>
+          </p:cNvPr>
+          <p:cNvPicPr>
+            <a:picLocks noGrp="1" noChangeAspect="1"/>
+          </p:cNvPicPr>
+          <p:nvPr>
+            <p:ph idx="1"/>
+          </p:nvPr>
+        </p:nvPicPr>
+        <p:blipFill>
+          <a:blip r:embed="rId2"/>
+          <a:stretch>
+            <a:fillRect/>
+          </a:stretch>
+        </p:blipFill>
+        <p:spPr>
+          <a:xfrm>
+            <a:off x="936194" y="784225"/>
+            <a:ext cx="7271612" cy="3555763"/>
+          </a:xfrm>
+        </p:spPr>
+      </p:pic>
+      <p:sp>
+        <p:nvSpPr>
+          <p:cNvPr id="4" name="Textplatzhalter 3">
+            <a:extLst>
+              <a:ext uri="{FF2B5EF4-FFF2-40B4-BE49-F238E27FC236}">
+                <a16:creationId xmlns:a16="http://schemas.microsoft.com/office/drawing/2014/main" id="{B22FD754-7A27-42BB-F944-B6F19A04FE33}"/>
+              </a:ext>
+            </a:extLst>
+          </p:cNvPr>
+          <p:cNvSpPr>
+            <a:spLocks noGrp="1"/>
+          </p:cNvSpPr>
+          <p:nvPr>
+            <p:ph type="body" sz="quarter" idx="13"/>
+          </p:nvPr>
+        </p:nvSpPr>
+        <p:spPr>
+          <a:xfrm>
+            <a:off x="457200" y="351938"/>
+            <a:ext cx="8234363" cy="377740"/>
+          </a:xfrm>
+        </p:spPr>
+        <p:txBody>
+          <a:bodyPr/>
+          <a:lstStyle/>
+          <a:p>
+            <a:r>
+              <a:rPr lang="de-DE" dirty="0"/>
+              <a:t>a.) Wohnungslose</a:t>
+            </a:r>
+          </a:p>
+        </p:txBody>
+      </p:sp>
+      <p:sp>
+        <p:nvSpPr>
+          <p:cNvPr id="22" name="Textfeld 21">
+            <a:extLst>
+              <a:ext uri="{FF2B5EF4-FFF2-40B4-BE49-F238E27FC236}">
+                <a16:creationId xmlns:a16="http://schemas.microsoft.com/office/drawing/2014/main" id="{9B2760CD-A30B-DAA5-0813-024D06F162CB}"/>
+              </a:ext>
+            </a:extLst>
+          </p:cNvPr>
+          <p:cNvSpPr txBox="1"/>
+          <p:nvPr/>
+        </p:nvSpPr>
+        <p:spPr>
+          <a:xfrm>
+            <a:off x="936194" y="4359275"/>
+            <a:ext cx="6679257" cy="300082"/>
+          </a:xfrm>
+          <a:prstGeom prst="rect">
+            <a:avLst/>
+          </a:prstGeom>
+          <a:noFill/>
+        </p:spPr>
+        <p:txBody>
+          <a:bodyPr wrap="square" lIns="0" tIns="0" rIns="0" bIns="0" rtlCol="0">
+            <a:spAutoFit/>
+          </a:bodyPr>
+          <a:lstStyle/>
+          <a:p>
+            <a:r>
+              <a:rPr lang="de-DE" sz="1050" i="0" dirty="0">
+                <a:latin typeface="+mn-lt"/>
+                <a:cs typeface="Arial" panose="020B0604020202020204" pitchFamily="34" charset="0"/>
+              </a:rPr>
+              <a:t>Kontakt zu einem Arzt oder einer Ärztin in den letzten 6 Monaten nach Wohnungsnotfall </a:t>
+            </a:r>
+          </a:p>
+          <a:p>
+            <a:r>
+              <a:rPr lang="de-DE" sz="900" i="0" dirty="0">
+                <a:latin typeface="+mn-lt"/>
+                <a:cs typeface="Arial" panose="020B0604020202020204" pitchFamily="34" charset="0"/>
+              </a:rPr>
+              <a:t>(BAG W, 2022) </a:t>
+            </a:r>
+            <a:endParaRPr lang="de-DE" sz="1050" i="0" dirty="0">
+              <a:latin typeface="+mn-lt"/>
+              <a:cs typeface="Arial" panose="020B0604020202020204" pitchFamily="34" charset="0"/>
+            </a:endParaRPr>
+          </a:p>
+        </p:txBody>
+      </p:sp>
+    </p:spTree>
+    <p:extLst>
+      <p:ext uri="{BB962C8B-B14F-4D97-AF65-F5344CB8AC3E}">
+        <p14:creationId xmlns:p14="http://schemas.microsoft.com/office/powerpoint/2010/main" val="257414500"/>
+      </p:ext>
+    </p:extLst>
+  </p:cSld>
+  <p:clrMapOvr>
+    <a:masterClrMapping/>
+  </p:clrMapOvr>
+</p:sld>
+</file>
+
+<file path=ppt/slides/slide8.xml><?xml version="1.0" encoding="utf-8"?>
+<p:sld xmlns:a="http://schemas.openxmlformats.org/drawingml/2006/main" xmlns:r="http://schemas.openxmlformats.org/officeDocument/2006/relationships" xmlns:p="http://schemas.openxmlformats.org/presentationml/2006/main">
+  <p:cSld>
+    <p:spTree>
+      <p:nvGrpSpPr>
+        <p:cNvPr id="1" name=""/>
+        <p:cNvGrpSpPr/>
+        <p:nvPr/>
+      </p:nvGrpSpPr>
+      <p:grpSpPr>
+        <a:xfrm>
+          <a:off x="0" y="0"/>
+          <a:ext cx="0" cy="0"/>
+          <a:chOff x="0" y="0"/>
+          <a:chExt cx="0" cy="0"/>
+        </a:xfrm>
+      </p:grpSpPr>
+      <p:sp>
+        <p:nvSpPr>
+          <p:cNvPr id="3" name="Inhaltsplatzhalter 2">
+            <a:extLst>
+              <a:ext uri="{FF2B5EF4-FFF2-40B4-BE49-F238E27FC236}">
+                <a16:creationId xmlns:a16="http://schemas.microsoft.com/office/drawing/2014/main" id="{298CDB48-6BBA-EEE8-DBC9-9E0429686D43}"/>
+              </a:ext>
+            </a:extLst>
+          </p:cNvPr>
+          <p:cNvSpPr>
+            <a:spLocks noGrp="1"/>
+          </p:cNvSpPr>
+          <p:nvPr>
+            <p:ph idx="1"/>
+          </p:nvPr>
+        </p:nvSpPr>
+        <p:spPr>
+          <a:xfrm>
+            <a:off x="457200" y="784746"/>
+            <a:ext cx="8234363" cy="3817946"/>
+          </a:xfrm>
+        </p:spPr>
+        <p:txBody>
+          <a:bodyPr/>
+          <a:lstStyle/>
+          <a:p>
+            <a:r>
+              <a:rPr lang="de-DE" dirty="0"/>
+              <a:t>Diakonie</a:t>
+            </a:r>
+          </a:p>
+          <a:p>
+            <a:pPr lvl="1"/>
+            <a:r>
+              <a:rPr lang="de-DE" dirty="0"/>
+              <a:t>Leipziger OASE</a:t>
+            </a:r>
+          </a:p>
+          <a:p>
+            <a:pPr lvl="1"/>
+            <a:r>
+              <a:rPr lang="de-DE" dirty="0"/>
+              <a:t>Streetwork</a:t>
+            </a:r>
+          </a:p>
+          <a:p>
+            <a:r>
+              <a:rPr lang="de-DE" dirty="0"/>
+              <a:t>CABL</a:t>
+            </a:r>
+          </a:p>
+          <a:p>
+            <a:r>
+              <a:rPr lang="de-DE" dirty="0"/>
+              <a:t>Suchtzentrum Leipzig</a:t>
+            </a:r>
+          </a:p>
+          <a:p>
+            <a:pPr lvl="1"/>
+            <a:r>
+              <a:rPr lang="de-DE" dirty="0"/>
+              <a:t>Safe</a:t>
+            </a:r>
+          </a:p>
+          <a:p>
+            <a:pPr lvl="1"/>
+            <a:r>
+              <a:rPr lang="de-DE" dirty="0" err="1"/>
+              <a:t>Hilfebus</a:t>
+            </a:r>
+            <a:endParaRPr lang="de-DE" dirty="0"/>
+          </a:p>
+          <a:p>
+            <a:r>
+              <a:rPr lang="de-DE" dirty="0"/>
+              <a:t>Klinikum St. Georg</a:t>
+            </a:r>
+          </a:p>
+          <a:p>
+            <a:pPr lvl="1"/>
+            <a:r>
+              <a:rPr lang="de-DE" dirty="0"/>
+              <a:t>Verbund Gemeindenahe Psychiatrie</a:t>
+            </a:r>
+          </a:p>
+        </p:txBody>
+      </p:sp>
+      <p:sp>
+        <p:nvSpPr>
+          <p:cNvPr id="4" name="Textplatzhalter 3">
+            <a:extLst>
+              <a:ext uri="{FF2B5EF4-FFF2-40B4-BE49-F238E27FC236}">
+                <a16:creationId xmlns:a16="http://schemas.microsoft.com/office/drawing/2014/main" id="{B22FD754-7A27-42BB-F944-B6F19A04FE33}"/>
+              </a:ext>
+            </a:extLst>
+          </p:cNvPr>
+          <p:cNvSpPr>
+            <a:spLocks noGrp="1"/>
+          </p:cNvSpPr>
+          <p:nvPr>
+            <p:ph type="body" sz="quarter" idx="13"/>
+          </p:nvPr>
+        </p:nvSpPr>
+        <p:spPr>
+          <a:xfrm>
+            <a:off x="457200" y="351938"/>
+            <a:ext cx="8234363" cy="377740"/>
+          </a:xfrm>
+        </p:spPr>
+        <p:txBody>
+          <a:bodyPr/>
+          <a:lstStyle/>
+          <a:p>
+            <a:r>
+              <a:rPr lang="de-DE" dirty="0"/>
+              <a:t>b.) Hilfsangebote</a:t>
+            </a:r>
+          </a:p>
+        </p:txBody>
+      </p:sp>
+      <p:pic>
+        <p:nvPicPr>
+          <p:cNvPr id="5" name="Grafik 4" descr="Ein Bild, das Text enthält.&#10;&#10;Automatisch generierte Beschreibung">
+            <a:hlinkClick r:id="rId2"/>
+            <a:extLst>
+              <a:ext uri="{FF2B5EF4-FFF2-40B4-BE49-F238E27FC236}">
+                <a16:creationId xmlns:a16="http://schemas.microsoft.com/office/drawing/2014/main" id="{F97469FD-48E5-DB64-9EB4-297E1964312E}"/>
+              </a:ext>
+            </a:extLst>
+          </p:cNvPr>
+          <p:cNvPicPr>
+            <a:picLocks noChangeAspect="1"/>
+          </p:cNvPicPr>
+          <p:nvPr/>
+        </p:nvPicPr>
+        <p:blipFill>
+          <a:blip r:embed="rId3"/>
+          <a:stretch>
+            <a:fillRect/>
+          </a:stretch>
+        </p:blipFill>
+        <p:spPr>
+          <a:xfrm>
+            <a:off x="3619500" y="540808"/>
+            <a:ext cx="1905000" cy="676275"/>
+          </a:xfrm>
+          <a:prstGeom prst="rect">
+            <a:avLst/>
+          </a:prstGeom>
+        </p:spPr>
+      </p:pic>
+      <p:pic>
+        <p:nvPicPr>
+          <p:cNvPr id="7" name="Grafik 6">
+            <a:hlinkClick r:id="rId4"/>
+            <a:extLst>
+              <a:ext uri="{FF2B5EF4-FFF2-40B4-BE49-F238E27FC236}">
+                <a16:creationId xmlns:a16="http://schemas.microsoft.com/office/drawing/2014/main" id="{32F7275C-64BF-9F69-9947-7E92FF17C4BB}"/>
+              </a:ext>
+            </a:extLst>
+          </p:cNvPr>
+          <p:cNvPicPr>
+            <a:picLocks noChangeAspect="1"/>
+          </p:cNvPicPr>
+          <p:nvPr/>
+        </p:nvPicPr>
+        <p:blipFill>
+          <a:blip r:embed="rId5"/>
+          <a:stretch>
+            <a:fillRect/>
+          </a:stretch>
+        </p:blipFill>
+        <p:spPr>
+          <a:xfrm>
+            <a:off x="7244629" y="540808"/>
+            <a:ext cx="960311" cy="1352550"/>
+          </a:xfrm>
+          <a:prstGeom prst="rect">
+            <a:avLst/>
+          </a:prstGeom>
+        </p:spPr>
+      </p:pic>
+      <p:pic>
+        <p:nvPicPr>
+          <p:cNvPr id="9" name="Grafik 8" descr="Ein Bild, das Text, Clipart enthält.&#10;&#10;Automatisch generierte Beschreibung">
+            <a:hlinkClick r:id="rId6"/>
+            <a:extLst>
+              <a:ext uri="{FF2B5EF4-FFF2-40B4-BE49-F238E27FC236}">
+                <a16:creationId xmlns:a16="http://schemas.microsoft.com/office/drawing/2014/main" id="{839F997E-9EB5-D325-F07C-E99210F92209}"/>
+              </a:ext>
+            </a:extLst>
+          </p:cNvPr>
+          <p:cNvPicPr>
+            <a:picLocks noChangeAspect="1"/>
+          </p:cNvPicPr>
+          <p:nvPr/>
+        </p:nvPicPr>
+        <p:blipFill>
+          <a:blip r:embed="rId7"/>
+          <a:stretch>
+            <a:fillRect/>
+          </a:stretch>
+        </p:blipFill>
+        <p:spPr>
+          <a:xfrm>
+            <a:off x="4213950" y="1653387"/>
+            <a:ext cx="2245006" cy="866604"/>
+          </a:xfrm>
+          <a:prstGeom prst="rect">
+            <a:avLst/>
+          </a:prstGeom>
+          <a:solidFill>
+            <a:srgbClr val="006837"/>
+          </a:solidFill>
+          <a:ln w="63500">
+            <a:solidFill>
+              <a:srgbClr val="006837"/>
+            </a:solidFill>
+            <a:bevel/>
+          </a:ln>
+        </p:spPr>
+      </p:pic>
+      <p:pic>
+        <p:nvPicPr>
+          <p:cNvPr id="11" name="Grafik 10" descr="Ein Bild, das Text enthält.&#10;&#10;Automatisch generierte Beschreibung">
+            <a:hlinkClick r:id="rId8"/>
+            <a:extLst>
+              <a:ext uri="{FF2B5EF4-FFF2-40B4-BE49-F238E27FC236}">
+                <a16:creationId xmlns:a16="http://schemas.microsoft.com/office/drawing/2014/main" id="{E9FB1D3A-9257-D9D4-3D73-5A948B71F85A}"/>
+              </a:ext>
+            </a:extLst>
+          </p:cNvPr>
+          <p:cNvPicPr>
+            <a:picLocks noChangeAspect="1"/>
+          </p:cNvPicPr>
+          <p:nvPr/>
+        </p:nvPicPr>
+        <p:blipFill>
+          <a:blip r:embed="rId9"/>
+          <a:stretch>
+            <a:fillRect/>
+          </a:stretch>
+        </p:blipFill>
+        <p:spPr>
+          <a:xfrm>
+            <a:off x="5628791" y="2898095"/>
+            <a:ext cx="2924508" cy="1048687"/>
+          </a:xfrm>
+          <a:prstGeom prst="rect">
+            <a:avLst/>
+          </a:prstGeom>
+        </p:spPr>
+      </p:pic>
+    </p:spTree>
+    <p:extLst>
+      <p:ext uri="{BB962C8B-B14F-4D97-AF65-F5344CB8AC3E}">
+        <p14:creationId xmlns:p14="http://schemas.microsoft.com/office/powerpoint/2010/main" val="2716421928"/>
+      </p:ext>
+    </p:extLst>
+  </p:cSld>
+  <p:clrMapOvr>
+    <a:masterClrMapping/>
+  </p:clrMapOvr>
+</p:sld>
+</file>
+
+<file path=ppt/slides/slide9.xml><?xml version="1.0" encoding="utf-8"?>
+<p:sld xmlns:a="http://schemas.openxmlformats.org/drawingml/2006/main" xmlns:r="http://schemas.openxmlformats.org/officeDocument/2006/relationships" xmlns:p="http://schemas.openxmlformats.org/presentationml/2006/main">
+  <p:cSld>
+    <p:spTree>
+      <p:nvGrpSpPr>
+        <p:cNvPr id="1" name=""/>
+        <p:cNvGrpSpPr/>
+        <p:nvPr/>
+      </p:nvGrpSpPr>
+      <p:grpSpPr>
+        <a:xfrm>
+          <a:off x="0" y="0"/>
+          <a:ext cx="0" cy="0"/>
+          <a:chOff x="0" y="0"/>
+          <a:chExt cx="0" cy="0"/>
+        </a:xfrm>
+      </p:grpSpPr>
+      <p:sp>
+        <p:nvSpPr>
+          <p:cNvPr id="3" name="Inhaltsplatzhalter 2">
+            <a:extLst>
+              <a:ext uri="{FF2B5EF4-FFF2-40B4-BE49-F238E27FC236}">
+                <a16:creationId xmlns:a16="http://schemas.microsoft.com/office/drawing/2014/main" id="{298CDB48-6BBA-EEE8-DBC9-9E0429686D43}"/>
+              </a:ext>
+            </a:extLst>
+          </p:cNvPr>
+          <p:cNvSpPr>
+            <a:spLocks noGrp="1"/>
+          </p:cNvSpPr>
+          <p:nvPr>
+            <p:ph idx="1"/>
+          </p:nvPr>
+        </p:nvSpPr>
+        <p:spPr>
+          <a:xfrm>
+            <a:off x="457200" y="784746"/>
+            <a:ext cx="8234363" cy="3817946"/>
+          </a:xfrm>
+        </p:spPr>
+        <p:txBody>
+          <a:bodyPr/>
+          <a:lstStyle/>
+          <a:p>
+            <a:r>
+              <a:rPr lang="de-DE" b="1" dirty="0"/>
+              <a:t>Housing First </a:t>
+            </a:r>
+            <a:r>
+              <a:rPr lang="de-DE" sz="1400" dirty="0"/>
+              <a:t>(Wright u.a., 2016; </a:t>
+            </a:r>
+            <a:r>
+              <a:rPr lang="de-DE" sz="1400" dirty="0" err="1"/>
+              <a:t>Srebnik</a:t>
+            </a:r>
+            <a:r>
+              <a:rPr lang="de-DE" sz="1400" dirty="0"/>
+              <a:t> u.a., 2013)</a:t>
+            </a:r>
+          </a:p>
+          <a:p>
+            <a:pPr lvl="1"/>
+            <a:r>
+              <a:rPr lang="de-DE" dirty="0"/>
+              <a:t>Ansatz aus USA</a:t>
+            </a:r>
+          </a:p>
+          <a:p>
+            <a:pPr lvl="1"/>
+            <a:r>
+              <a:rPr lang="de-DE" dirty="0"/>
+              <a:t>stabile Unterkunft als zentrales Kernproblem vor allen anderen Angelegenheiten</a:t>
+            </a:r>
+          </a:p>
+          <a:p>
+            <a:pPr lvl="1"/>
+            <a:r>
+              <a:rPr lang="de-DE" dirty="0"/>
+              <a:t>enger Zusammenhang zwischen Behausung und Gesundheit</a:t>
+            </a:r>
+          </a:p>
+          <a:p>
+            <a:pPr lvl="1"/>
+            <a:r>
+              <a:rPr lang="de-DE" dirty="0"/>
+              <a:t>Reduzierung der Inanspruchnahme der Akutversorgung</a:t>
+            </a:r>
+          </a:p>
+          <a:p>
+            <a:r>
+              <a:rPr lang="de-DE" b="1" dirty="0"/>
+              <a:t>ALERT</a:t>
+            </a:r>
+            <a:r>
+              <a:rPr lang="de-DE" dirty="0"/>
+              <a:t> </a:t>
+            </a:r>
+            <a:r>
+              <a:rPr lang="de-DE" sz="1400" dirty="0"/>
+              <a:t>(Davies und Wood, 2018)</a:t>
+            </a:r>
+          </a:p>
+          <a:p>
+            <a:pPr lvl="1"/>
+            <a:r>
+              <a:rPr lang="en-US" dirty="0"/>
+              <a:t>Assessment, Liaison and Early Referral Team</a:t>
+            </a:r>
+          </a:p>
+          <a:p>
+            <a:pPr lvl="1"/>
+            <a:r>
+              <a:rPr lang="de-DE" dirty="0"/>
+              <a:t>Krankenhaus St </a:t>
+            </a:r>
+            <a:r>
+              <a:rPr lang="de-DE" dirty="0" err="1"/>
+              <a:t>Vincent’s</a:t>
+            </a:r>
+            <a:r>
+              <a:rPr lang="de-DE" dirty="0"/>
+              <a:t> in Melbourne</a:t>
+            </a:r>
+          </a:p>
+          <a:p>
+            <a:pPr lvl="1"/>
+            <a:r>
+              <a:rPr lang="de-DE" dirty="0"/>
+              <a:t>Reduzierung der Notwendigkeit zum Besuch der Notfallaufnahme</a:t>
+            </a:r>
+          </a:p>
+          <a:p>
+            <a:pPr lvl="1"/>
+            <a:r>
+              <a:rPr lang="de-DE" dirty="0"/>
+              <a:t>Bereitstellung günstiger Mobiltelefone für Obdachlose</a:t>
+            </a:r>
+          </a:p>
+          <a:p>
+            <a:pPr lvl="2"/>
+            <a:r>
+              <a:rPr lang="de-DE" dirty="0"/>
+              <a:t>Erhöhung der Anwesenheit bei Terminen (z.B. Nachuntersuchungen)</a:t>
+            </a:r>
+          </a:p>
+        </p:txBody>
+      </p:sp>
+      <p:sp>
+        <p:nvSpPr>
+          <p:cNvPr id="4" name="Textplatzhalter 3">
+            <a:extLst>
+              <a:ext uri="{FF2B5EF4-FFF2-40B4-BE49-F238E27FC236}">
+                <a16:creationId xmlns:a16="http://schemas.microsoft.com/office/drawing/2014/main" id="{B22FD754-7A27-42BB-F944-B6F19A04FE33}"/>
+              </a:ext>
+            </a:extLst>
+          </p:cNvPr>
+          <p:cNvSpPr>
+            <a:spLocks noGrp="1"/>
+          </p:cNvSpPr>
+          <p:nvPr>
+            <p:ph type="body" sz="quarter" idx="13"/>
+          </p:nvPr>
+        </p:nvSpPr>
+        <p:spPr>
+          <a:xfrm>
+            <a:off x="457200" y="351938"/>
+            <a:ext cx="8234363" cy="377740"/>
+          </a:xfrm>
+        </p:spPr>
+        <p:txBody>
+          <a:bodyPr/>
+          <a:lstStyle/>
+          <a:p>
+            <a:r>
+              <a:rPr lang="de-DE" dirty="0"/>
+              <a:t>c.) Bestehende Ansätze</a:t>
+            </a:r>
+          </a:p>
+        </p:txBody>
+      </p:sp>
+    </p:spTree>
+    <p:extLst>
+      <p:ext uri="{BB962C8B-B14F-4D97-AF65-F5344CB8AC3E}">
+        <p14:creationId xmlns:p14="http://schemas.microsoft.com/office/powerpoint/2010/main" val="3847042875"/>
       </p:ext>
     </p:extLst>
   </p:cSld>

--- a/Presentations/1_presentation.pptx
+++ b/Presentations/1_presentation.pptx
@@ -290,7 +290,7 @@
               <a:pPr>
                 <a:defRPr/>
               </a:pPr>
-              <a:t>12.04.2023</a:t>
+              <a:t>14.04.2023</a:t>
             </a:fld>
             <a:endParaRPr lang="de-DE" altLang="de-DE" dirty="0">
               <a:latin typeface="Arial" panose="020B0604020202020204" pitchFamily="34" charset="0"/>
@@ -520,7 +520,7 @@
               <a:pPr>
                 <a:defRPr/>
               </a:pPr>
-              <a:t>12.04.2023</a:t>
+              <a:t>14.04.2023</a:t>
             </a:fld>
             <a:endParaRPr lang="de-DE" altLang="de-DE" dirty="0"/>
           </a:p>
@@ -556,7 +556,7 @@
           <a:lstStyle/>
           <a:p>
             <a:pPr lvl="0"/>
-            <a:endParaRPr lang="de-DE" noProof="0"/>
+            <a:endParaRPr lang="de-DE" noProof="0" dirty="0"/>
           </a:p>
         </p:txBody>
       </p:sp>
@@ -1115,10 +1115,9 @@
           <a:p>
             <a:pPr lvl="0"/>
             <a:r>
-              <a:rPr lang="de-DE" noProof="0"/>
+              <a:rPr lang="de-DE" noProof="0" dirty="0"/>
               <a:t>Bild durch Klicken auf Symbol hinzufügen</a:t>
             </a:r>
-            <a:endParaRPr lang="de-DE" noProof="0" dirty="0"/>
           </a:p>
         </p:txBody>
       </p:sp>
@@ -1234,7 +1233,7 @@
           <a:lstStyle/>
           <a:p>
             <a:pPr algn="ctr"/>
-            <a:endParaRPr lang="de-DE"/>
+            <a:endParaRPr lang="de-DE" dirty="0"/>
           </a:p>
         </p:txBody>
       </p:sp>
@@ -1390,6 +1389,18 @@
   <p:clrMapOvr>
     <a:masterClrMapping/>
   </p:clrMapOvr>
+  <mc:AlternateContent xmlns:mc="http://schemas.openxmlformats.org/markup-compatibility/2006">
+    <mc:Choice xmlns:p14="http://schemas.microsoft.com/office/powerpoint/2010/main" Requires="p14">
+      <p:transition p14:dur="250">
+        <p:fade/>
+      </p:transition>
+    </mc:Choice>
+    <mc:Fallback>
+      <p:transition>
+        <p:fade/>
+      </p:transition>
+    </mc:Fallback>
+  </mc:AlternateContent>
 </p:sldLayout>
 </file>
 
@@ -1648,6 +1659,18 @@
   <p:clrMapOvr>
     <a:masterClrMapping/>
   </p:clrMapOvr>
+  <mc:AlternateContent xmlns:mc="http://schemas.openxmlformats.org/markup-compatibility/2006">
+    <mc:Choice xmlns:p14="http://schemas.microsoft.com/office/powerpoint/2010/main" Requires="p14">
+      <p:transition p14:dur="250">
+        <p:fade/>
+      </p:transition>
+    </mc:Choice>
+    <mc:Fallback>
+      <p:transition>
+        <p:fade/>
+      </p:transition>
+    </mc:Fallback>
+  </mc:AlternateContent>
 </p:sldLayout>
 </file>
 
@@ -1815,7 +1838,7 @@
           <a:p>
             <a:pPr lvl="0"/>
             <a:r>
-              <a:rPr lang="de-DE" noProof="0"/>
+              <a:rPr lang="de-DE" noProof="0" dirty="0"/>
               <a:t>Tabelle durch Klicken auf Symbol hinzufügen</a:t>
             </a:r>
           </a:p>
@@ -1939,6 +1962,18 @@
   <p:clrMapOvr>
     <a:masterClrMapping/>
   </p:clrMapOvr>
+  <mc:AlternateContent xmlns:mc="http://schemas.openxmlformats.org/markup-compatibility/2006">
+    <mc:Choice xmlns:p14="http://schemas.microsoft.com/office/powerpoint/2010/main" Requires="p14">
+      <p:transition p14:dur="250">
+        <p:fade/>
+      </p:transition>
+    </mc:Choice>
+    <mc:Fallback>
+      <p:transition>
+        <p:fade/>
+      </p:transition>
+    </mc:Fallback>
+  </mc:AlternateContent>
 </p:sldLayout>
 </file>
 
@@ -2106,7 +2141,7 @@
           <a:p>
             <a:pPr lvl="0"/>
             <a:r>
-              <a:rPr lang="de-DE" noProof="0"/>
+              <a:rPr lang="de-DE" noProof="0" dirty="0"/>
               <a:t>Diagramm durch Klicken auf Symbol hinzufügen</a:t>
             </a:r>
           </a:p>
@@ -2225,6 +2260,18 @@
   <p:clrMapOvr>
     <a:masterClrMapping/>
   </p:clrMapOvr>
+  <mc:AlternateContent xmlns:mc="http://schemas.openxmlformats.org/markup-compatibility/2006">
+    <mc:Choice xmlns:p14="http://schemas.microsoft.com/office/powerpoint/2010/main" Requires="p14">
+      <p:transition p14:dur="250">
+        <p:fade/>
+      </p:transition>
+    </mc:Choice>
+    <mc:Fallback>
+      <p:transition>
+        <p:fade/>
+      </p:transition>
+    </mc:Fallback>
+  </mc:AlternateContent>
 </p:sldLayout>
 </file>
 
@@ -2392,7 +2439,7 @@
           <a:p>
             <a:pPr lvl="0"/>
             <a:r>
-              <a:rPr lang="de-DE" noProof="0"/>
+              <a:rPr lang="de-DE" noProof="0" dirty="0"/>
               <a:t>Diagramm durch Klicken auf Symbol hinzufügen</a:t>
             </a:r>
           </a:p>
@@ -2510,10 +2557,9 @@
           <a:p>
             <a:pPr lvl="0"/>
             <a:r>
-              <a:rPr lang="de-DE" noProof="0"/>
+              <a:rPr lang="de-DE" noProof="0" dirty="0"/>
               <a:t>Diagramm durch Klicken auf Symbol hinzufügen</a:t>
             </a:r>
-            <a:endParaRPr lang="de-DE" noProof="0" dirty="0"/>
           </a:p>
         </p:txBody>
       </p:sp>
@@ -2594,6 +2640,18 @@
   <p:clrMapOvr>
     <a:masterClrMapping/>
   </p:clrMapOvr>
+  <mc:AlternateContent xmlns:mc="http://schemas.openxmlformats.org/markup-compatibility/2006">
+    <mc:Choice xmlns:p14="http://schemas.microsoft.com/office/powerpoint/2010/main" Requires="p14">
+      <p:transition p14:dur="250">
+        <p:fade/>
+      </p:transition>
+    </mc:Choice>
+    <mc:Fallback>
+      <p:transition>
+        <p:fade/>
+      </p:transition>
+    </mc:Fallback>
+  </mc:AlternateContent>
 </p:sldLayout>
 </file>
 
@@ -2803,7 +2861,7 @@
           <a:p>
             <a:pPr lvl="0"/>
             <a:r>
-              <a:rPr lang="de-DE" noProof="0"/>
+              <a:rPr lang="de-DE" noProof="0" dirty="0"/>
               <a:t>Bild durch Klicken auf Symbol hinzufügen</a:t>
             </a:r>
           </a:p>
@@ -2967,6 +3025,18 @@
   <p:clrMapOvr>
     <a:masterClrMapping/>
   </p:clrMapOvr>
+  <mc:AlternateContent xmlns:mc="http://schemas.openxmlformats.org/markup-compatibility/2006">
+    <mc:Choice xmlns:p14="http://schemas.microsoft.com/office/powerpoint/2010/main" Requires="p14">
+      <p:transition p14:dur="250">
+        <p:fade/>
+      </p:transition>
+    </mc:Choice>
+    <mc:Fallback>
+      <p:transition>
+        <p:fade/>
+      </p:transition>
+    </mc:Fallback>
+  </mc:AlternateContent>
 </p:sldLayout>
 </file>
 
@@ -3590,10 +3660,9 @@
           <a:p>
             <a:pPr lvl="0"/>
             <a:r>
-              <a:rPr lang="de-DE" noProof="0"/>
+              <a:rPr lang="de-DE" noProof="0" dirty="0"/>
               <a:t>Bild durch Klicken auf Symbol hinzufügen</a:t>
             </a:r>
-            <a:endParaRPr lang="de-DE" noProof="0" dirty="0"/>
           </a:p>
         </p:txBody>
       </p:sp>
@@ -3643,6 +3712,18 @@
   <p:clrMapOvr>
     <a:masterClrMapping/>
   </p:clrMapOvr>
+  <mc:AlternateContent xmlns:mc="http://schemas.openxmlformats.org/markup-compatibility/2006">
+    <mc:Choice xmlns:p14="http://schemas.microsoft.com/office/powerpoint/2010/main" Requires="p14">
+      <p:transition p14:dur="250">
+        <p:fade/>
+      </p:transition>
+    </mc:Choice>
+    <mc:Fallback>
+      <p:transition>
+        <p:fade/>
+      </p:transition>
+    </mc:Fallback>
+  </mc:AlternateContent>
 </p:sldLayout>
 </file>
 
@@ -4232,10 +4313,9 @@
           <a:p>
             <a:pPr lvl="0"/>
             <a:r>
-              <a:rPr lang="de-DE" noProof="0"/>
+              <a:rPr lang="de-DE" noProof="0" dirty="0"/>
               <a:t>Bild durch Klicken auf Symbol hinzufügen</a:t>
             </a:r>
-            <a:endParaRPr lang="de-DE" noProof="0" dirty="0"/>
           </a:p>
         </p:txBody>
       </p:sp>
@@ -4285,6 +4365,18 @@
   <p:clrMapOvr>
     <a:masterClrMapping/>
   </p:clrMapOvr>
+  <mc:AlternateContent xmlns:mc="http://schemas.openxmlformats.org/markup-compatibility/2006">
+    <mc:Choice xmlns:p14="http://schemas.microsoft.com/office/powerpoint/2010/main" Requires="p14">
+      <p:transition p14:dur="250">
+        <p:fade/>
+      </p:transition>
+    </mc:Choice>
+    <mc:Fallback>
+      <p:transition>
+        <p:fade/>
+      </p:transition>
+    </mc:Fallback>
+  </mc:AlternateContent>
 </p:sldLayout>
 </file>
 
@@ -5002,6 +5094,18 @@
   <p:clrMapOvr>
     <a:masterClrMapping/>
   </p:clrMapOvr>
+  <mc:AlternateContent xmlns:mc="http://schemas.openxmlformats.org/markup-compatibility/2006">
+    <mc:Choice xmlns:p14="http://schemas.microsoft.com/office/powerpoint/2010/main" Requires="p14">
+      <p:transition p14:dur="250">
+        <p:fade/>
+      </p:transition>
+    </mc:Choice>
+    <mc:Fallback>
+      <p:transition>
+        <p:fade/>
+      </p:transition>
+    </mc:Fallback>
+  </mc:AlternateContent>
 </p:sldLayout>
 </file>
 
@@ -5046,10 +5150,9 @@
           <a:p>
             <a:pPr lvl="0"/>
             <a:r>
-              <a:rPr lang="de-DE" noProof="0"/>
+              <a:rPr lang="de-DE" noProof="0" dirty="0"/>
               <a:t>Bild durch Klicken auf Symbol hinzufügen</a:t>
             </a:r>
-            <a:endParaRPr lang="de-DE" noProof="0" dirty="0"/>
           </a:p>
         </p:txBody>
       </p:sp>
@@ -5523,6 +5626,18 @@
   <p:clrMapOvr>
     <a:masterClrMapping/>
   </p:clrMapOvr>
+  <mc:AlternateContent xmlns:mc="http://schemas.openxmlformats.org/markup-compatibility/2006">
+    <mc:Choice xmlns:p14="http://schemas.microsoft.com/office/powerpoint/2010/main" Requires="p14">
+      <p:transition p14:dur="250">
+        <p:fade/>
+      </p:transition>
+    </mc:Choice>
+    <mc:Fallback>
+      <p:transition>
+        <p:fade/>
+      </p:transition>
+    </mc:Fallback>
+  </mc:AlternateContent>
 </p:sldLayout>
 </file>
 
@@ -5852,7 +5967,7 @@
           <a:lstStyle/>
           <a:p>
             <a:pPr algn="ctr"/>
-            <a:endParaRPr lang="de-DE"/>
+            <a:endParaRPr lang="de-DE" dirty="0"/>
           </a:p>
         </p:txBody>
       </p:sp>
@@ -6008,6 +6123,18 @@
   <p:clrMapOvr>
     <a:masterClrMapping/>
   </p:clrMapOvr>
+  <mc:AlternateContent xmlns:mc="http://schemas.openxmlformats.org/markup-compatibility/2006">
+    <mc:Choice xmlns:p14="http://schemas.microsoft.com/office/powerpoint/2010/main" Requires="p14">
+      <p:transition p14:dur="250">
+        <p:fade/>
+      </p:transition>
+    </mc:Choice>
+    <mc:Fallback>
+      <p:transition>
+        <p:fade/>
+      </p:transition>
+    </mc:Fallback>
+  </mc:AlternateContent>
 </p:sldLayout>
 </file>
 
@@ -6307,6 +6434,18 @@
   <p:clrMapOvr>
     <a:masterClrMapping/>
   </p:clrMapOvr>
+  <mc:AlternateContent xmlns:mc="http://schemas.openxmlformats.org/markup-compatibility/2006">
+    <mc:Choice xmlns:p14="http://schemas.microsoft.com/office/powerpoint/2010/main" Requires="p14">
+      <p:transition p14:dur="250">
+        <p:fade/>
+      </p:transition>
+    </mc:Choice>
+    <mc:Fallback>
+      <p:transition>
+        <p:fade/>
+      </p:transition>
+    </mc:Fallback>
+  </mc:AlternateContent>
   <p:extLst>
     <p:ext uri="{DCECCB84-F9BA-43D5-87BE-67443E8EF086}">
       <p15:sldGuideLst xmlns:p15="http://schemas.microsoft.com/office/powerpoint/2012/main">
@@ -6576,6 +6715,18 @@
   <p:clrMapOvr>
     <a:masterClrMapping/>
   </p:clrMapOvr>
+  <mc:AlternateContent xmlns:mc="http://schemas.openxmlformats.org/markup-compatibility/2006">
+    <mc:Choice xmlns:p14="http://schemas.microsoft.com/office/powerpoint/2010/main" Requires="p14">
+      <p:transition p14:dur="250">
+        <p:fade/>
+      </p:transition>
+    </mc:Choice>
+    <mc:Fallback>
+      <p:transition>
+        <p:fade/>
+      </p:transition>
+    </mc:Fallback>
+  </mc:AlternateContent>
   <p:extLst>
     <p:ext uri="{DCECCB84-F9BA-43D5-87BE-67443E8EF086}">
       <p15:sldGuideLst xmlns:p15="http://schemas.microsoft.com/office/powerpoint/2012/main"/>
@@ -7004,6 +7155,18 @@
   <p:clrMapOvr>
     <a:masterClrMapping/>
   </p:clrMapOvr>
+  <mc:AlternateContent xmlns:mc="http://schemas.openxmlformats.org/markup-compatibility/2006">
+    <mc:Choice xmlns:p14="http://schemas.microsoft.com/office/powerpoint/2010/main" Requires="p14">
+      <p:transition p14:dur="250">
+        <p:fade/>
+      </p:transition>
+    </mc:Choice>
+    <mc:Fallback>
+      <p:transition>
+        <p:fade/>
+      </p:transition>
+    </mc:Fallback>
+  </mc:AlternateContent>
 </p:sldLayout>
 </file>
 
@@ -7133,6 +7296,18 @@
     <p:sldLayoutId id="2147483877" r:id="rId5"/>
     <p:sldLayoutId id="2147483879" r:id="rId6"/>
   </p:sldLayoutIdLst>
+  <mc:AlternateContent xmlns:mc="http://schemas.openxmlformats.org/markup-compatibility/2006">
+    <mc:Choice xmlns:p14="http://schemas.microsoft.com/office/powerpoint/2010/main" Requires="p14">
+      <p:transition p14:dur="250">
+        <p:fade/>
+      </p:transition>
+    </mc:Choice>
+    <mc:Fallback>
+      <p:transition>
+        <p:fade/>
+      </p:transition>
+    </mc:Fallback>
+  </mc:AlternateContent>
   <p:hf hdr="0" ftr="0" dt="0"/>
   <p:txStyles>
     <p:titleStyle>
@@ -7746,6 +7921,18 @@
     <p:sldLayoutId id="2147483876" r:id="rId7"/>
     <p:sldLayoutId id="2147483878" r:id="rId8"/>
   </p:sldLayoutIdLst>
+  <mc:AlternateContent xmlns:mc="http://schemas.openxmlformats.org/markup-compatibility/2006">
+    <mc:Choice xmlns:p14="http://schemas.microsoft.com/office/powerpoint/2010/main" Requires="p14">
+      <p:transition p14:dur="250">
+        <p:fade/>
+      </p:transition>
+    </mc:Choice>
+    <mc:Fallback>
+      <p:transition>
+        <p:fade/>
+      </p:transition>
+    </mc:Fallback>
+  </mc:AlternateContent>
   <p:hf hdr="0" ftr="0" dt="0"/>
   <p:txStyles>
     <p:titleStyle>
@@ -8293,6 +8480,18 @@
   <p:clrMapOvr>
     <a:masterClrMapping/>
   </p:clrMapOvr>
+  <mc:AlternateContent xmlns:mc="http://schemas.openxmlformats.org/markup-compatibility/2006">
+    <mc:Choice xmlns:p14="http://schemas.microsoft.com/office/powerpoint/2010/main" Requires="p14">
+      <p:transition p14:dur="250">
+        <p:fade/>
+      </p:transition>
+    </mc:Choice>
+    <mc:Fallback>
+      <p:transition>
+        <p:fade/>
+      </p:transition>
+    </mc:Fallback>
+  </mc:AlternateContent>
 </p:sld>
 </file>
 
@@ -8507,7 +8706,7 @@
             <a:p>
               <a:r>
                 <a:rPr lang="de-DE" sz="800" dirty="0"/>
-                <a:t>(Zanders und Bein, 2022)</a:t>
+                <a:t>(Quelle: Zanders und Bein, 2022, S. 17)</a:t>
               </a:r>
               <a:r>
                 <a:rPr lang="de-DE" sz="800" i="0" dirty="0">
@@ -8565,6 +8764,18 @@
   <p:clrMapOvr>
     <a:masterClrMapping/>
   </p:clrMapOvr>
+  <mc:AlternateContent xmlns:mc="http://schemas.openxmlformats.org/markup-compatibility/2006">
+    <mc:Choice xmlns:p14="http://schemas.microsoft.com/office/powerpoint/2010/main" Requires="p14">
+      <p:transition p14:dur="250">
+        <p:fade/>
+      </p:transition>
+    </mc:Choice>
+    <mc:Fallback>
+      <p:transition>
+        <p:fade/>
+      </p:transition>
+    </mc:Fallback>
+  </mc:AlternateContent>
 </p:sld>
 </file>
 
@@ -8698,7 +8909,7 @@
               </a:pPr>
               <a:t>11</a:t>
             </a:fld>
-            <a:endParaRPr lang="de-DE" altLang="de-DE" sz="1000">
+            <a:endParaRPr lang="de-DE" altLang="de-DE" sz="1000" dirty="0">
               <a:solidFill>
                 <a:srgbClr val="D8413E"/>
               </a:solidFill>
@@ -8716,6 +8927,18 @@
   <p:clrMapOvr>
     <a:masterClrMapping/>
   </p:clrMapOvr>
+  <mc:AlternateContent xmlns:mc="http://schemas.openxmlformats.org/markup-compatibility/2006">
+    <mc:Choice xmlns:p14="http://schemas.microsoft.com/office/powerpoint/2010/main" Requires="p14">
+      <p:transition p14:dur="250">
+        <p:fade/>
+      </p:transition>
+    </mc:Choice>
+    <mc:Fallback>
+      <p:transition>
+        <p:fade/>
+      </p:transition>
+    </mc:Fallback>
+  </mc:AlternateContent>
 </p:sld>
 </file>
 
@@ -8798,16 +9021,16 @@
                 </a:solidFill>
                 <a:latin typeface="+mj-lt"/>
               </a:rPr>
-              <a:t>BAG W (2021). Steigende </a:t>
-            </a:r>
-            <a:r>
-              <a:rPr lang="de-DE" sz="1100" b="0" i="0" u="none" strike="noStrike" baseline="0" dirty="0" err="1">
+              <a:t>BAG W (2021). </a:t>
+            </a:r>
+            <a:r>
+              <a:rPr lang="de-DE" sz="1100" b="0" i="1" u="none" strike="noStrike" baseline="0" dirty="0">
                 <a:solidFill>
                   <a:srgbClr val="000000"/>
                 </a:solidFill>
                 <a:latin typeface="+mj-lt"/>
               </a:rPr>
-              <a:t>ZahlWohnungsloser</a:t>
+              <a:t>Steigende Zahl Wohnungsloser im Wohnungslosensektor, Wohnungslosigkeit anerkannter Gefluchteter sinkt.</a:t>
             </a:r>
             <a:r>
               <a:rPr lang="de-DE" sz="1100" b="0" i="0" u="none" strike="noStrike" baseline="0" dirty="0">
@@ -8816,7 +9039,7 @@
                 </a:solidFill>
                 <a:latin typeface="+mj-lt"/>
               </a:rPr>
-              <a:t> im Wohnungslosensektor, Wohnungslosigkeit anerkannter Gefluchteter sinkt. [Pressemitteilung]. url: </a:t>
+              <a:t> 	[Pressemitteilung]. url: </a:t>
             </a:r>
             <a:r>
               <a:rPr lang="de-DE" sz="1100" dirty="0">
@@ -8853,16 +9076,16 @@
                 </a:solidFill>
                 <a:latin typeface="+mj-lt"/>
               </a:rPr>
-              <a:t>Bertram, Franziska u. a. (2022). „Psychische und somatische Gesundheit von wohnungslosen Menschen“. In: </a:t>
-            </a:r>
-            <a:r>
-              <a:rPr lang="de-DE" sz="1100" b="0" i="0" u="none" strike="noStrike" baseline="0" dirty="0" err="1">
+              <a:t>Bertram, Franziska u. a. (2022). </a:t>
+            </a:r>
+            <a:r>
+              <a:rPr lang="de-DE" sz="1100" b="0" i="1" u="none" strike="noStrike" baseline="0" dirty="0">
                 <a:solidFill>
                   <a:srgbClr val="000000"/>
                 </a:solidFill>
                 <a:latin typeface="+mj-lt"/>
               </a:rPr>
-              <a:t>Dtsch</a:t>
+              <a:t>Psychische und somatische Gesundheit von wohnungslosen Menschen.</a:t>
             </a:r>
             <a:r>
               <a:rPr lang="de-DE" sz="1100" b="0" i="0" u="none" strike="noStrike" baseline="0" dirty="0">
@@ -8871,7 +9094,7 @@
                 </a:solidFill>
                 <a:latin typeface="+mj-lt"/>
               </a:rPr>
-              <a:t> </a:t>
+              <a:t> In: Dtsch </a:t>
             </a:r>
             <a:r>
               <a:rPr lang="de-DE" sz="1100" b="0" i="0" u="none" strike="noStrike" baseline="0" dirty="0" err="1">
@@ -8889,25 +9112,7 @@
                 </a:solidFill>
                 <a:latin typeface="+mj-lt"/>
               </a:rPr>
-              <a:t> International 119.50, S. 861–868. </a:t>
-            </a:r>
-            <a:r>
-              <a:rPr lang="de-DE" sz="1100" b="0" i="0" u="none" strike="noStrike" baseline="0" dirty="0" err="1">
-                <a:solidFill>
-                  <a:srgbClr val="000000"/>
-                </a:solidFill>
-                <a:latin typeface="+mj-lt"/>
-              </a:rPr>
-              <a:t>doi</a:t>
-            </a:r>
-            <a:r>
-              <a:rPr lang="de-DE" sz="1100" b="0" i="0" u="none" strike="noStrike" baseline="0" dirty="0">
-                <a:solidFill>
-                  <a:srgbClr val="000000"/>
-                </a:solidFill>
-                <a:latin typeface="+mj-lt"/>
-              </a:rPr>
-              <a:t>: </a:t>
+              <a:t> 	International 119.50, S. 861–868. doi: </a:t>
             </a:r>
             <a:r>
               <a:rPr lang="de-DE" sz="1100" b="0" i="0" u="none" strike="noStrike" baseline="0" dirty="0">
@@ -8943,43 +9148,34 @@
                 </a:solidFill>
                 <a:latin typeface="+mj-lt"/>
               </a:rPr>
-              <a:t>Davies, Andrew und Lisa J. Wood (2018). „Homeless health care: meeting the challenges of providing primary care“. In: The Medical journal </a:t>
-            </a:r>
-            <a:r>
-              <a:rPr lang="de-DE" sz="1100" b="0" i="0" u="none" strike="noStrike" baseline="0" dirty="0" err="1">
+              <a:t>Davies, Andrew und Lisa J. Wood (2018). </a:t>
+            </a:r>
+            <a:r>
+              <a:rPr lang="en-US" sz="1100" b="0" i="1" u="none" strike="noStrike" baseline="0" dirty="0">
                 <a:solidFill>
                   <a:srgbClr val="000000"/>
                 </a:solidFill>
                 <a:latin typeface="+mj-lt"/>
               </a:rPr>
-              <a:t>of</a:t>
-            </a:r>
-            <a:r>
-              <a:rPr lang="de-DE" sz="1100" b="0" i="0" u="none" strike="noStrike" baseline="0" dirty="0">
+              <a:t>Homeless health care: meeting the challenges of providing primary care.</a:t>
+            </a:r>
+            <a:r>
+              <a:rPr lang="en-US" sz="1100" b="0" i="0" u="none" strike="noStrike" baseline="0" dirty="0">
                 <a:solidFill>
                   <a:srgbClr val="000000"/>
                 </a:solidFill>
                 <a:latin typeface="+mj-lt"/>
               </a:rPr>
-              <a:t> Australia 209.5, S. 230–234. </a:t>
-            </a:r>
-            <a:r>
-              <a:rPr lang="de-DE" sz="1100" b="0" i="0" u="none" strike="noStrike" baseline="0" dirty="0" err="1">
+              <a:t> In: The 	Medical journal </a:t>
+            </a:r>
+            <a:r>
+              <a:rPr lang="de-DE" sz="1100" b="0" i="0" u="none" strike="noStrike" baseline="0" dirty="0">
                 <a:solidFill>
                   <a:srgbClr val="000000"/>
                 </a:solidFill>
                 <a:latin typeface="+mj-lt"/>
               </a:rPr>
-              <a:t>doi</a:t>
-            </a:r>
-            <a:r>
-              <a:rPr lang="de-DE" sz="1100" b="0" i="0" u="none" strike="noStrike" baseline="0" dirty="0">
-                <a:solidFill>
-                  <a:srgbClr val="000000"/>
-                </a:solidFill>
-                <a:latin typeface="+mj-lt"/>
-              </a:rPr>
-              <a:t>: </a:t>
+              <a:t>of Australia 209.5, S. 230–234. doi: </a:t>
             </a:r>
             <a:r>
               <a:rPr lang="de-DE" sz="1100" b="0" i="0" u="none" strike="noStrike" baseline="0" dirty="0">
@@ -9009,10 +9205,19 @@
                 </a:solidFill>
                 <a:latin typeface="+mj-lt"/>
               </a:rPr>
-              <a:t>FEANTSA (2006). „ETHOS - </a:t>
-            </a:r>
-            <a:r>
-              <a:rPr lang="de-DE" sz="1100" b="0" i="0" u="none" strike="noStrike" baseline="0" dirty="0" err="1">
+              <a:t>FEANTSA (2006). </a:t>
+            </a:r>
+            <a:r>
+              <a:rPr lang="de-DE" sz="1100" b="0" i="1" u="none" strike="noStrike" baseline="0" dirty="0">
+                <a:solidFill>
+                  <a:srgbClr val="000000"/>
+                </a:solidFill>
+                <a:latin typeface="+mj-lt"/>
+              </a:rPr>
+              <a:t>ETHOS - </a:t>
+            </a:r>
+            <a:r>
+              <a:rPr lang="de-DE" sz="1100" b="0" i="1" u="none" strike="noStrike" baseline="0" dirty="0" err="1">
                 <a:solidFill>
                   <a:srgbClr val="000000"/>
                 </a:solidFill>
@@ -9021,13 +9226,22 @@
               <a:t>Taking</a:t>
             </a:r>
             <a:r>
-              <a:rPr lang="de-DE" sz="1100" b="0" i="0" u="none" strike="noStrike" baseline="0" dirty="0">
+              <a:rPr lang="de-DE" sz="1100" b="0" i="1" u="none" strike="noStrike" baseline="0" dirty="0">
                 <a:solidFill>
                   <a:srgbClr val="000000"/>
                 </a:solidFill>
                 <a:latin typeface="+mj-lt"/>
               </a:rPr>
-              <a:t> Stock“. url: </a:t>
+              <a:t> Stock.</a:t>
+            </a:r>
+            <a:r>
+              <a:rPr lang="de-DE" sz="1100" b="0" i="0" u="none" strike="noStrike" baseline="0" dirty="0">
+                <a:solidFill>
+                  <a:srgbClr val="000000"/>
+                </a:solidFill>
+                <a:latin typeface="+mj-lt"/>
+              </a:rPr>
+              <a:t> url: </a:t>
             </a:r>
             <a:r>
               <a:rPr lang="de-DE" sz="1100" dirty="0">
@@ -9058,130 +9272,49 @@
           <a:p>
             <a:pPr algn="l"/>
             <a:r>
-              <a:rPr lang="de-DE" sz="1100" b="0" i="0" u="none" strike="noStrike" baseline="0" dirty="0" err="1">
+              <a:rPr lang="de-DE" sz="1100" b="0" i="0" u="none" strike="noStrike" baseline="0" dirty="0">
                 <a:solidFill>
                   <a:srgbClr val="000000"/>
                 </a:solidFill>
                 <a:latin typeface="+mj-lt"/>
               </a:rPr>
-              <a:t>Kaduszkiewicz</a:t>
-            </a:r>
-            <a:r>
-              <a:rPr lang="de-DE" sz="1100" b="0" i="0" u="none" strike="noStrike" baseline="0" dirty="0">
+              <a:t>Kaduszkiewicz, Hanna, Benjamin Bochon, Hendrik van den Bussche, Julia Hansmann-Wiest und Carolin van der Leeden (2017). 	</a:t>
+            </a:r>
+            <a:r>
+              <a:rPr lang="de-DE" sz="1100" b="0" i="1" u="none" strike="noStrike" baseline="0" dirty="0">
                 <a:solidFill>
                   <a:srgbClr val="000000"/>
                 </a:solidFill>
                 <a:latin typeface="+mj-lt"/>
               </a:rPr>
-              <a:t>, Hanna, Benjamin </a:t>
-            </a:r>
-            <a:r>
-              <a:rPr lang="de-DE" sz="1100" b="0" i="0" u="none" strike="noStrike" baseline="0" dirty="0" err="1">
+              <a:t>The </a:t>
+            </a:r>
+            <a:r>
+              <a:rPr lang="en-US" sz="1100" b="0" i="1" u="none" strike="noStrike" baseline="0" dirty="0">
                 <a:solidFill>
                   <a:srgbClr val="000000"/>
                 </a:solidFill>
                 <a:latin typeface="+mj-lt"/>
               </a:rPr>
-              <a:t>Bochon</a:t>
-            </a:r>
-            <a:r>
-              <a:rPr lang="de-DE" sz="1100" b="0" i="0" u="none" strike="noStrike" baseline="0" dirty="0">
+              <a:t>Medical Treatment of Homeless People. </a:t>
+            </a:r>
+            <a:r>
+              <a:rPr lang="en-US" sz="1100" b="0" i="0" u="none" strike="noStrike" baseline="0" dirty="0">
                 <a:solidFill>
                   <a:srgbClr val="000000"/>
                 </a:solidFill>
                 <a:latin typeface="+mj-lt"/>
               </a:rPr>
-              <a:t>, Hendrik van den Bussche, Julia Hansmann-Wiest und Carolin van der </a:t>
-            </a:r>
-            <a:r>
-              <a:rPr lang="de-DE" sz="1100" b="0" i="0" u="none" strike="noStrike" baseline="0" dirty="0" err="1">
+              <a:t>In: Deutsches Ärzteblatt </a:t>
+            </a:r>
+            <a:r>
+              <a:rPr lang="de-DE" sz="1100" b="0" i="0" u="none" strike="noStrike" baseline="0" dirty="0">
                 <a:solidFill>
                   <a:srgbClr val="000000"/>
                 </a:solidFill>
                 <a:latin typeface="+mj-lt"/>
               </a:rPr>
-              <a:t>Leeden</a:t>
-            </a:r>
-            <a:r>
-              <a:rPr lang="de-DE" sz="1100" b="0" i="0" u="none" strike="noStrike" baseline="0" dirty="0">
-                <a:solidFill>
-                  <a:srgbClr val="000000"/>
-                </a:solidFill>
-                <a:latin typeface="+mj-lt"/>
-              </a:rPr>
-              <a:t> (2017). „The </a:t>
-            </a:r>
-            <a:r>
-              <a:rPr lang="en-US" sz="1100" b="0" i="0" u="none" strike="noStrike" baseline="0" dirty="0">
-                <a:solidFill>
-                  <a:srgbClr val="000000"/>
-                </a:solidFill>
-                <a:latin typeface="+mj-lt"/>
-              </a:rPr>
-              <a:t>Medical Treatment of Homeless People“. In: </a:t>
-            </a:r>
-            <a:r>
-              <a:rPr lang="en-US" sz="1100" b="0" i="0" u="none" strike="noStrike" baseline="0" dirty="0" err="1">
-                <a:solidFill>
-                  <a:srgbClr val="000000"/>
-                </a:solidFill>
-                <a:latin typeface="+mj-lt"/>
-              </a:rPr>
-              <a:t>Deutsches</a:t>
-            </a:r>
-            <a:r>
-              <a:rPr lang="en-US" sz="1100" b="0" i="0" u="none" strike="noStrike" baseline="0" dirty="0">
-                <a:solidFill>
-                  <a:srgbClr val="000000"/>
-                </a:solidFill>
-                <a:latin typeface="+mj-lt"/>
-              </a:rPr>
-              <a:t> </a:t>
-            </a:r>
-            <a:r>
-              <a:rPr lang="en-US" sz="1100" b="0" i="0" u="none" strike="noStrike" baseline="0" dirty="0" err="1">
-                <a:solidFill>
-                  <a:srgbClr val="000000"/>
-                </a:solidFill>
-                <a:latin typeface="+mj-lt"/>
-              </a:rPr>
-              <a:t>Ärzteblatt</a:t>
-            </a:r>
-            <a:r>
-              <a:rPr lang="en-US" sz="1100" b="0" i="0" u="none" strike="noStrike" baseline="0" dirty="0">
-                <a:solidFill>
-                  <a:srgbClr val="000000"/>
-                </a:solidFill>
-                <a:latin typeface="+mj-lt"/>
-              </a:rPr>
-              <a:t> </a:t>
-            </a:r>
-            <a:r>
-              <a:rPr lang="de-DE" sz="1100" b="0" i="0" u="none" strike="noStrike" baseline="0" dirty="0">
-                <a:solidFill>
-                  <a:srgbClr val="000000"/>
-                </a:solidFill>
-                <a:latin typeface="+mj-lt"/>
-              </a:rPr>
-              <a:t>international 114.40, S. 673–679. </a:t>
-            </a:r>
-            <a:r>
-              <a:rPr lang="de-DE" sz="1100" b="0" i="0" u="none" strike="noStrike" baseline="0" dirty="0" err="1">
-                <a:solidFill>
-                  <a:srgbClr val="000000"/>
-                </a:solidFill>
-                <a:latin typeface="+mj-lt"/>
-              </a:rPr>
-              <a:t>doi</a:t>
-            </a:r>
-            <a:r>
-              <a:rPr lang="de-DE" sz="1100" b="0" i="0" u="none" strike="noStrike" baseline="0" dirty="0">
-                <a:solidFill>
-                  <a:srgbClr val="000000"/>
-                </a:solidFill>
-                <a:latin typeface="+mj-lt"/>
-              </a:rPr>
-              <a:t>: </a:t>
+              <a:t>international 114.40, S. 673–679. doi: 	</a:t>
             </a:r>
             <a:r>
               <a:rPr lang="de-DE" sz="1100" b="0" i="0" u="none" strike="noStrike" baseline="0" dirty="0">
@@ -9205,58 +9338,31 @@
           <a:p>
             <a:pPr algn="l"/>
             <a:r>
-              <a:rPr lang="en-US" sz="1100" dirty="0" err="1">
+              <a:rPr lang="en-US" sz="1100" dirty="0">
                 <a:solidFill>
                   <a:srgbClr val="000000"/>
                 </a:solidFill>
                 <a:latin typeface="+mj-lt"/>
               </a:rPr>
-              <a:t>Srebnik</a:t>
-            </a:r>
-            <a:r>
-              <a:rPr lang="en-US" sz="1100" dirty="0">
+              <a:t>Srebnik, D., Connor, T., &amp; Sylla, L. (2013). </a:t>
+            </a:r>
+            <a:r>
+              <a:rPr lang="en-US" sz="1100" i="1" dirty="0">
                 <a:solidFill>
                   <a:srgbClr val="000000"/>
                 </a:solidFill>
                 <a:latin typeface="+mj-lt"/>
               </a:rPr>
-              <a:t>, D., Connor, T., &amp; </a:t>
-            </a:r>
-            <a:r>
-              <a:rPr lang="en-US" sz="1100" dirty="0" err="1">
+              <a:t>A pilot study of the impact of housing first-supported housing for intensive users of 	medical hospitalization and sobering services.</a:t>
+            </a:r>
+            <a:r>
+              <a:rPr lang="en-US" sz="1100" dirty="0">
                 <a:solidFill>
                   <a:srgbClr val="000000"/>
                 </a:solidFill>
                 <a:latin typeface="+mj-lt"/>
               </a:rPr>
-              <a:t>Sylla</a:t>
-            </a:r>
-            <a:r>
-              <a:rPr lang="en-US" sz="1100" dirty="0">
-                <a:solidFill>
-                  <a:srgbClr val="000000"/>
-                </a:solidFill>
-                <a:latin typeface="+mj-lt"/>
-              </a:rPr>
-              <a:t>, L. (2013). A pilot study of the impact of housing first-supported housing for intensive users of medical hospitalization and sobering services. American journal of public health, 103(2), 316–321. </a:t>
-            </a:r>
-            <a:r>
-              <a:rPr lang="en-US" sz="1100" dirty="0" err="1">
-                <a:solidFill>
-                  <a:srgbClr val="000000"/>
-                </a:solidFill>
-                <a:latin typeface="+mj-lt"/>
-              </a:rPr>
-              <a:t>doi</a:t>
-            </a:r>
-            <a:r>
-              <a:rPr lang="en-US" sz="1100" dirty="0">
-                <a:solidFill>
-                  <a:srgbClr val="000000"/>
-                </a:solidFill>
-                <a:latin typeface="+mj-lt"/>
-              </a:rPr>
-              <a:t>: </a:t>
+              <a:t> American journal of public health, 103(2), 316–321. doi: 	</a:t>
             </a:r>
             <a:r>
               <a:rPr lang="en-US" sz="1100" dirty="0">
@@ -9277,16 +9383,16 @@
                 </a:solidFill>
                 <a:latin typeface="+mj-lt"/>
               </a:rPr>
-              <a:t>Wright, B. J., </a:t>
-            </a:r>
-            <a:r>
-              <a:rPr lang="en-US" sz="1100" dirty="0" err="1">
+              <a:t>Wright, B. J., Vartanian, K. B., Li, H. F., Royal, N., &amp; Matson, J. K. (2016). </a:t>
+            </a:r>
+            <a:r>
+              <a:rPr lang="en-US" sz="1100" i="1" dirty="0">
                 <a:solidFill>
                   <a:srgbClr val="000000"/>
                 </a:solidFill>
                 <a:latin typeface="+mj-lt"/>
               </a:rPr>
-              <a:t>Vartanian</a:t>
+              <a:t>Formerly Homeless People Had Lower Overall Health 	Care Expenditures After Moving Into Supportive Housing.</a:t>
             </a:r>
             <a:r>
               <a:rPr lang="en-US" sz="1100" dirty="0">
@@ -9295,34 +9401,16 @@
                 </a:solidFill>
                 <a:latin typeface="+mj-lt"/>
               </a:rPr>
-              <a:t>, K. B., Li, H. F., Royal, N., &amp; Matson, J. K. (2016). Formerly Homeless People Had Lower Overall Health Care Expenditures After Moving Into Supportive Housing. Health affairs (Project Hope), 35(1), 20–27. </a:t>
-            </a:r>
-            <a:r>
-              <a:rPr lang="en-US" sz="1100" dirty="0" err="1">
-                <a:solidFill>
-                  <a:srgbClr val="000000"/>
+              <a:t> Health affairs (Project Hope), 35(1), 20–27. doi:</a:t>
+            </a:r>
+            <a:r>
+              <a:rPr lang="en-US" sz="1100" dirty="0">
+                <a:solidFill>
+                  <a:srgbClr val="AE0000"/>
                 </a:solidFill>
                 <a:latin typeface="+mj-lt"/>
               </a:rPr>
-              <a:t>doi</a:t>
-            </a:r>
-            <a:r>
-              <a:rPr lang="en-US" sz="1100" dirty="0">
-                <a:solidFill>
-                  <a:srgbClr val="000000"/>
-                </a:solidFill>
-                <a:latin typeface="+mj-lt"/>
-              </a:rPr>
-              <a:t>:</a:t>
-            </a:r>
-            <a:r>
-              <a:rPr lang="en-US" sz="1100" dirty="0">
-                <a:solidFill>
-                  <a:srgbClr val="AE0000"/>
-                </a:solidFill>
-                <a:latin typeface="+mj-lt"/>
-              </a:rPr>
-              <a:t> 10.1377/hlthaff.2015.0393</a:t>
+              <a:t> 	10.1377/hlthaff.2015.0393</a:t>
             </a:r>
             <a:r>
               <a:rPr lang="en-US" sz="1100" dirty="0">
@@ -9349,16 +9437,16 @@
                 </a:solidFill>
                 <a:latin typeface="+mj-lt"/>
               </a:rPr>
-              <a:t>Zanders, Theresa und Laura </a:t>
-            </a:r>
-            <a:r>
-              <a:rPr lang="de-DE" sz="1100" b="0" i="0" u="none" strike="noStrike" baseline="0" dirty="0" err="1">
+              <a:t>Zanders, Theresa und Laura Eleana Bein (2022). </a:t>
+            </a:r>
+            <a:r>
+              <a:rPr lang="de-DE" sz="1100" b="0" i="1" u="none" strike="noStrike" baseline="0" dirty="0">
                 <a:solidFill>
                   <a:srgbClr val="000000"/>
                 </a:solidFill>
                 <a:latin typeface="+mj-lt"/>
               </a:rPr>
-              <a:t>Eleana</a:t>
+              <a:t>Der anonyme Behandlungsschein – von der Idee zur Umsetzung. Ein 	Handlungsleitfaden.</a:t>
             </a:r>
             <a:r>
               <a:rPr lang="de-DE" sz="1100" b="0" i="0" u="none" strike="noStrike" baseline="0" dirty="0">
@@ -9367,25 +9455,7 @@
                 </a:solidFill>
                 <a:latin typeface="+mj-lt"/>
               </a:rPr>
-              <a:t> Bein (2022). Der anonyme Behandlungsschein – von der Idee zur Umsetzung. Ein Handlungsleitfaden. </a:t>
-            </a:r>
-            <a:r>
-              <a:rPr lang="de-DE" sz="1100" b="0" i="0" u="none" strike="noStrike" baseline="0" dirty="0" err="1">
-                <a:solidFill>
-                  <a:srgbClr val="000000"/>
-                </a:solidFill>
-                <a:latin typeface="+mj-lt"/>
-              </a:rPr>
-              <a:t>doi</a:t>
-            </a:r>
-            <a:r>
-              <a:rPr lang="de-DE" sz="1100" b="0" i="0" u="none" strike="noStrike" baseline="0" dirty="0">
-                <a:solidFill>
-                  <a:srgbClr val="000000"/>
-                </a:solidFill>
-                <a:latin typeface="+mj-lt"/>
-              </a:rPr>
-              <a:t>: </a:t>
+              <a:t> doi: </a:t>
             </a:r>
             <a:r>
               <a:rPr lang="de-DE" sz="1100" b="0" i="0" u="none" strike="noStrike" baseline="0" dirty="0">
@@ -9468,6 +9538,18 @@
   <p:clrMapOvr>
     <a:masterClrMapping/>
   </p:clrMapOvr>
+  <mc:AlternateContent xmlns:mc="http://schemas.openxmlformats.org/markup-compatibility/2006">
+    <mc:Choice xmlns:p14="http://schemas.microsoft.com/office/powerpoint/2010/main" Requires="p14">
+      <p:transition p14:dur="250">
+        <p:fade/>
+      </p:transition>
+    </mc:Choice>
+    <mc:Fallback>
+      <p:transition>
+        <p:fade/>
+      </p:transition>
+    </mc:Fallback>
+  </mc:AlternateContent>
 </p:sld>
 </file>
 
@@ -9545,7 +9627,25 @@
                 </a:solidFill>
                 <a:latin typeface="+mj-lt"/>
               </a:rPr>
-              <a:t>Bauhaus-Universität Weimar. Städtische Ko-Produktion von Teilhabe und Gemeinwohl. Aushandlungsprozesse zwischen zivilgesellschaftlichen Akteuren und städtischen Verwaltungen. aufgerufen am 12.04.2023. url: </a:t>
+              <a:t>Bauhaus-Universität Weimar. </a:t>
+            </a:r>
+            <a:r>
+              <a:rPr lang="de-DE" sz="1100" b="0" i="1" u="none" strike="noStrike" baseline="0" dirty="0">
+                <a:solidFill>
+                  <a:srgbClr val="000000"/>
+                </a:solidFill>
+                <a:latin typeface="+mj-lt"/>
+              </a:rPr>
+              <a:t>Städtische Ko-Produktion von Teilhabe und Gemeinwohl. Aushandlungsprozesse zwischen 	zivilgesellschaftlichen Akteuren und städtischen Verwaltungen. </a:t>
+            </a:r>
+            <a:r>
+              <a:rPr lang="de-DE" sz="1100" b="0" i="0" u="none" strike="noStrike" baseline="0" dirty="0">
+                <a:solidFill>
+                  <a:srgbClr val="000000"/>
+                </a:solidFill>
+                <a:latin typeface="+mj-lt"/>
+              </a:rPr>
+              <a:t>aufgerufen am 12.04.2023. url: </a:t>
             </a:r>
             <a:r>
               <a:rPr lang="de-DE" sz="1100" dirty="0">
@@ -9831,6 +9931,18 @@
   <p:clrMapOvr>
     <a:masterClrMapping/>
   </p:clrMapOvr>
+  <mc:AlternateContent xmlns:mc="http://schemas.openxmlformats.org/markup-compatibility/2006">
+    <mc:Choice xmlns:p14="http://schemas.microsoft.com/office/powerpoint/2010/main" Requires="p14">
+      <p:transition p14:dur="250">
+        <p:fade/>
+      </p:transition>
+    </mc:Choice>
+    <mc:Fallback>
+      <p:transition>
+        <p:fade/>
+      </p:transition>
+    </mc:Fallback>
+  </mc:AlternateContent>
 </p:sld>
 </file>
 
@@ -9999,6 +10111,18 @@
   <p:clrMapOvr>
     <a:masterClrMapping/>
   </p:clrMapOvr>
+  <mc:AlternateContent xmlns:mc="http://schemas.openxmlformats.org/markup-compatibility/2006">
+    <mc:Choice xmlns:p14="http://schemas.microsoft.com/office/powerpoint/2010/main" Requires="p14">
+      <p:transition p14:dur="250">
+        <p:fade/>
+      </p:transition>
+    </mc:Choice>
+    <mc:Fallback>
+      <p:transition>
+        <p:fade/>
+      </p:transition>
+    </mc:Fallback>
+  </mc:AlternateContent>
 </p:sld>
 </file>
 
@@ -10119,7 +10243,7 @@
             </a:pPr>
             <a:r>
               <a:rPr lang="de-DE" dirty="0"/>
-              <a:t>Hilfsangebote</a:t>
+              <a:t>Hilfsangebote in Leipzig</a:t>
             </a:r>
           </a:p>
           <a:p>
@@ -10164,6 +10288,18 @@
   <p:clrMapOvr>
     <a:masterClrMapping/>
   </p:clrMapOvr>
+  <mc:AlternateContent xmlns:mc="http://schemas.openxmlformats.org/markup-compatibility/2006">
+    <mc:Choice xmlns:p14="http://schemas.microsoft.com/office/powerpoint/2010/main" Requires="p14">
+      <p:transition p14:dur="250">
+        <p:fade/>
+      </p:transition>
+    </mc:Choice>
+    <mc:Fallback>
+      <p:transition>
+        <p:fade/>
+      </p:transition>
+    </mc:Fallback>
+  </mc:AlternateContent>
 </p:sld>
 </file>
 
@@ -10252,15 +10388,7 @@
           <a:p>
             <a:r>
               <a:rPr lang="de-DE" dirty="0"/>
-              <a:t>starke Prävalenz von </a:t>
-            </a:r>
-            <a:r>
-              <a:rPr lang="de-DE" dirty="0" err="1"/>
-              <a:t>somat</a:t>
-            </a:r>
-            <a:r>
-              <a:rPr lang="de-DE" dirty="0"/>
-              <a:t>. und psych. Erkrankungen </a:t>
+              <a:t>starke Prävalenz von somat. und psych. Erkrankungen </a:t>
             </a:r>
             <a:r>
               <a:rPr lang="de-DE" sz="1400" dirty="0"/>
@@ -10288,15 +10416,7 @@
             </a:r>
             <a:r>
               <a:rPr lang="de-DE" sz="1400" dirty="0"/>
-              <a:t>(</a:t>
-            </a:r>
-            <a:r>
-              <a:rPr lang="de-DE" sz="1400" dirty="0" err="1"/>
-              <a:t>Kaduszkiewicz</a:t>
-            </a:r>
-            <a:r>
-              <a:rPr lang="de-DE" sz="1400" dirty="0"/>
-              <a:t> u.a., 2017)</a:t>
+              <a:t>(Kaduszkiewicz u.a., 2017)</a:t>
             </a:r>
           </a:p>
           <a:p>
@@ -10393,6 +10513,18 @@
   <p:clrMapOvr>
     <a:masterClrMapping/>
   </p:clrMapOvr>
+  <mc:AlternateContent xmlns:mc="http://schemas.openxmlformats.org/markup-compatibility/2006">
+    <mc:Choice xmlns:p14="http://schemas.microsoft.com/office/powerpoint/2010/main" Requires="p14">
+      <p:transition p14:dur="250">
+        <p:fade/>
+      </p:transition>
+    </mc:Choice>
+    <mc:Fallback>
+      <p:transition>
+        <p:fade/>
+      </p:transition>
+    </mc:Fallback>
+  </mc:AlternateContent>
 </p:sld>
 </file>
 
@@ -10507,6 +10639,36 @@
               <a:t>Unklarheit bezüglich etablierter Lösungen</a:t>
             </a:r>
           </a:p>
+          <a:p>
+            <a:pPr marL="355600" indent="-342900">
+              <a:buFont typeface="Symbol" panose="05050102010706020507" pitchFamily="18" charset="2"/>
+              <a:buChar char="-"/>
+            </a:pPr>
+            <a:r>
+              <a:rPr lang="de-DE" dirty="0"/>
+              <a:t>Motivation:</a:t>
+            </a:r>
+          </a:p>
+          <a:p>
+            <a:pPr marL="800100" lvl="1" indent="-342900">
+              <a:buFont typeface="Symbol" panose="05050102010706020507" pitchFamily="18" charset="2"/>
+              <a:buChar char="-"/>
+            </a:pPr>
+            <a:r>
+              <a:rPr lang="de-DE" dirty="0"/>
+              <a:t>Vorbereitung für Projekt zur Entlastung von med. Fachpersonal</a:t>
+            </a:r>
+          </a:p>
+          <a:p>
+            <a:pPr marL="800100" lvl="1" indent="-342900">
+              <a:buFont typeface="Symbol" panose="05050102010706020507" pitchFamily="18" charset="2"/>
+              <a:buChar char="-"/>
+            </a:pPr>
+            <a:r>
+              <a:rPr lang="de-DE" dirty="0"/>
+              <a:t>Zeiteinsparung, geringerer Spielraum für Fehlentscheidungen</a:t>
+            </a:r>
+          </a:p>
         </p:txBody>
       </p:sp>
       <p:sp>
@@ -10566,6 +10728,18 @@
   <p:clrMapOvr>
     <a:masterClrMapping/>
   </p:clrMapOvr>
+  <mc:AlternateContent xmlns:mc="http://schemas.openxmlformats.org/markup-compatibility/2006">
+    <mc:Choice xmlns:p14="http://schemas.microsoft.com/office/powerpoint/2010/main" Requires="p14">
+      <p:transition p14:dur="250">
+        <p:fade/>
+      </p:transition>
+    </mc:Choice>
+    <mc:Fallback>
+      <p:transition>
+        <p:fade/>
+      </p:transition>
+    </mc:Fallback>
+  </mc:AlternateContent>
 </p:sld>
 </file>
 
@@ -10641,15 +10815,7 @@
             </a:r>
             <a:r>
               <a:rPr lang="de-DE" dirty="0"/>
-              <a:t>Systemanalyse und –</a:t>
-            </a:r>
-            <a:r>
-              <a:rPr lang="de-DE" dirty="0" err="1"/>
-              <a:t>bewertung</a:t>
-            </a:r>
-            <a:r>
-              <a:rPr lang="de-DE" dirty="0"/>
-              <a:t> des Leipziger Dokumentationssystems zur medizinischen Dokumentation bei Wohnungslosen</a:t>
+              <a:t>Systemanalyse und –bewertung des Leipziger Dokumentationssystems zur medizinischen Dokumentation bei Wohnungslosen</a:t>
             </a:r>
           </a:p>
           <a:p>
@@ -10771,6 +10937,18 @@
   <p:clrMapOvr>
     <a:masterClrMapping/>
   </p:clrMapOvr>
+  <mc:AlternateContent xmlns:mc="http://schemas.openxmlformats.org/markup-compatibility/2006">
+    <mc:Choice xmlns:p14="http://schemas.microsoft.com/office/powerpoint/2010/main" Requires="p14">
+      <p:transition p14:dur="250">
+        <p:fade/>
+      </p:transition>
+    </mc:Choice>
+    <mc:Fallback>
+      <p:transition>
+        <p:fade/>
+      </p:transition>
+    </mc:Fallback>
+  </mc:AlternateContent>
 </p:sld>
 </file>
 
@@ -11065,6 +11243,18 @@
   <p:clrMapOvr>
     <a:masterClrMapping/>
   </p:clrMapOvr>
+  <mc:AlternateContent xmlns:mc="http://schemas.openxmlformats.org/markup-compatibility/2006">
+    <mc:Choice xmlns:p14="http://schemas.microsoft.com/office/powerpoint/2010/main" Requires="p14">
+      <p:transition p14:dur="250">
+        <p:fade/>
+      </p:transition>
+    </mc:Choice>
+    <mc:Fallback>
+      <p:transition>
+        <p:fade/>
+      </p:transition>
+    </mc:Fallback>
+  </mc:AlternateContent>
 </p:sld>
 </file>
 
@@ -11189,7 +11379,21 @@
                 <a:latin typeface="+mn-lt"/>
                 <a:cs typeface="Arial" panose="020B0604020202020204" pitchFamily="34" charset="0"/>
               </a:rPr>
-              <a:t>(BAG W, 2022) </a:t>
+              <a:t>(</a:t>
+            </a:r>
+            <a:r>
+              <a:rPr lang="de-DE" sz="900" dirty="0">
+                <a:latin typeface="+mn-lt"/>
+                <a:cs typeface="Arial" panose="020B0604020202020204" pitchFamily="34" charset="0"/>
+              </a:rPr>
+              <a:t>Quelle: </a:t>
+            </a:r>
+            <a:r>
+              <a:rPr lang="de-DE" sz="900" i="0" dirty="0">
+                <a:latin typeface="+mn-lt"/>
+                <a:cs typeface="Arial" panose="020B0604020202020204" pitchFamily="34" charset="0"/>
+              </a:rPr>
+              <a:t>BAG W, 2022, S. 20) </a:t>
             </a:r>
             <a:endParaRPr lang="de-DE" sz="1050" i="0" dirty="0">
               <a:latin typeface="+mn-lt"/>
@@ -11208,6 +11412,18 @@
   <p:clrMapOvr>
     <a:masterClrMapping/>
   </p:clrMapOvr>
+  <mc:AlternateContent xmlns:mc="http://schemas.openxmlformats.org/markup-compatibility/2006">
+    <mc:Choice xmlns:p14="http://schemas.microsoft.com/office/powerpoint/2010/main" Requires="p14">
+      <p:transition p14:dur="250">
+        <p:fade/>
+      </p:transition>
+    </mc:Choice>
+    <mc:Fallback>
+      <p:transition>
+        <p:fade/>
+      </p:transition>
+    </mc:Fallback>
+  </mc:AlternateContent>
 </p:sld>
 </file>
 
@@ -11295,10 +11511,9 @@
           <a:p>
             <a:pPr lvl="1"/>
             <a:r>
-              <a:rPr lang="de-DE" dirty="0" err="1"/>
+              <a:rPr lang="de-DE" dirty="0"/>
               <a:t>Hilfebus</a:t>
             </a:r>
-            <a:endParaRPr lang="de-DE" dirty="0"/>
           </a:p>
           <a:p>
             <a:r>
@@ -11343,7 +11558,7 @@
           <a:p>
             <a:r>
               <a:rPr lang="de-DE" dirty="0"/>
-              <a:t>b.) Hilfsangebote</a:t>
+              <a:t>b.) Hilfsangebote in Leipzig</a:t>
             </a:r>
           </a:p>
         </p:txBody>
@@ -11433,7 +11648,7 @@
         </p:blipFill>
         <p:spPr>
           <a:xfrm>
-            <a:off x="4213950" y="1653387"/>
+            <a:off x="4213950" y="1827115"/>
             <a:ext cx="2245006" cy="866604"/>
           </a:xfrm>
           <a:prstGeom prst="rect">
@@ -11473,7 +11688,7 @@
         </p:blipFill>
         <p:spPr>
           <a:xfrm>
-            <a:off x="5628791" y="2898095"/>
+            <a:off x="5628791" y="3250143"/>
             <a:ext cx="2924508" cy="1048687"/>
           </a:xfrm>
           <a:prstGeom prst="rect">
@@ -11491,6 +11706,18 @@
   <p:clrMapOvr>
     <a:masterClrMapping/>
   </p:clrMapOvr>
+  <mc:AlternateContent xmlns:mc="http://schemas.openxmlformats.org/markup-compatibility/2006">
+    <mc:Choice xmlns:p14="http://schemas.microsoft.com/office/powerpoint/2010/main" Requires="p14">
+      <p:transition p14:dur="250">
+        <p:fade/>
+      </p:transition>
+    </mc:Choice>
+    <mc:Fallback>
+      <p:transition>
+        <p:fade/>
+      </p:transition>
+    </mc:Fallback>
+  </mc:AlternateContent>
 </p:sld>
 </file>
 
@@ -11543,15 +11770,7 @@
             </a:r>
             <a:r>
               <a:rPr lang="de-DE" sz="1400" dirty="0"/>
-              <a:t>(Wright u.a., 2016; </a:t>
-            </a:r>
-            <a:r>
-              <a:rPr lang="de-DE" sz="1400" dirty="0" err="1"/>
-              <a:t>Srebnik</a:t>
-            </a:r>
-            <a:r>
-              <a:rPr lang="de-DE" sz="1400" dirty="0"/>
-              <a:t> u.a., 2013)</a:t>
+              <a:t>(Wright u.a., 2016; Srebnik u.a., 2013)</a:t>
             </a:r>
           </a:p>
           <a:p>
@@ -11607,15 +11826,7 @@
             <a:pPr lvl="1"/>
             <a:r>
               <a:rPr lang="de-DE" dirty="0"/>
-              <a:t>Krankenhaus St </a:t>
-            </a:r>
-            <a:r>
-              <a:rPr lang="de-DE" dirty="0" err="1"/>
-              <a:t>Vincent’s</a:t>
-            </a:r>
-            <a:r>
-              <a:rPr lang="de-DE" dirty="0"/>
-              <a:t> in Melbourne</a:t>
+              <a:t>Krankenhaus St Vincent’s in Melbourne</a:t>
             </a:r>
           </a:p>
           <a:p>
@@ -11684,6 +11895,324 @@
   <p:clrMapOvr>
     <a:masterClrMapping/>
   </p:clrMapOvr>
+  <mc:AlternateContent xmlns:mc="http://schemas.openxmlformats.org/markup-compatibility/2006">
+    <mc:Choice xmlns:p14="http://schemas.microsoft.com/office/powerpoint/2010/main" Requires="p14">
+      <p:transition p14:dur="250">
+        <p:fade/>
+      </p:transition>
+    </mc:Choice>
+    <mc:Fallback>
+      <p:transition>
+        <p:fade/>
+      </p:transition>
+    </mc:Fallback>
+  </mc:AlternateContent>
+  <p:timing>
+    <p:tnLst>
+      <p:par>
+        <p:cTn id="1" dur="indefinite" restart="never" nodeType="tmRoot">
+          <p:childTnLst>
+            <p:seq concurrent="1" nextAc="seek">
+              <p:cTn id="2" dur="indefinite" nodeType="mainSeq">
+                <p:childTnLst>
+                  <p:par>
+                    <p:cTn id="3" fill="hold">
+                      <p:stCondLst>
+                        <p:cond delay="indefinite"/>
+                      </p:stCondLst>
+                      <p:childTnLst>
+                        <p:par>
+                          <p:cTn id="4" fill="hold">
+                            <p:stCondLst>
+                              <p:cond delay="0"/>
+                            </p:stCondLst>
+                            <p:childTnLst>
+                              <p:par>
+                                <p:cTn id="5" presetID="10" presetClass="entr" presetSubtype="0" fill="hold" nodeType="clickEffect">
+                                  <p:stCondLst>
+                                    <p:cond delay="0"/>
+                                  </p:stCondLst>
+                                  <p:childTnLst>
+                                    <p:set>
+                                      <p:cBhvr>
+                                        <p:cTn id="6" dur="1" fill="hold">
+                                          <p:stCondLst>
+                                            <p:cond delay="0"/>
+                                          </p:stCondLst>
+                                        </p:cTn>
+                                        <p:tgtEl>
+                                          <p:spTgt spid="3">
+                                            <p:txEl>
+                                              <p:pRg st="5" end="5"/>
+                                            </p:txEl>
+                                          </p:spTgt>
+                                        </p:tgtEl>
+                                        <p:attrNameLst>
+                                          <p:attrName>style.visibility</p:attrName>
+                                        </p:attrNameLst>
+                                      </p:cBhvr>
+                                      <p:to>
+                                        <p:strVal val="visible"/>
+                                      </p:to>
+                                    </p:set>
+                                    <p:animEffect transition="in" filter="fade">
+                                      <p:cBhvr>
+                                        <p:cTn id="7" dur="250"/>
+                                        <p:tgtEl>
+                                          <p:spTgt spid="3">
+                                            <p:txEl>
+                                              <p:pRg st="5" end="5"/>
+                                            </p:txEl>
+                                          </p:spTgt>
+                                        </p:tgtEl>
+                                      </p:cBhvr>
+                                    </p:animEffect>
+                                  </p:childTnLst>
+                                </p:cTn>
+                              </p:par>
+                              <p:par>
+                                <p:cTn id="8" presetID="10" presetClass="entr" presetSubtype="0" fill="hold" nodeType="withEffect">
+                                  <p:stCondLst>
+                                    <p:cond delay="0"/>
+                                  </p:stCondLst>
+                                  <p:childTnLst>
+                                    <p:set>
+                                      <p:cBhvr>
+                                        <p:cTn id="9" dur="1" fill="hold">
+                                          <p:stCondLst>
+                                            <p:cond delay="0"/>
+                                          </p:stCondLst>
+                                        </p:cTn>
+                                        <p:tgtEl>
+                                          <p:spTgt spid="3">
+                                            <p:txEl>
+                                              <p:pRg st="6" end="6"/>
+                                            </p:txEl>
+                                          </p:spTgt>
+                                        </p:tgtEl>
+                                        <p:attrNameLst>
+                                          <p:attrName>style.visibility</p:attrName>
+                                        </p:attrNameLst>
+                                      </p:cBhvr>
+                                      <p:to>
+                                        <p:strVal val="visible"/>
+                                      </p:to>
+                                    </p:set>
+                                    <p:animEffect transition="in" filter="fade">
+                                      <p:cBhvr>
+                                        <p:cTn id="10" dur="250"/>
+                                        <p:tgtEl>
+                                          <p:spTgt spid="3">
+                                            <p:txEl>
+                                              <p:pRg st="6" end="6"/>
+                                            </p:txEl>
+                                          </p:spTgt>
+                                        </p:tgtEl>
+                                      </p:cBhvr>
+                                    </p:animEffect>
+                                  </p:childTnLst>
+                                </p:cTn>
+                              </p:par>
+                              <p:par>
+                                <p:cTn id="11" presetID="10" presetClass="entr" presetSubtype="0" fill="hold" nodeType="withEffect">
+                                  <p:stCondLst>
+                                    <p:cond delay="0"/>
+                                  </p:stCondLst>
+                                  <p:childTnLst>
+                                    <p:set>
+                                      <p:cBhvr>
+                                        <p:cTn id="12" dur="1" fill="hold">
+                                          <p:stCondLst>
+                                            <p:cond delay="0"/>
+                                          </p:stCondLst>
+                                        </p:cTn>
+                                        <p:tgtEl>
+                                          <p:spTgt spid="3">
+                                            <p:txEl>
+                                              <p:pRg st="7" end="7"/>
+                                            </p:txEl>
+                                          </p:spTgt>
+                                        </p:tgtEl>
+                                        <p:attrNameLst>
+                                          <p:attrName>style.visibility</p:attrName>
+                                        </p:attrNameLst>
+                                      </p:cBhvr>
+                                      <p:to>
+                                        <p:strVal val="visible"/>
+                                      </p:to>
+                                    </p:set>
+                                    <p:animEffect transition="in" filter="fade">
+                                      <p:cBhvr>
+                                        <p:cTn id="13" dur="250"/>
+                                        <p:tgtEl>
+                                          <p:spTgt spid="3">
+                                            <p:txEl>
+                                              <p:pRg st="7" end="7"/>
+                                            </p:txEl>
+                                          </p:spTgt>
+                                        </p:tgtEl>
+                                      </p:cBhvr>
+                                    </p:animEffect>
+                                  </p:childTnLst>
+                                </p:cTn>
+                              </p:par>
+                              <p:par>
+                                <p:cTn id="14" presetID="10" presetClass="entr" presetSubtype="0" fill="hold" nodeType="withEffect">
+                                  <p:stCondLst>
+                                    <p:cond delay="0"/>
+                                  </p:stCondLst>
+                                  <p:childTnLst>
+                                    <p:set>
+                                      <p:cBhvr>
+                                        <p:cTn id="15" dur="1" fill="hold">
+                                          <p:stCondLst>
+                                            <p:cond delay="0"/>
+                                          </p:stCondLst>
+                                        </p:cTn>
+                                        <p:tgtEl>
+                                          <p:spTgt spid="3">
+                                            <p:txEl>
+                                              <p:pRg st="8" end="8"/>
+                                            </p:txEl>
+                                          </p:spTgt>
+                                        </p:tgtEl>
+                                        <p:attrNameLst>
+                                          <p:attrName>style.visibility</p:attrName>
+                                        </p:attrNameLst>
+                                      </p:cBhvr>
+                                      <p:to>
+                                        <p:strVal val="visible"/>
+                                      </p:to>
+                                    </p:set>
+                                    <p:animEffect transition="in" filter="fade">
+                                      <p:cBhvr>
+                                        <p:cTn id="16" dur="250"/>
+                                        <p:tgtEl>
+                                          <p:spTgt spid="3">
+                                            <p:txEl>
+                                              <p:pRg st="8" end="8"/>
+                                            </p:txEl>
+                                          </p:spTgt>
+                                        </p:tgtEl>
+                                      </p:cBhvr>
+                                    </p:animEffect>
+                                  </p:childTnLst>
+                                </p:cTn>
+                              </p:par>
+                              <p:par>
+                                <p:cTn id="17" presetID="10" presetClass="entr" presetSubtype="0" fill="hold" nodeType="withEffect">
+                                  <p:stCondLst>
+                                    <p:cond delay="0"/>
+                                  </p:stCondLst>
+                                  <p:childTnLst>
+                                    <p:set>
+                                      <p:cBhvr>
+                                        <p:cTn id="18" dur="1" fill="hold">
+                                          <p:stCondLst>
+                                            <p:cond delay="0"/>
+                                          </p:stCondLst>
+                                        </p:cTn>
+                                        <p:tgtEl>
+                                          <p:spTgt spid="3">
+                                            <p:txEl>
+                                              <p:pRg st="9" end="9"/>
+                                            </p:txEl>
+                                          </p:spTgt>
+                                        </p:tgtEl>
+                                        <p:attrNameLst>
+                                          <p:attrName>style.visibility</p:attrName>
+                                        </p:attrNameLst>
+                                      </p:cBhvr>
+                                      <p:to>
+                                        <p:strVal val="visible"/>
+                                      </p:to>
+                                    </p:set>
+                                    <p:animEffect transition="in" filter="fade">
+                                      <p:cBhvr>
+                                        <p:cTn id="19" dur="250"/>
+                                        <p:tgtEl>
+                                          <p:spTgt spid="3">
+                                            <p:txEl>
+                                              <p:pRg st="9" end="9"/>
+                                            </p:txEl>
+                                          </p:spTgt>
+                                        </p:tgtEl>
+                                      </p:cBhvr>
+                                    </p:animEffect>
+                                  </p:childTnLst>
+                                </p:cTn>
+                              </p:par>
+                              <p:par>
+                                <p:cTn id="20" presetID="10" presetClass="entr" presetSubtype="0" fill="hold" nodeType="withEffect">
+                                  <p:stCondLst>
+                                    <p:cond delay="0"/>
+                                  </p:stCondLst>
+                                  <p:childTnLst>
+                                    <p:set>
+                                      <p:cBhvr>
+                                        <p:cTn id="21" dur="1" fill="hold">
+                                          <p:stCondLst>
+                                            <p:cond delay="0"/>
+                                          </p:stCondLst>
+                                        </p:cTn>
+                                        <p:tgtEl>
+                                          <p:spTgt spid="3">
+                                            <p:txEl>
+                                              <p:pRg st="10" end="10"/>
+                                            </p:txEl>
+                                          </p:spTgt>
+                                        </p:tgtEl>
+                                        <p:attrNameLst>
+                                          <p:attrName>style.visibility</p:attrName>
+                                        </p:attrNameLst>
+                                      </p:cBhvr>
+                                      <p:to>
+                                        <p:strVal val="visible"/>
+                                      </p:to>
+                                    </p:set>
+                                    <p:animEffect transition="in" filter="fade">
+                                      <p:cBhvr>
+                                        <p:cTn id="22" dur="250"/>
+                                        <p:tgtEl>
+                                          <p:spTgt spid="3">
+                                            <p:txEl>
+                                              <p:pRg st="10" end="10"/>
+                                            </p:txEl>
+                                          </p:spTgt>
+                                        </p:tgtEl>
+                                      </p:cBhvr>
+                                    </p:animEffect>
+                                  </p:childTnLst>
+                                </p:cTn>
+                              </p:par>
+                            </p:childTnLst>
+                          </p:cTn>
+                        </p:par>
+                      </p:childTnLst>
+                    </p:cTn>
+                  </p:par>
+                </p:childTnLst>
+              </p:cTn>
+              <p:prevCondLst>
+                <p:cond evt="onPrev" delay="0">
+                  <p:tgtEl>
+                    <p:sldTgt/>
+                  </p:tgtEl>
+                </p:cond>
+              </p:prevCondLst>
+              <p:nextCondLst>
+                <p:cond evt="onNext" delay="0">
+                  <p:tgtEl>
+                    <p:sldTgt/>
+                  </p:tgtEl>
+                </p:cond>
+              </p:nextCondLst>
+            </p:seq>
+          </p:childTnLst>
+        </p:cTn>
+      </p:par>
+    </p:tnLst>
+  </p:timing>
 </p:sld>
 </file>
 
